--- a/ostatni/Nový Prezentace Microsoft PowerPointu.pptx
+++ b/ostatni/Nový Prezentace Microsoft PowerPointu.pptx
@@ -6,9 +6,10 @@
   </p:sldMasterIdLst>
   <p:sldIdLst>
     <p:sldId id="256" r:id="rId2"/>
-    <p:sldId id="257" r:id="rId3"/>
-    <p:sldId id="258" r:id="rId4"/>
-    <p:sldId id="259" r:id="rId5"/>
+    <p:sldId id="260" r:id="rId3"/>
+    <p:sldId id="257" r:id="rId4"/>
+    <p:sldId id="258" r:id="rId5"/>
+    <p:sldId id="259" r:id="rId6"/>
   </p:sldIdLst>
   <p:sldSz cx="12192000" cy="6858000"/>
   <p:notesSz cx="6858000" cy="9144000"/>
@@ -107,6 +108,11 @@
       </a:defRPr>
     </a:lvl9pPr>
   </p:defaultTextStyle>
+  <p:extLst>
+    <p:ext uri="{EFAFB233-063F-42B5-8137-9DF3F51BA10A}">
+      <p15:sldGuideLst xmlns:p15="http://schemas.microsoft.com/office/powerpoint/2012/main"/>
+    </p:ext>
+  </p:extLst>
 </p:presentation>
 </file>
 
@@ -2351,7 +2357,1089 @@
 </dgm:colorsDef>
 </file>
 
+<file path=ppt/diagrams/colors4.xml><?xml version="1.0" encoding="utf-8"?>
+<dgm:colorsDef xmlns:dgm="http://schemas.openxmlformats.org/drawingml/2006/diagram" xmlns:a="http://schemas.openxmlformats.org/drawingml/2006/main" uniqueId="urn:microsoft.com/office/officeart/2005/8/colors/accent1_2">
+  <dgm:title val=""/>
+  <dgm:desc val=""/>
+  <dgm:catLst>
+    <dgm:cat type="accent1" pri="11200"/>
+  </dgm:catLst>
+  <dgm:styleLbl name="node0">
+    <dgm:fillClrLst meth="repeat">
+      <a:schemeClr val="accent1"/>
+    </dgm:fillClrLst>
+    <dgm:linClrLst meth="repeat">
+      <a:schemeClr val="lt1"/>
+    </dgm:linClrLst>
+    <dgm:effectClrLst/>
+    <dgm:txLinClrLst/>
+    <dgm:txFillClrLst/>
+    <dgm:txEffectClrLst/>
+  </dgm:styleLbl>
+  <dgm:styleLbl name="alignNode1">
+    <dgm:fillClrLst meth="repeat">
+      <a:schemeClr val="accent1"/>
+    </dgm:fillClrLst>
+    <dgm:linClrLst meth="repeat">
+      <a:schemeClr val="accent1"/>
+    </dgm:linClrLst>
+    <dgm:effectClrLst/>
+    <dgm:txLinClrLst/>
+    <dgm:txFillClrLst/>
+    <dgm:txEffectClrLst/>
+  </dgm:styleLbl>
+  <dgm:styleLbl name="node1">
+    <dgm:fillClrLst meth="repeat">
+      <a:schemeClr val="accent1"/>
+    </dgm:fillClrLst>
+    <dgm:linClrLst meth="repeat">
+      <a:schemeClr val="lt1"/>
+    </dgm:linClrLst>
+    <dgm:effectClrLst/>
+    <dgm:txLinClrLst/>
+    <dgm:txFillClrLst/>
+    <dgm:txEffectClrLst/>
+  </dgm:styleLbl>
+  <dgm:styleLbl name="lnNode1">
+    <dgm:fillClrLst meth="repeat">
+      <a:schemeClr val="accent1"/>
+    </dgm:fillClrLst>
+    <dgm:linClrLst meth="repeat">
+      <a:schemeClr val="lt1"/>
+    </dgm:linClrLst>
+    <dgm:effectClrLst/>
+    <dgm:txLinClrLst/>
+    <dgm:txFillClrLst/>
+    <dgm:txEffectClrLst/>
+  </dgm:styleLbl>
+  <dgm:styleLbl name="vennNode1">
+    <dgm:fillClrLst meth="repeat">
+      <a:schemeClr val="accent1">
+        <a:alpha val="50000"/>
+      </a:schemeClr>
+    </dgm:fillClrLst>
+    <dgm:linClrLst meth="repeat">
+      <a:schemeClr val="lt1"/>
+    </dgm:linClrLst>
+    <dgm:effectClrLst/>
+    <dgm:txLinClrLst/>
+    <dgm:txFillClrLst/>
+    <dgm:txEffectClrLst/>
+  </dgm:styleLbl>
+  <dgm:styleLbl name="node2">
+    <dgm:fillClrLst meth="repeat">
+      <a:schemeClr val="accent1"/>
+    </dgm:fillClrLst>
+    <dgm:linClrLst meth="repeat">
+      <a:schemeClr val="lt1"/>
+    </dgm:linClrLst>
+    <dgm:effectClrLst/>
+    <dgm:txLinClrLst/>
+    <dgm:txFillClrLst/>
+    <dgm:txEffectClrLst/>
+  </dgm:styleLbl>
+  <dgm:styleLbl name="node3">
+    <dgm:fillClrLst meth="repeat">
+      <a:schemeClr val="accent1"/>
+    </dgm:fillClrLst>
+    <dgm:linClrLst meth="repeat">
+      <a:schemeClr val="lt1"/>
+    </dgm:linClrLst>
+    <dgm:effectClrLst/>
+    <dgm:txLinClrLst/>
+    <dgm:txFillClrLst/>
+    <dgm:txEffectClrLst/>
+  </dgm:styleLbl>
+  <dgm:styleLbl name="node4">
+    <dgm:fillClrLst meth="repeat">
+      <a:schemeClr val="accent1"/>
+    </dgm:fillClrLst>
+    <dgm:linClrLst meth="repeat">
+      <a:schemeClr val="lt1"/>
+    </dgm:linClrLst>
+    <dgm:effectClrLst/>
+    <dgm:txLinClrLst/>
+    <dgm:txFillClrLst/>
+    <dgm:txEffectClrLst/>
+  </dgm:styleLbl>
+  <dgm:styleLbl name="fgImgPlace1">
+    <dgm:fillClrLst meth="repeat">
+      <a:schemeClr val="accent1">
+        <a:tint val="50000"/>
+      </a:schemeClr>
+    </dgm:fillClrLst>
+    <dgm:linClrLst meth="repeat">
+      <a:schemeClr val="lt1"/>
+    </dgm:linClrLst>
+    <dgm:effectClrLst/>
+    <dgm:txLinClrLst/>
+    <dgm:txFillClrLst meth="repeat">
+      <a:schemeClr val="lt1"/>
+    </dgm:txFillClrLst>
+    <dgm:txEffectClrLst/>
+  </dgm:styleLbl>
+  <dgm:styleLbl name="alignImgPlace1">
+    <dgm:fillClrLst meth="repeat">
+      <a:schemeClr val="accent1">
+        <a:tint val="50000"/>
+      </a:schemeClr>
+    </dgm:fillClrLst>
+    <dgm:linClrLst meth="repeat">
+      <a:schemeClr val="lt1"/>
+    </dgm:linClrLst>
+    <dgm:effectClrLst/>
+    <dgm:txLinClrLst/>
+    <dgm:txFillClrLst meth="repeat">
+      <a:schemeClr val="lt1"/>
+    </dgm:txFillClrLst>
+    <dgm:txEffectClrLst/>
+  </dgm:styleLbl>
+  <dgm:styleLbl name="bgImgPlace1">
+    <dgm:fillClrLst meth="repeat">
+      <a:schemeClr val="accent1">
+        <a:tint val="50000"/>
+      </a:schemeClr>
+    </dgm:fillClrLst>
+    <dgm:linClrLst meth="repeat">
+      <a:schemeClr val="lt1"/>
+    </dgm:linClrLst>
+    <dgm:effectClrLst/>
+    <dgm:txLinClrLst/>
+    <dgm:txFillClrLst meth="repeat">
+      <a:schemeClr val="lt1"/>
+    </dgm:txFillClrLst>
+    <dgm:txEffectClrLst/>
+  </dgm:styleLbl>
+  <dgm:styleLbl name="sibTrans2D1">
+    <dgm:fillClrLst meth="repeat">
+      <a:schemeClr val="accent1">
+        <a:tint val="60000"/>
+      </a:schemeClr>
+    </dgm:fillClrLst>
+    <dgm:linClrLst meth="repeat">
+      <a:schemeClr val="accent1">
+        <a:tint val="60000"/>
+      </a:schemeClr>
+    </dgm:linClrLst>
+    <dgm:effectClrLst/>
+    <dgm:txLinClrLst/>
+    <dgm:txFillClrLst/>
+    <dgm:txEffectClrLst/>
+  </dgm:styleLbl>
+  <dgm:styleLbl name="fgSibTrans2D1">
+    <dgm:fillClrLst meth="repeat">
+      <a:schemeClr val="accent1">
+        <a:tint val="60000"/>
+      </a:schemeClr>
+    </dgm:fillClrLst>
+    <dgm:linClrLst meth="repeat">
+      <a:schemeClr val="accent1">
+        <a:tint val="60000"/>
+      </a:schemeClr>
+    </dgm:linClrLst>
+    <dgm:effectClrLst/>
+    <dgm:txLinClrLst/>
+    <dgm:txFillClrLst/>
+    <dgm:txEffectClrLst/>
+  </dgm:styleLbl>
+  <dgm:styleLbl name="bgSibTrans2D1">
+    <dgm:fillClrLst meth="repeat">
+      <a:schemeClr val="accent1">
+        <a:tint val="60000"/>
+      </a:schemeClr>
+    </dgm:fillClrLst>
+    <dgm:linClrLst meth="repeat">
+      <a:schemeClr val="accent1">
+        <a:tint val="60000"/>
+      </a:schemeClr>
+    </dgm:linClrLst>
+    <dgm:effectClrLst/>
+    <dgm:txLinClrLst/>
+    <dgm:txFillClrLst/>
+    <dgm:txEffectClrLst/>
+  </dgm:styleLbl>
+  <dgm:styleLbl name="sibTrans1D1">
+    <dgm:fillClrLst meth="repeat">
+      <a:schemeClr val="accent1"/>
+    </dgm:fillClrLst>
+    <dgm:linClrLst meth="repeat">
+      <a:schemeClr val="accent1"/>
+    </dgm:linClrLst>
+    <dgm:effectClrLst/>
+    <dgm:txLinClrLst/>
+    <dgm:txFillClrLst meth="repeat">
+      <a:schemeClr val="tx1"/>
+    </dgm:txFillClrLst>
+    <dgm:txEffectClrLst/>
+  </dgm:styleLbl>
+  <dgm:styleLbl name="callout">
+    <dgm:fillClrLst meth="repeat">
+      <a:schemeClr val="accent1"/>
+    </dgm:fillClrLst>
+    <dgm:linClrLst meth="repeat">
+      <a:schemeClr val="accent1">
+        <a:tint val="50000"/>
+      </a:schemeClr>
+    </dgm:linClrLst>
+    <dgm:effectClrLst/>
+    <dgm:txLinClrLst/>
+    <dgm:txFillClrLst meth="repeat">
+      <a:schemeClr val="tx1"/>
+    </dgm:txFillClrLst>
+    <dgm:txEffectClrLst/>
+  </dgm:styleLbl>
+  <dgm:styleLbl name="asst0">
+    <dgm:fillClrLst meth="repeat">
+      <a:schemeClr val="accent1"/>
+    </dgm:fillClrLst>
+    <dgm:linClrLst meth="repeat">
+      <a:schemeClr val="lt1"/>
+    </dgm:linClrLst>
+    <dgm:effectClrLst/>
+    <dgm:txLinClrLst/>
+    <dgm:txFillClrLst/>
+    <dgm:txEffectClrLst/>
+  </dgm:styleLbl>
+  <dgm:styleLbl name="asst1">
+    <dgm:fillClrLst meth="repeat">
+      <a:schemeClr val="accent1"/>
+    </dgm:fillClrLst>
+    <dgm:linClrLst meth="repeat">
+      <a:schemeClr val="lt1"/>
+    </dgm:linClrLst>
+    <dgm:effectClrLst/>
+    <dgm:txLinClrLst/>
+    <dgm:txFillClrLst/>
+    <dgm:txEffectClrLst/>
+  </dgm:styleLbl>
+  <dgm:styleLbl name="asst2">
+    <dgm:fillClrLst meth="repeat">
+      <a:schemeClr val="accent1"/>
+    </dgm:fillClrLst>
+    <dgm:linClrLst meth="repeat">
+      <a:schemeClr val="lt1"/>
+    </dgm:linClrLst>
+    <dgm:effectClrLst/>
+    <dgm:txLinClrLst/>
+    <dgm:txFillClrLst/>
+    <dgm:txEffectClrLst/>
+  </dgm:styleLbl>
+  <dgm:styleLbl name="asst3">
+    <dgm:fillClrLst meth="repeat">
+      <a:schemeClr val="accent1"/>
+    </dgm:fillClrLst>
+    <dgm:linClrLst meth="repeat">
+      <a:schemeClr val="lt1"/>
+    </dgm:linClrLst>
+    <dgm:effectClrLst/>
+    <dgm:txLinClrLst/>
+    <dgm:txFillClrLst/>
+    <dgm:txEffectClrLst/>
+  </dgm:styleLbl>
+  <dgm:styleLbl name="asst4">
+    <dgm:fillClrLst meth="repeat">
+      <a:schemeClr val="accent1"/>
+    </dgm:fillClrLst>
+    <dgm:linClrLst meth="repeat">
+      <a:schemeClr val="lt1"/>
+    </dgm:linClrLst>
+    <dgm:effectClrLst/>
+    <dgm:txLinClrLst/>
+    <dgm:txFillClrLst/>
+    <dgm:txEffectClrLst/>
+  </dgm:styleLbl>
+  <dgm:styleLbl name="parChTrans2D1">
+    <dgm:fillClrLst meth="repeat">
+      <a:schemeClr val="accent1">
+        <a:tint val="60000"/>
+      </a:schemeClr>
+    </dgm:fillClrLst>
+    <dgm:linClrLst meth="repeat">
+      <a:schemeClr val="accent1">
+        <a:tint val="60000"/>
+      </a:schemeClr>
+    </dgm:linClrLst>
+    <dgm:effectClrLst/>
+    <dgm:txLinClrLst/>
+    <dgm:txFillClrLst meth="repeat">
+      <a:schemeClr val="lt1"/>
+    </dgm:txFillClrLst>
+    <dgm:txEffectClrLst/>
+  </dgm:styleLbl>
+  <dgm:styleLbl name="parChTrans2D2">
+    <dgm:fillClrLst meth="repeat">
+      <a:schemeClr val="accent1"/>
+    </dgm:fillClrLst>
+    <dgm:linClrLst meth="repeat">
+      <a:schemeClr val="accent1"/>
+    </dgm:linClrLst>
+    <dgm:effectClrLst/>
+    <dgm:txLinClrLst/>
+    <dgm:txFillClrLst meth="repeat">
+      <a:schemeClr val="lt1"/>
+    </dgm:txFillClrLst>
+    <dgm:txEffectClrLst/>
+  </dgm:styleLbl>
+  <dgm:styleLbl name="parChTrans2D3">
+    <dgm:fillClrLst meth="repeat">
+      <a:schemeClr val="accent1"/>
+    </dgm:fillClrLst>
+    <dgm:linClrLst meth="repeat">
+      <a:schemeClr val="accent1"/>
+    </dgm:linClrLst>
+    <dgm:effectClrLst/>
+    <dgm:txLinClrLst/>
+    <dgm:txFillClrLst meth="repeat">
+      <a:schemeClr val="lt1"/>
+    </dgm:txFillClrLst>
+    <dgm:txEffectClrLst/>
+  </dgm:styleLbl>
+  <dgm:styleLbl name="parChTrans2D4">
+    <dgm:fillClrLst meth="repeat">
+      <a:schemeClr val="accent1"/>
+    </dgm:fillClrLst>
+    <dgm:linClrLst meth="repeat">
+      <a:schemeClr val="accent1"/>
+    </dgm:linClrLst>
+    <dgm:effectClrLst/>
+    <dgm:txLinClrLst/>
+    <dgm:txFillClrLst meth="repeat">
+      <a:schemeClr val="lt1"/>
+    </dgm:txFillClrLst>
+    <dgm:txEffectClrLst/>
+  </dgm:styleLbl>
+  <dgm:styleLbl name="parChTrans1D1">
+    <dgm:fillClrLst meth="repeat">
+      <a:schemeClr val="accent1"/>
+    </dgm:fillClrLst>
+    <dgm:linClrLst meth="repeat">
+      <a:schemeClr val="accent1">
+        <a:shade val="60000"/>
+      </a:schemeClr>
+    </dgm:linClrLst>
+    <dgm:effectClrLst/>
+    <dgm:txLinClrLst/>
+    <dgm:txFillClrLst meth="repeat">
+      <a:schemeClr val="tx1"/>
+    </dgm:txFillClrLst>
+    <dgm:txEffectClrLst/>
+  </dgm:styleLbl>
+  <dgm:styleLbl name="parChTrans1D2">
+    <dgm:fillClrLst meth="repeat">
+      <a:schemeClr val="accent1"/>
+    </dgm:fillClrLst>
+    <dgm:linClrLst meth="repeat">
+      <a:schemeClr val="accent1">
+        <a:shade val="60000"/>
+      </a:schemeClr>
+    </dgm:linClrLst>
+    <dgm:effectClrLst/>
+    <dgm:txLinClrLst/>
+    <dgm:txFillClrLst meth="repeat">
+      <a:schemeClr val="tx1"/>
+    </dgm:txFillClrLst>
+    <dgm:txEffectClrLst/>
+  </dgm:styleLbl>
+  <dgm:styleLbl name="parChTrans1D3">
+    <dgm:fillClrLst meth="repeat">
+      <a:schemeClr val="accent1"/>
+    </dgm:fillClrLst>
+    <dgm:linClrLst meth="repeat">
+      <a:schemeClr val="accent1">
+        <a:shade val="80000"/>
+      </a:schemeClr>
+    </dgm:linClrLst>
+    <dgm:effectClrLst/>
+    <dgm:txLinClrLst/>
+    <dgm:txFillClrLst meth="repeat">
+      <a:schemeClr val="tx1"/>
+    </dgm:txFillClrLst>
+    <dgm:txEffectClrLst/>
+  </dgm:styleLbl>
+  <dgm:styleLbl name="parChTrans1D4">
+    <dgm:fillClrLst meth="repeat">
+      <a:schemeClr val="accent1"/>
+    </dgm:fillClrLst>
+    <dgm:linClrLst meth="repeat">
+      <a:schemeClr val="accent1">
+        <a:shade val="80000"/>
+      </a:schemeClr>
+    </dgm:linClrLst>
+    <dgm:effectClrLst/>
+    <dgm:txLinClrLst/>
+    <dgm:txFillClrLst meth="repeat">
+      <a:schemeClr val="tx1"/>
+    </dgm:txFillClrLst>
+    <dgm:txEffectClrLst/>
+  </dgm:styleLbl>
+  <dgm:styleLbl name="fgAcc1">
+    <dgm:fillClrLst meth="repeat">
+      <a:schemeClr val="lt1">
+        <a:alpha val="90000"/>
+      </a:schemeClr>
+    </dgm:fillClrLst>
+    <dgm:linClrLst meth="repeat">
+      <a:schemeClr val="accent1"/>
+    </dgm:linClrLst>
+    <dgm:effectClrLst/>
+    <dgm:txLinClrLst/>
+    <dgm:txFillClrLst meth="repeat">
+      <a:schemeClr val="dk1"/>
+    </dgm:txFillClrLst>
+    <dgm:txEffectClrLst/>
+  </dgm:styleLbl>
+  <dgm:styleLbl name="conFgAcc1">
+    <dgm:fillClrLst meth="repeat">
+      <a:schemeClr val="lt1">
+        <a:alpha val="90000"/>
+      </a:schemeClr>
+    </dgm:fillClrLst>
+    <dgm:linClrLst meth="repeat">
+      <a:schemeClr val="accent1"/>
+    </dgm:linClrLst>
+    <dgm:effectClrLst/>
+    <dgm:txLinClrLst/>
+    <dgm:txFillClrLst meth="repeat">
+      <a:schemeClr val="dk1"/>
+    </dgm:txFillClrLst>
+    <dgm:txEffectClrLst/>
+  </dgm:styleLbl>
+  <dgm:styleLbl name="alignAcc1">
+    <dgm:fillClrLst meth="repeat">
+      <a:schemeClr val="lt1">
+        <a:alpha val="90000"/>
+      </a:schemeClr>
+    </dgm:fillClrLst>
+    <dgm:linClrLst meth="repeat">
+      <a:schemeClr val="accent1"/>
+    </dgm:linClrLst>
+    <dgm:effectClrLst/>
+    <dgm:txLinClrLst/>
+    <dgm:txFillClrLst meth="repeat">
+      <a:schemeClr val="dk1"/>
+    </dgm:txFillClrLst>
+    <dgm:txEffectClrLst/>
+  </dgm:styleLbl>
+  <dgm:styleLbl name="trAlignAcc1">
+    <dgm:fillClrLst meth="repeat">
+      <a:schemeClr val="lt1">
+        <a:alpha val="40000"/>
+      </a:schemeClr>
+    </dgm:fillClrLst>
+    <dgm:linClrLst meth="repeat">
+      <a:schemeClr val="accent1"/>
+    </dgm:linClrLst>
+    <dgm:effectClrLst/>
+    <dgm:txLinClrLst/>
+    <dgm:txFillClrLst meth="repeat">
+      <a:schemeClr val="dk1"/>
+    </dgm:txFillClrLst>
+    <dgm:txEffectClrLst/>
+  </dgm:styleLbl>
+  <dgm:styleLbl name="bgAcc1">
+    <dgm:fillClrLst meth="repeat">
+      <a:schemeClr val="lt1">
+        <a:alpha val="90000"/>
+      </a:schemeClr>
+    </dgm:fillClrLst>
+    <dgm:linClrLst meth="repeat">
+      <a:schemeClr val="accent1"/>
+    </dgm:linClrLst>
+    <dgm:effectClrLst/>
+    <dgm:txLinClrLst/>
+    <dgm:txFillClrLst meth="repeat">
+      <a:schemeClr val="dk1"/>
+    </dgm:txFillClrLst>
+    <dgm:txEffectClrLst/>
+  </dgm:styleLbl>
+  <dgm:styleLbl name="solidFgAcc1">
+    <dgm:fillClrLst meth="repeat">
+      <a:schemeClr val="lt1"/>
+    </dgm:fillClrLst>
+    <dgm:linClrLst meth="repeat">
+      <a:schemeClr val="accent1"/>
+    </dgm:linClrLst>
+    <dgm:effectClrLst/>
+    <dgm:txLinClrLst/>
+    <dgm:txFillClrLst meth="repeat">
+      <a:schemeClr val="dk1"/>
+    </dgm:txFillClrLst>
+    <dgm:txEffectClrLst/>
+  </dgm:styleLbl>
+  <dgm:styleLbl name="solidAlignAcc1">
+    <dgm:fillClrLst meth="repeat">
+      <a:schemeClr val="lt1"/>
+    </dgm:fillClrLst>
+    <dgm:linClrLst meth="repeat">
+      <a:schemeClr val="accent1"/>
+    </dgm:linClrLst>
+    <dgm:effectClrLst/>
+    <dgm:txLinClrLst/>
+    <dgm:txFillClrLst meth="repeat">
+      <a:schemeClr val="dk1"/>
+    </dgm:txFillClrLst>
+    <dgm:txEffectClrLst/>
+  </dgm:styleLbl>
+  <dgm:styleLbl name="solidBgAcc1">
+    <dgm:fillClrLst meth="repeat">
+      <a:schemeClr val="lt1"/>
+    </dgm:fillClrLst>
+    <dgm:linClrLst meth="repeat">
+      <a:schemeClr val="accent1"/>
+    </dgm:linClrLst>
+    <dgm:effectClrLst/>
+    <dgm:txLinClrLst/>
+    <dgm:txFillClrLst meth="repeat">
+      <a:schemeClr val="dk1"/>
+    </dgm:txFillClrLst>
+    <dgm:txEffectClrLst/>
+  </dgm:styleLbl>
+  <dgm:styleLbl name="fgAccFollowNode1">
+    <dgm:fillClrLst meth="repeat">
+      <a:schemeClr val="accent1">
+        <a:alpha val="90000"/>
+        <a:tint val="40000"/>
+      </a:schemeClr>
+    </dgm:fillClrLst>
+    <dgm:linClrLst meth="repeat">
+      <a:schemeClr val="accent1">
+        <a:alpha val="90000"/>
+        <a:tint val="40000"/>
+      </a:schemeClr>
+    </dgm:linClrLst>
+    <dgm:effectClrLst/>
+    <dgm:txLinClrLst/>
+    <dgm:txFillClrLst meth="repeat">
+      <a:schemeClr val="dk1"/>
+    </dgm:txFillClrLst>
+    <dgm:txEffectClrLst/>
+  </dgm:styleLbl>
+  <dgm:styleLbl name="alignAccFollowNode1">
+    <dgm:fillClrLst meth="repeat">
+      <a:schemeClr val="accent1">
+        <a:alpha val="90000"/>
+        <a:tint val="40000"/>
+      </a:schemeClr>
+    </dgm:fillClrLst>
+    <dgm:linClrLst meth="repeat">
+      <a:schemeClr val="accent1">
+        <a:alpha val="90000"/>
+        <a:tint val="40000"/>
+      </a:schemeClr>
+    </dgm:linClrLst>
+    <dgm:effectClrLst/>
+    <dgm:txLinClrLst/>
+    <dgm:txFillClrLst meth="repeat">
+      <a:schemeClr val="dk1"/>
+    </dgm:txFillClrLst>
+    <dgm:txEffectClrLst/>
+  </dgm:styleLbl>
+  <dgm:styleLbl name="bgAccFollowNode1">
+    <dgm:fillClrLst meth="repeat">
+      <a:schemeClr val="accent1">
+        <a:alpha val="90000"/>
+        <a:tint val="40000"/>
+      </a:schemeClr>
+    </dgm:fillClrLst>
+    <dgm:linClrLst meth="repeat">
+      <a:schemeClr val="accent1">
+        <a:alpha val="90000"/>
+        <a:tint val="40000"/>
+      </a:schemeClr>
+    </dgm:linClrLst>
+    <dgm:effectClrLst/>
+    <dgm:txLinClrLst/>
+    <dgm:txFillClrLst meth="repeat">
+      <a:schemeClr val="dk1"/>
+    </dgm:txFillClrLst>
+    <dgm:txEffectClrLst/>
+  </dgm:styleLbl>
+  <dgm:styleLbl name="fgAcc0">
+    <dgm:fillClrLst meth="repeat">
+      <a:schemeClr val="lt1">
+        <a:alpha val="90000"/>
+      </a:schemeClr>
+    </dgm:fillClrLst>
+    <dgm:linClrLst meth="repeat">
+      <a:schemeClr val="accent1"/>
+    </dgm:linClrLst>
+    <dgm:effectClrLst/>
+    <dgm:txLinClrLst/>
+    <dgm:txFillClrLst meth="repeat">
+      <a:schemeClr val="dk1"/>
+    </dgm:txFillClrLst>
+    <dgm:txEffectClrLst/>
+  </dgm:styleLbl>
+  <dgm:styleLbl name="fgAcc2">
+    <dgm:fillClrLst meth="repeat">
+      <a:schemeClr val="lt1">
+        <a:alpha val="90000"/>
+      </a:schemeClr>
+    </dgm:fillClrLst>
+    <dgm:linClrLst meth="repeat">
+      <a:schemeClr val="accent1"/>
+    </dgm:linClrLst>
+    <dgm:effectClrLst/>
+    <dgm:txLinClrLst/>
+    <dgm:txFillClrLst meth="repeat">
+      <a:schemeClr val="dk1"/>
+    </dgm:txFillClrLst>
+    <dgm:txEffectClrLst/>
+  </dgm:styleLbl>
+  <dgm:styleLbl name="fgAcc3">
+    <dgm:fillClrLst meth="repeat">
+      <a:schemeClr val="lt1">
+        <a:alpha val="90000"/>
+      </a:schemeClr>
+    </dgm:fillClrLst>
+    <dgm:linClrLst meth="repeat">
+      <a:schemeClr val="accent1"/>
+    </dgm:linClrLst>
+    <dgm:effectClrLst/>
+    <dgm:txLinClrLst/>
+    <dgm:txFillClrLst meth="repeat">
+      <a:schemeClr val="dk1"/>
+    </dgm:txFillClrLst>
+    <dgm:txEffectClrLst/>
+  </dgm:styleLbl>
+  <dgm:styleLbl name="fgAcc4">
+    <dgm:fillClrLst meth="repeat">
+      <a:schemeClr val="lt1">
+        <a:alpha val="90000"/>
+      </a:schemeClr>
+    </dgm:fillClrLst>
+    <dgm:linClrLst meth="repeat">
+      <a:schemeClr val="accent1"/>
+    </dgm:linClrLst>
+    <dgm:effectClrLst/>
+    <dgm:txLinClrLst/>
+    <dgm:txFillClrLst meth="repeat">
+      <a:schemeClr val="dk1"/>
+    </dgm:txFillClrLst>
+    <dgm:txEffectClrLst/>
+  </dgm:styleLbl>
+  <dgm:styleLbl name="bgShp">
+    <dgm:fillClrLst meth="repeat">
+      <a:schemeClr val="accent1">
+        <a:tint val="40000"/>
+      </a:schemeClr>
+    </dgm:fillClrLst>
+    <dgm:linClrLst meth="repeat">
+      <a:schemeClr val="accent1"/>
+    </dgm:linClrLst>
+    <dgm:effectClrLst/>
+    <dgm:txLinClrLst/>
+    <dgm:txFillClrLst meth="repeat">
+      <a:schemeClr val="dk1"/>
+    </dgm:txFillClrLst>
+    <dgm:txEffectClrLst/>
+  </dgm:styleLbl>
+  <dgm:styleLbl name="dkBgShp">
+    <dgm:fillClrLst meth="repeat">
+      <a:schemeClr val="accent1">
+        <a:shade val="80000"/>
+      </a:schemeClr>
+    </dgm:fillClrLst>
+    <dgm:linClrLst meth="repeat">
+      <a:schemeClr val="accent1"/>
+    </dgm:linClrLst>
+    <dgm:effectClrLst/>
+    <dgm:txLinClrLst/>
+    <dgm:txFillClrLst meth="repeat">
+      <a:schemeClr val="lt1"/>
+    </dgm:txFillClrLst>
+    <dgm:txEffectClrLst/>
+  </dgm:styleLbl>
+  <dgm:styleLbl name="trBgShp">
+    <dgm:fillClrLst meth="repeat">
+      <a:schemeClr val="accent1">
+        <a:tint val="50000"/>
+        <a:alpha val="40000"/>
+      </a:schemeClr>
+    </dgm:fillClrLst>
+    <dgm:linClrLst meth="repeat">
+      <a:schemeClr val="accent1"/>
+    </dgm:linClrLst>
+    <dgm:effectClrLst/>
+    <dgm:txLinClrLst/>
+    <dgm:txFillClrLst meth="repeat">
+      <a:schemeClr val="lt1"/>
+    </dgm:txFillClrLst>
+    <dgm:txEffectClrLst/>
+  </dgm:styleLbl>
+  <dgm:styleLbl name="fgShp">
+    <dgm:fillClrLst meth="repeat">
+      <a:schemeClr val="accent1">
+        <a:tint val="60000"/>
+      </a:schemeClr>
+    </dgm:fillClrLst>
+    <dgm:linClrLst meth="repeat">
+      <a:schemeClr val="lt1"/>
+    </dgm:linClrLst>
+    <dgm:effectClrLst/>
+    <dgm:txLinClrLst/>
+    <dgm:txFillClrLst meth="repeat">
+      <a:schemeClr val="dk1"/>
+    </dgm:txFillClrLst>
+    <dgm:txEffectClrLst/>
+  </dgm:styleLbl>
+  <dgm:styleLbl name="revTx">
+    <dgm:fillClrLst meth="repeat">
+      <a:schemeClr val="lt1">
+        <a:alpha val="0"/>
+      </a:schemeClr>
+    </dgm:fillClrLst>
+    <dgm:linClrLst meth="repeat">
+      <a:schemeClr val="dk1">
+        <a:alpha val="0"/>
+      </a:schemeClr>
+    </dgm:linClrLst>
+    <dgm:effectClrLst/>
+    <dgm:txLinClrLst/>
+    <dgm:txFillClrLst meth="repeat">
+      <a:schemeClr val="tx1"/>
+    </dgm:txFillClrLst>
+    <dgm:txEffectClrLst/>
+  </dgm:styleLbl>
+</dgm:colorsDef>
+</file>
+
 <file path=ppt/diagrams/data1.xml><?xml version="1.0" encoding="utf-8"?>
+<dgm:dataModel xmlns:dgm="http://schemas.openxmlformats.org/drawingml/2006/diagram" xmlns:a="http://schemas.openxmlformats.org/drawingml/2006/main">
+  <dgm:ptLst>
+    <dgm:pt modelId="{2F2B966C-DA44-4140-9206-DB9EEC911171}" type="doc">
+      <dgm:prSet loTypeId="urn:microsoft.com/office/officeart/2018/5/layout/IconCircleLabelList" loCatId="icon" qsTypeId="urn:microsoft.com/office/officeart/2005/8/quickstyle/simple1" qsCatId="simple" csTypeId="urn:microsoft.com/office/officeart/2005/8/colors/accent1_2" csCatId="accent1" phldr="1"/>
+      <dgm:spPr/>
+      <dgm:t>
+        <a:bodyPr/>
+        <a:lstStyle/>
+        <a:p>
+          <a:endParaRPr lang="en-US"/>
+        </a:p>
+      </dgm:t>
+    </dgm:pt>
+    <dgm:pt modelId="{7FCA9AF3-C47B-42F4-9CAF-AE44899B84AA}">
+      <dgm:prSet/>
+      <dgm:spPr/>
+      <dgm:t>
+        <a:bodyPr/>
+        <a:lstStyle/>
+        <a:p>
+          <a:pPr>
+            <a:lnSpc>
+              <a:spcPct val="100000"/>
+            </a:lnSpc>
+            <a:defRPr cap="all"/>
+          </a:pPr>
+          <a:r>
+            <a:rPr lang="cs-CZ"/>
+            <a:t>Technologie</a:t>
+          </a:r>
+          <a:endParaRPr lang="en-US"/>
+        </a:p>
+      </dgm:t>
+    </dgm:pt>
+    <dgm:pt modelId="{E4E9E507-32C1-4BF7-B3C8-775B24C28CC5}" type="parTrans" cxnId="{4060E4D1-FE12-41A5-8428-644457018CC5}">
+      <dgm:prSet/>
+      <dgm:spPr/>
+      <dgm:t>
+        <a:bodyPr/>
+        <a:lstStyle/>
+        <a:p>
+          <a:endParaRPr lang="en-US"/>
+        </a:p>
+      </dgm:t>
+    </dgm:pt>
+    <dgm:pt modelId="{A3AB08B1-C4AE-4159-9D83-9534CA153AB2}" type="sibTrans" cxnId="{4060E4D1-FE12-41A5-8428-644457018CC5}">
+      <dgm:prSet/>
+      <dgm:spPr/>
+      <dgm:t>
+        <a:bodyPr/>
+        <a:lstStyle/>
+        <a:p>
+          <a:endParaRPr lang="en-US"/>
+        </a:p>
+      </dgm:t>
+    </dgm:pt>
+    <dgm:pt modelId="{E7E7682F-2A78-44B4-B5E1-EF37F3AC8E74}">
+      <dgm:prSet/>
+      <dgm:spPr/>
+      <dgm:t>
+        <a:bodyPr/>
+        <a:lstStyle/>
+        <a:p>
+          <a:pPr>
+            <a:lnSpc>
+              <a:spcPct val="100000"/>
+            </a:lnSpc>
+            <a:defRPr cap="all"/>
+          </a:pPr>
+          <a:r>
+            <a:rPr lang="cs-CZ"/>
+            <a:t>Plány na 1. pololetí</a:t>
+          </a:r>
+          <a:endParaRPr lang="en-US"/>
+        </a:p>
+      </dgm:t>
+    </dgm:pt>
+    <dgm:pt modelId="{5DD0CDC5-0D10-4845-9EE3-7987184AB186}" type="parTrans" cxnId="{C2DFE019-40F7-4103-8CEC-50796CECDDB1}">
+      <dgm:prSet/>
+      <dgm:spPr/>
+      <dgm:t>
+        <a:bodyPr/>
+        <a:lstStyle/>
+        <a:p>
+          <a:endParaRPr lang="en-US"/>
+        </a:p>
+      </dgm:t>
+    </dgm:pt>
+    <dgm:pt modelId="{DC20FA7F-D7BC-4C2C-A457-327E235ADC93}" type="sibTrans" cxnId="{C2DFE019-40F7-4103-8CEC-50796CECDDB1}">
+      <dgm:prSet/>
+      <dgm:spPr/>
+      <dgm:t>
+        <a:bodyPr/>
+        <a:lstStyle/>
+        <a:p>
+          <a:endParaRPr lang="en-US"/>
+        </a:p>
+      </dgm:t>
+    </dgm:pt>
+    <dgm:pt modelId="{F08D318E-F5F9-4289-9AEA-8ECABFA90CBF}">
+      <dgm:prSet/>
+      <dgm:spPr/>
+      <dgm:t>
+        <a:bodyPr/>
+        <a:lstStyle/>
+        <a:p>
+          <a:pPr>
+            <a:lnSpc>
+              <a:spcPct val="100000"/>
+            </a:lnSpc>
+            <a:defRPr cap="all"/>
+          </a:pPr>
+          <a:r>
+            <a:rPr lang="cs-CZ"/>
+            <a:t>Plány na 2. pololetí</a:t>
+          </a:r>
+          <a:endParaRPr lang="en-US"/>
+        </a:p>
+      </dgm:t>
+    </dgm:pt>
+    <dgm:pt modelId="{284630B7-5384-4CBF-8949-1078E29271C0}" type="parTrans" cxnId="{EACEB7E0-97DD-4B83-99C0-64F7637FC9E7}">
+      <dgm:prSet/>
+      <dgm:spPr/>
+      <dgm:t>
+        <a:bodyPr/>
+        <a:lstStyle/>
+        <a:p>
+          <a:endParaRPr lang="en-US"/>
+        </a:p>
+      </dgm:t>
+    </dgm:pt>
+    <dgm:pt modelId="{75C55839-A8DB-4A7F-BBCD-EE24DC3DD506}" type="sibTrans" cxnId="{EACEB7E0-97DD-4B83-99C0-64F7637FC9E7}">
+      <dgm:prSet/>
+      <dgm:spPr/>
+      <dgm:t>
+        <a:bodyPr/>
+        <a:lstStyle/>
+        <a:p>
+          <a:endParaRPr lang="en-US"/>
+        </a:p>
+      </dgm:t>
+    </dgm:pt>
+    <dgm:pt modelId="{8C7663A1-6EE9-47B9-BE0E-BBD5992DD2F4}" type="pres">
+      <dgm:prSet presAssocID="{2F2B966C-DA44-4140-9206-DB9EEC911171}" presName="root" presStyleCnt="0">
+        <dgm:presLayoutVars>
+          <dgm:dir/>
+          <dgm:resizeHandles val="exact"/>
+        </dgm:presLayoutVars>
+      </dgm:prSet>
+      <dgm:spPr/>
+    </dgm:pt>
+    <dgm:pt modelId="{A79A5A83-25A0-4880-8572-31E6395C7F43}" type="pres">
+      <dgm:prSet presAssocID="{7FCA9AF3-C47B-42F4-9CAF-AE44899B84AA}" presName="compNode" presStyleCnt="0"/>
+      <dgm:spPr/>
+    </dgm:pt>
+    <dgm:pt modelId="{C01E8E9C-8D83-48D6-93A5-500C839F1C47}" type="pres">
+      <dgm:prSet presAssocID="{7FCA9AF3-C47B-42F4-9CAF-AE44899B84AA}" presName="iconBgRect" presStyleLbl="bgShp" presStyleIdx="0" presStyleCnt="3"/>
+      <dgm:spPr/>
+    </dgm:pt>
+    <dgm:pt modelId="{5481E5E3-70AC-4C35-BBE5-59FAC0CBF5B1}" type="pres">
+      <dgm:prSet presAssocID="{7FCA9AF3-C47B-42F4-9CAF-AE44899B84AA}" presName="iconRect" presStyleLbl="node1" presStyleIdx="0" presStyleCnt="3"/>
+      <dgm:spPr>
+        <a:blipFill>
+          <a:blip xmlns:r="http://schemas.openxmlformats.org/officeDocument/2006/relationships" r:embed="rId1">
+            <a:extLst>
+              <a:ext uri="{28A0092B-C50C-407E-A947-70E740481C1C}">
+                <a14:useLocalDpi xmlns:a14="http://schemas.microsoft.com/office/drawing/2010/main" val="0"/>
+              </a:ext>
+              <a:ext uri="{96DAC541-7B7A-43D3-8B79-37D633B846F1}">
+                <asvg:svgBlip xmlns:asvg="http://schemas.microsoft.com/office/drawing/2016/SVG/main" r:embed="rId2"/>
+              </a:ext>
+            </a:extLst>
+          </a:blip>
+          <a:stretch>
+            <a:fillRect/>
+          </a:stretch>
+        </a:blipFill>
+      </dgm:spPr>
+      <dgm:extLst>
+        <a:ext uri="{E40237B7-FDA0-4F09-8148-C483321AD2D9}">
+          <dgm14:cNvPr xmlns:dgm14="http://schemas.microsoft.com/office/drawing/2010/diagram" id="0" name="" descr="Počítač"/>
+        </a:ext>
+      </dgm:extLst>
+    </dgm:pt>
+    <dgm:pt modelId="{A345D5CF-7EA9-4FA4-A82D-E912085C31C9}" type="pres">
+      <dgm:prSet presAssocID="{7FCA9AF3-C47B-42F4-9CAF-AE44899B84AA}" presName="spaceRect" presStyleCnt="0"/>
+      <dgm:spPr/>
+    </dgm:pt>
+    <dgm:pt modelId="{4F81D2D8-A258-4AB8-A750-89022F0512AA}" type="pres">
+      <dgm:prSet presAssocID="{7FCA9AF3-C47B-42F4-9CAF-AE44899B84AA}" presName="textRect" presStyleLbl="revTx" presStyleIdx="0" presStyleCnt="3">
+        <dgm:presLayoutVars>
+          <dgm:chMax val="1"/>
+          <dgm:chPref val="1"/>
+        </dgm:presLayoutVars>
+      </dgm:prSet>
+      <dgm:spPr/>
+    </dgm:pt>
+    <dgm:pt modelId="{C3F8F208-4694-49E7-90B4-930704FD4EBF}" type="pres">
+      <dgm:prSet presAssocID="{A3AB08B1-C4AE-4159-9D83-9534CA153AB2}" presName="sibTrans" presStyleCnt="0"/>
+      <dgm:spPr/>
+    </dgm:pt>
+    <dgm:pt modelId="{8A395ED7-8707-4239-A20B-3AE0657DF664}" type="pres">
+      <dgm:prSet presAssocID="{E7E7682F-2A78-44B4-B5E1-EF37F3AC8E74}" presName="compNode" presStyleCnt="0"/>
+      <dgm:spPr/>
+    </dgm:pt>
+    <dgm:pt modelId="{C44DA6E4-03BC-4813-9A84-977386EA59CE}" type="pres">
+      <dgm:prSet presAssocID="{E7E7682F-2A78-44B4-B5E1-EF37F3AC8E74}" presName="iconBgRect" presStyleLbl="bgShp" presStyleIdx="1" presStyleCnt="3"/>
+      <dgm:spPr/>
+    </dgm:pt>
+    <dgm:pt modelId="{558E7FE5-0345-443A-BD90-869D27A05125}" type="pres">
+      <dgm:prSet presAssocID="{E7E7682F-2A78-44B4-B5E1-EF37F3AC8E74}" presName="iconRect" presStyleLbl="node1" presStyleIdx="1" presStyleCnt="3"/>
+      <dgm:spPr>
+        <a:blipFill>
+          <a:blip xmlns:r="http://schemas.openxmlformats.org/officeDocument/2006/relationships" r:embed="rId3">
+            <a:extLst>
+              <a:ext uri="{28A0092B-C50C-407E-A947-70E740481C1C}">
+                <a14:useLocalDpi xmlns:a14="http://schemas.microsoft.com/office/drawing/2010/main" val="0"/>
+              </a:ext>
+              <a:ext uri="{96DAC541-7B7A-43D3-8B79-37D633B846F1}">
+                <asvg:svgBlip xmlns:asvg="http://schemas.microsoft.com/office/drawing/2016/SVG/main" r:embed="rId4"/>
+              </a:ext>
+            </a:extLst>
+          </a:blip>
+          <a:stretch>
+            <a:fillRect/>
+          </a:stretch>
+        </a:blipFill>
+      </dgm:spPr>
+      <dgm:extLst>
+        <a:ext uri="{E40237B7-FDA0-4F09-8148-C483321AD2D9}">
+          <dgm14:cNvPr xmlns:dgm14="http://schemas.microsoft.com/office/drawing/2010/diagram" id="0" name="" descr="Atom"/>
+        </a:ext>
+      </dgm:extLst>
+    </dgm:pt>
+    <dgm:pt modelId="{D766A90D-1AAB-400C-8514-9741D26A7398}" type="pres">
+      <dgm:prSet presAssocID="{E7E7682F-2A78-44B4-B5E1-EF37F3AC8E74}" presName="spaceRect" presStyleCnt="0"/>
+      <dgm:spPr/>
+    </dgm:pt>
+    <dgm:pt modelId="{4C5AAD2D-FB90-4ED1-95B9-585EF31907A1}" type="pres">
+      <dgm:prSet presAssocID="{E7E7682F-2A78-44B4-B5E1-EF37F3AC8E74}" presName="textRect" presStyleLbl="revTx" presStyleIdx="1" presStyleCnt="3">
+        <dgm:presLayoutVars>
+          <dgm:chMax val="1"/>
+          <dgm:chPref val="1"/>
+        </dgm:presLayoutVars>
+      </dgm:prSet>
+      <dgm:spPr/>
+    </dgm:pt>
+    <dgm:pt modelId="{C0C02CFF-D6A7-4473-A122-E8923FA9431E}" type="pres">
+      <dgm:prSet presAssocID="{DC20FA7F-D7BC-4C2C-A457-327E235ADC93}" presName="sibTrans" presStyleCnt="0"/>
+      <dgm:spPr/>
+    </dgm:pt>
+    <dgm:pt modelId="{156C9063-DE2F-4303-8774-54CC2DED4D8F}" type="pres">
+      <dgm:prSet presAssocID="{F08D318E-F5F9-4289-9AEA-8ECABFA90CBF}" presName="compNode" presStyleCnt="0"/>
+      <dgm:spPr/>
+    </dgm:pt>
+    <dgm:pt modelId="{C35C9E0A-0676-4442-B79D-5990230033C2}" type="pres">
+      <dgm:prSet presAssocID="{F08D318E-F5F9-4289-9AEA-8ECABFA90CBF}" presName="iconBgRect" presStyleLbl="bgShp" presStyleIdx="2" presStyleCnt="3"/>
+      <dgm:spPr/>
+    </dgm:pt>
+    <dgm:pt modelId="{3EE0A4FB-9BBA-4CEB-979C-DCCF02CC95E0}" type="pres">
+      <dgm:prSet presAssocID="{F08D318E-F5F9-4289-9AEA-8ECABFA90CBF}" presName="iconRect" presStyleLbl="node1" presStyleIdx="2" presStyleCnt="3"/>
+      <dgm:spPr>
+        <a:blipFill>
+          <a:blip xmlns:r="http://schemas.openxmlformats.org/officeDocument/2006/relationships" r:embed="rId5">
+            <a:extLst>
+              <a:ext uri="{28A0092B-C50C-407E-A947-70E740481C1C}">
+                <a14:useLocalDpi xmlns:a14="http://schemas.microsoft.com/office/drawing/2010/main" val="0"/>
+              </a:ext>
+              <a:ext uri="{96DAC541-7B7A-43D3-8B79-37D633B846F1}">
+                <asvg:svgBlip xmlns:asvg="http://schemas.microsoft.com/office/drawing/2016/SVG/main" r:embed="rId6"/>
+              </a:ext>
+            </a:extLst>
+          </a:blip>
+          <a:stretch>
+            <a:fillRect/>
+          </a:stretch>
+        </a:blipFill>
+      </dgm:spPr>
+      <dgm:extLst>
+        <a:ext uri="{E40237B7-FDA0-4F09-8148-C483321AD2D9}">
+          <dgm14:cNvPr xmlns:dgm14="http://schemas.microsoft.com/office/drawing/2010/diagram" id="0" name="" descr="DNA"/>
+        </a:ext>
+      </dgm:extLst>
+    </dgm:pt>
+    <dgm:pt modelId="{E0A2C374-2F95-4E74-AA15-830B256DCBAA}" type="pres">
+      <dgm:prSet presAssocID="{F08D318E-F5F9-4289-9AEA-8ECABFA90CBF}" presName="spaceRect" presStyleCnt="0"/>
+      <dgm:spPr/>
+    </dgm:pt>
+    <dgm:pt modelId="{1BDF3452-B377-46CE-B34D-B1F4833276CB}" type="pres">
+      <dgm:prSet presAssocID="{F08D318E-F5F9-4289-9AEA-8ECABFA90CBF}" presName="textRect" presStyleLbl="revTx" presStyleIdx="2" presStyleCnt="3">
+        <dgm:presLayoutVars>
+          <dgm:chMax val="1"/>
+          <dgm:chPref val="1"/>
+        </dgm:presLayoutVars>
+      </dgm:prSet>
+      <dgm:spPr/>
+    </dgm:pt>
+  </dgm:ptLst>
+  <dgm:cxnLst>
+    <dgm:cxn modelId="{C2DFE019-40F7-4103-8CEC-50796CECDDB1}" srcId="{2F2B966C-DA44-4140-9206-DB9EEC911171}" destId="{E7E7682F-2A78-44B4-B5E1-EF37F3AC8E74}" srcOrd="1" destOrd="0" parTransId="{5DD0CDC5-0D10-4845-9EE3-7987184AB186}" sibTransId="{DC20FA7F-D7BC-4C2C-A457-327E235ADC93}"/>
+    <dgm:cxn modelId="{B69FF930-BEDC-4149-803E-1CEDD1F35EBD}" type="presOf" srcId="{7FCA9AF3-C47B-42F4-9CAF-AE44899B84AA}" destId="{4F81D2D8-A258-4AB8-A750-89022F0512AA}" srcOrd="0" destOrd="0" presId="urn:microsoft.com/office/officeart/2018/5/layout/IconCircleLabelList"/>
+    <dgm:cxn modelId="{82EAD2AC-F67E-41B5-BD4E-DB698E385F81}" type="presOf" srcId="{E7E7682F-2A78-44B4-B5E1-EF37F3AC8E74}" destId="{4C5AAD2D-FB90-4ED1-95B9-585EF31907A1}" srcOrd="0" destOrd="0" presId="urn:microsoft.com/office/officeart/2018/5/layout/IconCircleLabelList"/>
+    <dgm:cxn modelId="{4060E4D1-FE12-41A5-8428-644457018CC5}" srcId="{2F2B966C-DA44-4140-9206-DB9EEC911171}" destId="{7FCA9AF3-C47B-42F4-9CAF-AE44899B84AA}" srcOrd="0" destOrd="0" parTransId="{E4E9E507-32C1-4BF7-B3C8-775B24C28CC5}" sibTransId="{A3AB08B1-C4AE-4159-9D83-9534CA153AB2}"/>
+    <dgm:cxn modelId="{9314A2D2-B501-4083-B994-B870BE078271}" type="presOf" srcId="{2F2B966C-DA44-4140-9206-DB9EEC911171}" destId="{8C7663A1-6EE9-47B9-BE0E-BBD5992DD2F4}" srcOrd="0" destOrd="0" presId="urn:microsoft.com/office/officeart/2018/5/layout/IconCircleLabelList"/>
+    <dgm:cxn modelId="{EACEB7E0-97DD-4B83-99C0-64F7637FC9E7}" srcId="{2F2B966C-DA44-4140-9206-DB9EEC911171}" destId="{F08D318E-F5F9-4289-9AEA-8ECABFA90CBF}" srcOrd="2" destOrd="0" parTransId="{284630B7-5384-4CBF-8949-1078E29271C0}" sibTransId="{75C55839-A8DB-4A7F-BBCD-EE24DC3DD506}"/>
+    <dgm:cxn modelId="{928FDFEC-BC3E-4412-9F57-56BCB00BC8B4}" type="presOf" srcId="{F08D318E-F5F9-4289-9AEA-8ECABFA90CBF}" destId="{1BDF3452-B377-46CE-B34D-B1F4833276CB}" srcOrd="0" destOrd="0" presId="urn:microsoft.com/office/officeart/2018/5/layout/IconCircleLabelList"/>
+    <dgm:cxn modelId="{CA3EF3D4-FE6A-4916-B9C9-BED6E655AEF1}" type="presParOf" srcId="{8C7663A1-6EE9-47B9-BE0E-BBD5992DD2F4}" destId="{A79A5A83-25A0-4880-8572-31E6395C7F43}" srcOrd="0" destOrd="0" presId="urn:microsoft.com/office/officeart/2018/5/layout/IconCircleLabelList"/>
+    <dgm:cxn modelId="{66EECA47-63A8-4DCD-B798-470797A477AE}" type="presParOf" srcId="{A79A5A83-25A0-4880-8572-31E6395C7F43}" destId="{C01E8E9C-8D83-48D6-93A5-500C839F1C47}" srcOrd="0" destOrd="0" presId="urn:microsoft.com/office/officeart/2018/5/layout/IconCircleLabelList"/>
+    <dgm:cxn modelId="{4FCD7870-803F-43B5-98D4-F22313E82504}" type="presParOf" srcId="{A79A5A83-25A0-4880-8572-31E6395C7F43}" destId="{5481E5E3-70AC-4C35-BBE5-59FAC0CBF5B1}" srcOrd="1" destOrd="0" presId="urn:microsoft.com/office/officeart/2018/5/layout/IconCircleLabelList"/>
+    <dgm:cxn modelId="{94481319-6CB8-4BE7-BC18-D40F2ACC178C}" type="presParOf" srcId="{A79A5A83-25A0-4880-8572-31E6395C7F43}" destId="{A345D5CF-7EA9-4FA4-A82D-E912085C31C9}" srcOrd="2" destOrd="0" presId="urn:microsoft.com/office/officeart/2018/5/layout/IconCircleLabelList"/>
+    <dgm:cxn modelId="{D6159A07-35D2-452D-9067-0729FB0025C4}" type="presParOf" srcId="{A79A5A83-25A0-4880-8572-31E6395C7F43}" destId="{4F81D2D8-A258-4AB8-A750-89022F0512AA}" srcOrd="3" destOrd="0" presId="urn:microsoft.com/office/officeart/2018/5/layout/IconCircleLabelList"/>
+    <dgm:cxn modelId="{0C40CADC-2586-42ED-A881-FA36D72779D2}" type="presParOf" srcId="{8C7663A1-6EE9-47B9-BE0E-BBD5992DD2F4}" destId="{C3F8F208-4694-49E7-90B4-930704FD4EBF}" srcOrd="1" destOrd="0" presId="urn:microsoft.com/office/officeart/2018/5/layout/IconCircleLabelList"/>
+    <dgm:cxn modelId="{7F6FBE76-E92C-4AD9-A5E1-A5F20C90AA44}" type="presParOf" srcId="{8C7663A1-6EE9-47B9-BE0E-BBD5992DD2F4}" destId="{8A395ED7-8707-4239-A20B-3AE0657DF664}" srcOrd="2" destOrd="0" presId="urn:microsoft.com/office/officeart/2018/5/layout/IconCircleLabelList"/>
+    <dgm:cxn modelId="{4630E3B6-0AAE-4B6D-8F3A-BAC3ECD69F91}" type="presParOf" srcId="{8A395ED7-8707-4239-A20B-3AE0657DF664}" destId="{C44DA6E4-03BC-4813-9A84-977386EA59CE}" srcOrd="0" destOrd="0" presId="urn:microsoft.com/office/officeart/2018/5/layout/IconCircleLabelList"/>
+    <dgm:cxn modelId="{701BA323-BEBD-4A8D-B6D1-95CB88E6F606}" type="presParOf" srcId="{8A395ED7-8707-4239-A20B-3AE0657DF664}" destId="{558E7FE5-0345-443A-BD90-869D27A05125}" srcOrd="1" destOrd="0" presId="urn:microsoft.com/office/officeart/2018/5/layout/IconCircleLabelList"/>
+    <dgm:cxn modelId="{0079D833-CB2A-4111-86AD-8B2048DAFB43}" type="presParOf" srcId="{8A395ED7-8707-4239-A20B-3AE0657DF664}" destId="{D766A90D-1AAB-400C-8514-9741D26A7398}" srcOrd="2" destOrd="0" presId="urn:microsoft.com/office/officeart/2018/5/layout/IconCircleLabelList"/>
+    <dgm:cxn modelId="{B1CFFD5C-FF4E-4445-A253-EDCE7DDC324A}" type="presParOf" srcId="{8A395ED7-8707-4239-A20B-3AE0657DF664}" destId="{4C5AAD2D-FB90-4ED1-95B9-585EF31907A1}" srcOrd="3" destOrd="0" presId="urn:microsoft.com/office/officeart/2018/5/layout/IconCircleLabelList"/>
+    <dgm:cxn modelId="{8C924BA2-A445-4997-BD99-58C514557915}" type="presParOf" srcId="{8C7663A1-6EE9-47B9-BE0E-BBD5992DD2F4}" destId="{C0C02CFF-D6A7-4473-A122-E8923FA9431E}" srcOrd="3" destOrd="0" presId="urn:microsoft.com/office/officeart/2018/5/layout/IconCircleLabelList"/>
+    <dgm:cxn modelId="{5D5080D4-0CDF-4EC3-84C8-5A54EFC98856}" type="presParOf" srcId="{8C7663A1-6EE9-47B9-BE0E-BBD5992DD2F4}" destId="{156C9063-DE2F-4303-8774-54CC2DED4D8F}" srcOrd="4" destOrd="0" presId="urn:microsoft.com/office/officeart/2018/5/layout/IconCircleLabelList"/>
+    <dgm:cxn modelId="{C084BAB8-9280-40E6-B6DA-DF083E333770}" type="presParOf" srcId="{156C9063-DE2F-4303-8774-54CC2DED4D8F}" destId="{C35C9E0A-0676-4442-B79D-5990230033C2}" srcOrd="0" destOrd="0" presId="urn:microsoft.com/office/officeart/2018/5/layout/IconCircleLabelList"/>
+    <dgm:cxn modelId="{5BFD3D11-17B8-4D1D-8169-71C4E681023C}" type="presParOf" srcId="{156C9063-DE2F-4303-8774-54CC2DED4D8F}" destId="{3EE0A4FB-9BBA-4CEB-979C-DCCF02CC95E0}" srcOrd="1" destOrd="0" presId="urn:microsoft.com/office/officeart/2018/5/layout/IconCircleLabelList"/>
+    <dgm:cxn modelId="{0B0B2830-F830-4CA0-A627-01B43B258DD3}" type="presParOf" srcId="{156C9063-DE2F-4303-8774-54CC2DED4D8F}" destId="{E0A2C374-2F95-4E74-AA15-830B256DCBAA}" srcOrd="2" destOrd="0" presId="urn:microsoft.com/office/officeart/2018/5/layout/IconCircleLabelList"/>
+    <dgm:cxn modelId="{B3B906EA-802C-4364-8B98-99F2378AD964}" type="presParOf" srcId="{156C9063-DE2F-4303-8774-54CC2DED4D8F}" destId="{1BDF3452-B377-46CE-B34D-B1F4833276CB}" srcOrd="3" destOrd="0" presId="urn:microsoft.com/office/officeart/2018/5/layout/IconCircleLabelList"/>
+  </dgm:cxnLst>
+  <dgm:bg/>
+  <dgm:whole/>
+  <dgm:extLst>
+    <a:ext uri="http://schemas.microsoft.com/office/drawing/2008/diagram">
+      <dsp:dataModelExt xmlns:dsp="http://schemas.microsoft.com/office/drawing/2008/diagram" relId="rId6" minVer="http://schemas.openxmlformats.org/drawingml/2006/diagram"/>
+    </a:ext>
+  </dgm:extLst>
+</dgm:dataModel>
+</file>
+
+<file path=ppt/diagrams/data2.xml><?xml version="1.0" encoding="utf-8"?>
 <dgm:dataModel xmlns:dgm="http://schemas.openxmlformats.org/drawingml/2006/diagram" xmlns:a="http://schemas.openxmlformats.org/drawingml/2006/main">
   <dgm:ptLst>
     <dgm:pt modelId="{1E54E18B-0450-4214-837A-F8627755718F}" type="doc">
@@ -2663,7 +3751,7 @@
 </dgm:dataModel>
 </file>
 
-<file path=ppt/diagrams/data2.xml><?xml version="1.0" encoding="utf-8"?>
+<file path=ppt/diagrams/data3.xml><?xml version="1.0" encoding="utf-8"?>
 <dgm:dataModel xmlns:dgm="http://schemas.openxmlformats.org/drawingml/2006/diagram" xmlns:a="http://schemas.openxmlformats.org/drawingml/2006/main">
   <dgm:ptLst>
     <dgm:pt modelId="{356E2E64-9579-4DE8-BAD9-EB4963E2C776}" type="doc">
@@ -2975,7 +4063,7 @@
 </dgm:dataModel>
 </file>
 
-<file path=ppt/diagrams/data3.xml><?xml version="1.0" encoding="utf-8"?>
+<file path=ppt/diagrams/data4.xml><?xml version="1.0" encoding="utf-8"?>
 <dgm:dataModel xmlns:dgm="http://schemas.openxmlformats.org/drawingml/2006/diagram" xmlns:a="http://schemas.openxmlformats.org/drawingml/2006/main">
   <dgm:ptLst>
     <dgm:pt modelId="{C4BA2E02-A2D3-48E8-AE33-F8EB78A51799}" type="doc">
@@ -3288,6 +4376,495 @@
 </file>
 
 <file path=ppt/diagrams/drawing1.xml><?xml version="1.0" encoding="utf-8"?>
+<dsp:drawing xmlns:dgm="http://schemas.openxmlformats.org/drawingml/2006/diagram" xmlns:dsp="http://schemas.microsoft.com/office/drawing/2008/diagram" xmlns:a="http://schemas.openxmlformats.org/drawingml/2006/main">
+  <dsp:spTree>
+    <dsp:nvGrpSpPr>
+      <dsp:cNvPr id="0" name=""/>
+      <dsp:cNvGrpSpPr/>
+    </dsp:nvGrpSpPr>
+    <dsp:grpSpPr/>
+    <dsp:sp modelId="{C01E8E9C-8D83-48D6-93A5-500C839F1C47}">
+      <dsp:nvSpPr>
+        <dsp:cNvPr id="0" name=""/>
+        <dsp:cNvSpPr/>
+      </dsp:nvSpPr>
+      <dsp:spPr>
+        <a:xfrm>
+          <a:off x="616265" y="334179"/>
+          <a:ext cx="1749937" cy="1749937"/>
+        </a:xfrm>
+        <a:prstGeom prst="ellipse">
+          <a:avLst/>
+        </a:prstGeom>
+        <a:solidFill>
+          <a:schemeClr val="accent1">
+            <a:tint val="40000"/>
+            <a:hueOff val="0"/>
+            <a:satOff val="0"/>
+            <a:lumOff val="0"/>
+            <a:alphaOff val="0"/>
+          </a:schemeClr>
+        </a:solidFill>
+        <a:ln>
+          <a:noFill/>
+        </a:ln>
+        <a:effectLst/>
+      </dsp:spPr>
+      <dsp:style>
+        <a:lnRef idx="0">
+          <a:scrgbClr r="0" g="0" b="0"/>
+        </a:lnRef>
+        <a:fillRef idx="1">
+          <a:scrgbClr r="0" g="0" b="0"/>
+        </a:fillRef>
+        <a:effectRef idx="0">
+          <a:scrgbClr r="0" g="0" b="0"/>
+        </a:effectRef>
+        <a:fontRef idx="minor"/>
+      </dsp:style>
+    </dsp:sp>
+    <dsp:sp modelId="{5481E5E3-70AC-4C35-BBE5-59FAC0CBF5B1}">
+      <dsp:nvSpPr>
+        <dsp:cNvPr id="0" name=""/>
+        <dsp:cNvSpPr/>
+      </dsp:nvSpPr>
+      <dsp:spPr>
+        <a:xfrm>
+          <a:off x="989203" y="707116"/>
+          <a:ext cx="1004062" cy="1004062"/>
+        </a:xfrm>
+        <a:prstGeom prst="rect">
+          <a:avLst/>
+        </a:prstGeom>
+        <a:blipFill>
+          <a:blip xmlns:r="http://schemas.openxmlformats.org/officeDocument/2006/relationships" r:embed="rId1">
+            <a:extLst>
+              <a:ext uri="{28A0092B-C50C-407E-A947-70E740481C1C}">
+                <a14:useLocalDpi xmlns:a14="http://schemas.microsoft.com/office/drawing/2010/main" val="0"/>
+              </a:ext>
+              <a:ext uri="{96DAC541-7B7A-43D3-8B79-37D633B846F1}">
+                <asvg:svgBlip xmlns:asvg="http://schemas.microsoft.com/office/drawing/2016/SVG/main" r:embed="rId2"/>
+              </a:ext>
+            </a:extLst>
+          </a:blip>
+          <a:stretch>
+            <a:fillRect/>
+          </a:stretch>
+        </a:blipFill>
+        <a:ln w="12700" cap="flat" cmpd="sng" algn="ctr">
+          <a:solidFill>
+            <a:schemeClr val="lt1">
+              <a:hueOff val="0"/>
+              <a:satOff val="0"/>
+              <a:lumOff val="0"/>
+              <a:alphaOff val="0"/>
+            </a:schemeClr>
+          </a:solidFill>
+          <a:prstDash val="solid"/>
+          <a:miter lim="800000"/>
+        </a:ln>
+        <a:effectLst/>
+      </dsp:spPr>
+      <dsp:style>
+        <a:lnRef idx="2">
+          <a:scrgbClr r="0" g="0" b="0"/>
+        </a:lnRef>
+        <a:fillRef idx="1">
+          <a:scrgbClr r="0" g="0" b="0"/>
+        </a:fillRef>
+        <a:effectRef idx="0">
+          <a:scrgbClr r="0" g="0" b="0"/>
+        </a:effectRef>
+        <a:fontRef idx="minor">
+          <a:schemeClr val="lt1"/>
+        </a:fontRef>
+      </dsp:style>
+    </dsp:sp>
+    <dsp:sp modelId="{4F81D2D8-A258-4AB8-A750-89022F0512AA}">
+      <dsp:nvSpPr>
+        <dsp:cNvPr id="0" name=""/>
+        <dsp:cNvSpPr/>
+      </dsp:nvSpPr>
+      <dsp:spPr>
+        <a:xfrm>
+          <a:off x="56859" y="2629179"/>
+          <a:ext cx="2868750" cy="720000"/>
+        </a:xfrm>
+        <a:prstGeom prst="rect">
+          <a:avLst/>
+        </a:prstGeom>
+        <a:noFill/>
+        <a:ln>
+          <a:noFill/>
+        </a:ln>
+        <a:effectLst/>
+      </dsp:spPr>
+      <dsp:style>
+        <a:lnRef idx="0">
+          <a:scrgbClr r="0" g="0" b="0"/>
+        </a:lnRef>
+        <a:fillRef idx="0">
+          <a:scrgbClr r="0" g="0" b="0"/>
+        </a:fillRef>
+        <a:effectRef idx="0">
+          <a:scrgbClr r="0" g="0" b="0"/>
+        </a:effectRef>
+        <a:fontRef idx="minor"/>
+      </dsp:style>
+      <dsp:txBody>
+        <a:bodyPr spcFirstLastPara="0" vert="horz" wrap="square" lIns="0" tIns="0" rIns="0" bIns="0" numCol="1" spcCol="1270" anchor="t" anchorCtr="0">
+          <a:noAutofit/>
+        </a:bodyPr>
+        <a:lstStyle/>
+        <a:p>
+          <a:pPr marL="0" lvl="0" indent="0" algn="ctr" defTabSz="1066800">
+            <a:lnSpc>
+              <a:spcPct val="100000"/>
+            </a:lnSpc>
+            <a:spcBef>
+              <a:spcPct val="0"/>
+            </a:spcBef>
+            <a:spcAft>
+              <a:spcPct val="35000"/>
+            </a:spcAft>
+            <a:buNone/>
+            <a:defRPr cap="all"/>
+          </a:pPr>
+          <a:r>
+            <a:rPr lang="cs-CZ" sz="2400" kern="1200"/>
+            <a:t>Technologie</a:t>
+          </a:r>
+          <a:endParaRPr lang="en-US" sz="2400" kern="1200"/>
+        </a:p>
+      </dsp:txBody>
+      <dsp:txXfrm>
+        <a:off x="56859" y="2629179"/>
+        <a:ext cx="2868750" cy="720000"/>
+      </dsp:txXfrm>
+    </dsp:sp>
+    <dsp:sp modelId="{C44DA6E4-03BC-4813-9A84-977386EA59CE}">
+      <dsp:nvSpPr>
+        <dsp:cNvPr id="0" name=""/>
+        <dsp:cNvSpPr/>
+      </dsp:nvSpPr>
+      <dsp:spPr>
+        <a:xfrm>
+          <a:off x="3987046" y="334179"/>
+          <a:ext cx="1749937" cy="1749937"/>
+        </a:xfrm>
+        <a:prstGeom prst="ellipse">
+          <a:avLst/>
+        </a:prstGeom>
+        <a:solidFill>
+          <a:schemeClr val="accent1">
+            <a:tint val="40000"/>
+            <a:hueOff val="0"/>
+            <a:satOff val="0"/>
+            <a:lumOff val="0"/>
+            <a:alphaOff val="0"/>
+          </a:schemeClr>
+        </a:solidFill>
+        <a:ln>
+          <a:noFill/>
+        </a:ln>
+        <a:effectLst/>
+      </dsp:spPr>
+      <dsp:style>
+        <a:lnRef idx="0">
+          <a:scrgbClr r="0" g="0" b="0"/>
+        </a:lnRef>
+        <a:fillRef idx="1">
+          <a:scrgbClr r="0" g="0" b="0"/>
+        </a:fillRef>
+        <a:effectRef idx="0">
+          <a:scrgbClr r="0" g="0" b="0"/>
+        </a:effectRef>
+        <a:fontRef idx="minor"/>
+      </dsp:style>
+    </dsp:sp>
+    <dsp:sp modelId="{558E7FE5-0345-443A-BD90-869D27A05125}">
+      <dsp:nvSpPr>
+        <dsp:cNvPr id="0" name=""/>
+        <dsp:cNvSpPr/>
+      </dsp:nvSpPr>
+      <dsp:spPr>
+        <a:xfrm>
+          <a:off x="4359984" y="707116"/>
+          <a:ext cx="1004062" cy="1004062"/>
+        </a:xfrm>
+        <a:prstGeom prst="rect">
+          <a:avLst/>
+        </a:prstGeom>
+        <a:blipFill>
+          <a:blip xmlns:r="http://schemas.openxmlformats.org/officeDocument/2006/relationships" r:embed="rId3">
+            <a:extLst>
+              <a:ext uri="{28A0092B-C50C-407E-A947-70E740481C1C}">
+                <a14:useLocalDpi xmlns:a14="http://schemas.microsoft.com/office/drawing/2010/main" val="0"/>
+              </a:ext>
+              <a:ext uri="{96DAC541-7B7A-43D3-8B79-37D633B846F1}">
+                <asvg:svgBlip xmlns:asvg="http://schemas.microsoft.com/office/drawing/2016/SVG/main" r:embed="rId4"/>
+              </a:ext>
+            </a:extLst>
+          </a:blip>
+          <a:stretch>
+            <a:fillRect/>
+          </a:stretch>
+        </a:blipFill>
+        <a:ln w="12700" cap="flat" cmpd="sng" algn="ctr">
+          <a:solidFill>
+            <a:schemeClr val="lt1">
+              <a:hueOff val="0"/>
+              <a:satOff val="0"/>
+              <a:lumOff val="0"/>
+              <a:alphaOff val="0"/>
+            </a:schemeClr>
+          </a:solidFill>
+          <a:prstDash val="solid"/>
+          <a:miter lim="800000"/>
+        </a:ln>
+        <a:effectLst/>
+      </dsp:spPr>
+      <dsp:style>
+        <a:lnRef idx="2">
+          <a:scrgbClr r="0" g="0" b="0"/>
+        </a:lnRef>
+        <a:fillRef idx="1">
+          <a:scrgbClr r="0" g="0" b="0"/>
+        </a:fillRef>
+        <a:effectRef idx="0">
+          <a:scrgbClr r="0" g="0" b="0"/>
+        </a:effectRef>
+        <a:fontRef idx="minor">
+          <a:schemeClr val="lt1"/>
+        </a:fontRef>
+      </dsp:style>
+    </dsp:sp>
+    <dsp:sp modelId="{4C5AAD2D-FB90-4ED1-95B9-585EF31907A1}">
+      <dsp:nvSpPr>
+        <dsp:cNvPr id="0" name=""/>
+        <dsp:cNvSpPr/>
+      </dsp:nvSpPr>
+      <dsp:spPr>
+        <a:xfrm>
+          <a:off x="3427640" y="2629179"/>
+          <a:ext cx="2868750" cy="720000"/>
+        </a:xfrm>
+        <a:prstGeom prst="rect">
+          <a:avLst/>
+        </a:prstGeom>
+        <a:noFill/>
+        <a:ln>
+          <a:noFill/>
+        </a:ln>
+        <a:effectLst/>
+      </dsp:spPr>
+      <dsp:style>
+        <a:lnRef idx="0">
+          <a:scrgbClr r="0" g="0" b="0"/>
+        </a:lnRef>
+        <a:fillRef idx="0">
+          <a:scrgbClr r="0" g="0" b="0"/>
+        </a:fillRef>
+        <a:effectRef idx="0">
+          <a:scrgbClr r="0" g="0" b="0"/>
+        </a:effectRef>
+        <a:fontRef idx="minor"/>
+      </dsp:style>
+      <dsp:txBody>
+        <a:bodyPr spcFirstLastPara="0" vert="horz" wrap="square" lIns="0" tIns="0" rIns="0" bIns="0" numCol="1" spcCol="1270" anchor="t" anchorCtr="0">
+          <a:noAutofit/>
+        </a:bodyPr>
+        <a:lstStyle/>
+        <a:p>
+          <a:pPr marL="0" lvl="0" indent="0" algn="ctr" defTabSz="1066800">
+            <a:lnSpc>
+              <a:spcPct val="100000"/>
+            </a:lnSpc>
+            <a:spcBef>
+              <a:spcPct val="0"/>
+            </a:spcBef>
+            <a:spcAft>
+              <a:spcPct val="35000"/>
+            </a:spcAft>
+            <a:buNone/>
+            <a:defRPr cap="all"/>
+          </a:pPr>
+          <a:r>
+            <a:rPr lang="cs-CZ" sz="2400" kern="1200"/>
+            <a:t>Plány na 1. pololetí</a:t>
+          </a:r>
+          <a:endParaRPr lang="en-US" sz="2400" kern="1200"/>
+        </a:p>
+      </dsp:txBody>
+      <dsp:txXfrm>
+        <a:off x="3427640" y="2629179"/>
+        <a:ext cx="2868750" cy="720000"/>
+      </dsp:txXfrm>
+    </dsp:sp>
+    <dsp:sp modelId="{C35C9E0A-0676-4442-B79D-5990230033C2}">
+      <dsp:nvSpPr>
+        <dsp:cNvPr id="0" name=""/>
+        <dsp:cNvSpPr/>
+      </dsp:nvSpPr>
+      <dsp:spPr>
+        <a:xfrm>
+          <a:off x="7357828" y="334179"/>
+          <a:ext cx="1749937" cy="1749937"/>
+        </a:xfrm>
+        <a:prstGeom prst="ellipse">
+          <a:avLst/>
+        </a:prstGeom>
+        <a:solidFill>
+          <a:schemeClr val="accent1">
+            <a:tint val="40000"/>
+            <a:hueOff val="0"/>
+            <a:satOff val="0"/>
+            <a:lumOff val="0"/>
+            <a:alphaOff val="0"/>
+          </a:schemeClr>
+        </a:solidFill>
+        <a:ln>
+          <a:noFill/>
+        </a:ln>
+        <a:effectLst/>
+      </dsp:spPr>
+      <dsp:style>
+        <a:lnRef idx="0">
+          <a:scrgbClr r="0" g="0" b="0"/>
+        </a:lnRef>
+        <a:fillRef idx="1">
+          <a:scrgbClr r="0" g="0" b="0"/>
+        </a:fillRef>
+        <a:effectRef idx="0">
+          <a:scrgbClr r="0" g="0" b="0"/>
+        </a:effectRef>
+        <a:fontRef idx="minor"/>
+      </dsp:style>
+    </dsp:sp>
+    <dsp:sp modelId="{3EE0A4FB-9BBA-4CEB-979C-DCCF02CC95E0}">
+      <dsp:nvSpPr>
+        <dsp:cNvPr id="0" name=""/>
+        <dsp:cNvSpPr/>
+      </dsp:nvSpPr>
+      <dsp:spPr>
+        <a:xfrm>
+          <a:off x="7730765" y="707116"/>
+          <a:ext cx="1004062" cy="1004062"/>
+        </a:xfrm>
+        <a:prstGeom prst="rect">
+          <a:avLst/>
+        </a:prstGeom>
+        <a:blipFill>
+          <a:blip xmlns:r="http://schemas.openxmlformats.org/officeDocument/2006/relationships" r:embed="rId5">
+            <a:extLst>
+              <a:ext uri="{28A0092B-C50C-407E-A947-70E740481C1C}">
+                <a14:useLocalDpi xmlns:a14="http://schemas.microsoft.com/office/drawing/2010/main" val="0"/>
+              </a:ext>
+              <a:ext uri="{96DAC541-7B7A-43D3-8B79-37D633B846F1}">
+                <asvg:svgBlip xmlns:asvg="http://schemas.microsoft.com/office/drawing/2016/SVG/main" r:embed="rId6"/>
+              </a:ext>
+            </a:extLst>
+          </a:blip>
+          <a:stretch>
+            <a:fillRect/>
+          </a:stretch>
+        </a:blipFill>
+        <a:ln w="12700" cap="flat" cmpd="sng" algn="ctr">
+          <a:solidFill>
+            <a:schemeClr val="lt1">
+              <a:hueOff val="0"/>
+              <a:satOff val="0"/>
+              <a:lumOff val="0"/>
+              <a:alphaOff val="0"/>
+            </a:schemeClr>
+          </a:solidFill>
+          <a:prstDash val="solid"/>
+          <a:miter lim="800000"/>
+        </a:ln>
+        <a:effectLst/>
+      </dsp:spPr>
+      <dsp:style>
+        <a:lnRef idx="2">
+          <a:scrgbClr r="0" g="0" b="0"/>
+        </a:lnRef>
+        <a:fillRef idx="1">
+          <a:scrgbClr r="0" g="0" b="0"/>
+        </a:fillRef>
+        <a:effectRef idx="0">
+          <a:scrgbClr r="0" g="0" b="0"/>
+        </a:effectRef>
+        <a:fontRef idx="minor">
+          <a:schemeClr val="lt1"/>
+        </a:fontRef>
+      </dsp:style>
+    </dsp:sp>
+    <dsp:sp modelId="{1BDF3452-B377-46CE-B34D-B1F4833276CB}">
+      <dsp:nvSpPr>
+        <dsp:cNvPr id="0" name=""/>
+        <dsp:cNvSpPr/>
+      </dsp:nvSpPr>
+      <dsp:spPr>
+        <a:xfrm>
+          <a:off x="6798421" y="2629179"/>
+          <a:ext cx="2868750" cy="720000"/>
+        </a:xfrm>
+        <a:prstGeom prst="rect">
+          <a:avLst/>
+        </a:prstGeom>
+        <a:noFill/>
+        <a:ln>
+          <a:noFill/>
+        </a:ln>
+        <a:effectLst/>
+      </dsp:spPr>
+      <dsp:style>
+        <a:lnRef idx="0">
+          <a:scrgbClr r="0" g="0" b="0"/>
+        </a:lnRef>
+        <a:fillRef idx="0">
+          <a:scrgbClr r="0" g="0" b="0"/>
+        </a:fillRef>
+        <a:effectRef idx="0">
+          <a:scrgbClr r="0" g="0" b="0"/>
+        </a:effectRef>
+        <a:fontRef idx="minor"/>
+      </dsp:style>
+      <dsp:txBody>
+        <a:bodyPr spcFirstLastPara="0" vert="horz" wrap="square" lIns="0" tIns="0" rIns="0" bIns="0" numCol="1" spcCol="1270" anchor="t" anchorCtr="0">
+          <a:noAutofit/>
+        </a:bodyPr>
+        <a:lstStyle/>
+        <a:p>
+          <a:pPr marL="0" lvl="0" indent="0" algn="ctr" defTabSz="1066800">
+            <a:lnSpc>
+              <a:spcPct val="100000"/>
+            </a:lnSpc>
+            <a:spcBef>
+              <a:spcPct val="0"/>
+            </a:spcBef>
+            <a:spcAft>
+              <a:spcPct val="35000"/>
+            </a:spcAft>
+            <a:buNone/>
+            <a:defRPr cap="all"/>
+          </a:pPr>
+          <a:r>
+            <a:rPr lang="cs-CZ" sz="2400" kern="1200"/>
+            <a:t>Plány na 2. pololetí</a:t>
+          </a:r>
+          <a:endParaRPr lang="en-US" sz="2400" kern="1200"/>
+        </a:p>
+      </dsp:txBody>
+      <dsp:txXfrm>
+        <a:off x="6798421" y="2629179"/>
+        <a:ext cx="2868750" cy="720000"/>
+      </dsp:txXfrm>
+    </dsp:sp>
+  </dsp:spTree>
+</dsp:drawing>
+</file>
+
+<file path=ppt/diagrams/drawing2.xml><?xml version="1.0" encoding="utf-8"?>
 <dsp:drawing xmlns:dgm="http://schemas.openxmlformats.org/drawingml/2006/diagram" xmlns:dsp="http://schemas.microsoft.com/office/drawing/2008/diagram" xmlns:a="http://schemas.openxmlformats.org/drawingml/2006/main">
   <dsp:spTree>
     <dsp:nvGrpSpPr>
@@ -3827,7 +5404,7 @@
 </dsp:drawing>
 </file>
 
-<file path=ppt/diagrams/drawing2.xml><?xml version="1.0" encoding="utf-8"?>
+<file path=ppt/diagrams/drawing3.xml><?xml version="1.0" encoding="utf-8"?>
 <dsp:drawing xmlns:dgm="http://schemas.openxmlformats.org/drawingml/2006/diagram" xmlns:dsp="http://schemas.microsoft.com/office/drawing/2008/diagram" xmlns:a="http://schemas.openxmlformats.org/drawingml/2006/main">
   <dsp:spTree>
     <dsp:nvGrpSpPr>
@@ -4367,7 +5944,7 @@
 </dsp:drawing>
 </file>
 
-<file path=ppt/diagrams/drawing3.xml><?xml version="1.0" encoding="utf-8"?>
+<file path=ppt/diagrams/drawing4.xml><?xml version="1.0" encoding="utf-8"?>
 <dsp:drawing xmlns:dgm="http://schemas.openxmlformats.org/drawingml/2006/diagram" xmlns:dsp="http://schemas.microsoft.com/office/drawing/2008/diagram" xmlns:a="http://schemas.openxmlformats.org/drawingml/2006/main">
   <dsp:spTree>
     <dsp:nvGrpSpPr>
@@ -4908,106 +6485,57 @@
 </file>
 
 <file path=ppt/diagrams/layout1.xml><?xml version="1.0" encoding="utf-8"?>
-<dgm:layoutDef xmlns:dgm="http://schemas.openxmlformats.org/drawingml/2006/diagram" xmlns:a="http://schemas.openxmlformats.org/drawingml/2006/main" uniqueId="urn:microsoft.com/office/officeart/2005/8/layout/hierarchy1">
-  <dgm:title val=""/>
-  <dgm:desc val=""/>
+<dgm:layoutDef xmlns:dgm="http://schemas.openxmlformats.org/drawingml/2006/diagram" xmlns:a="http://schemas.openxmlformats.org/drawingml/2006/main" uniqueId="urn:microsoft.com/office/officeart/2018/5/layout/IconCircleLabelList">
+  <dgm:title val="Icon Circle Label List"/>
+  <dgm:desc val="Use to show non-sequential or grouped chunks of information accompanied by a related visuals. Works best with icons or small pictures with short text captions."/>
   <dgm:catLst>
-    <dgm:cat type="hierarchy" pri="2000"/>
+    <dgm:cat type="icon" pri="500"/>
   </dgm:catLst>
-  <dgm:sampData>
+  <dgm:sampData useDef="1">
     <dgm:dataModel>
-      <dgm:ptLst>
-        <dgm:pt modelId="0" type="doc"/>
-        <dgm:pt modelId="1">
-          <dgm:prSet phldr="1"/>
-        </dgm:pt>
-        <dgm:pt modelId="2">
-          <dgm:prSet phldr="1"/>
-        </dgm:pt>
-        <dgm:pt modelId="21">
-          <dgm:prSet phldr="1"/>
-        </dgm:pt>
-        <dgm:pt modelId="22">
-          <dgm:prSet phldr="1"/>
-        </dgm:pt>
-        <dgm:pt modelId="3">
-          <dgm:prSet phldr="1"/>
-        </dgm:pt>
-        <dgm:pt modelId="31">
-          <dgm:prSet phldr="1"/>
-        </dgm:pt>
-      </dgm:ptLst>
-      <dgm:cxnLst>
-        <dgm:cxn modelId="4" srcId="0" destId="1" srcOrd="0" destOrd="0"/>
-        <dgm:cxn modelId="5" srcId="1" destId="2" srcOrd="0" destOrd="0"/>
-        <dgm:cxn modelId="6" srcId="1" destId="3" srcOrd="1" destOrd="0"/>
-        <dgm:cxn modelId="23" srcId="2" destId="21" srcOrd="0" destOrd="0"/>
-        <dgm:cxn modelId="24" srcId="2" destId="22" srcOrd="1" destOrd="0"/>
-        <dgm:cxn modelId="33" srcId="3" destId="31" srcOrd="0" destOrd="0"/>
-      </dgm:cxnLst>
+      <dgm:ptLst/>
       <dgm:bg/>
       <dgm:whole/>
     </dgm:dataModel>
   </dgm:sampData>
-  <dgm:styleData>
+  <dgm:styleData useDef="1">
     <dgm:dataModel>
-      <dgm:ptLst>
-        <dgm:pt modelId="0" type="doc"/>
-        <dgm:pt modelId="1"/>
-        <dgm:pt modelId="11"/>
-        <dgm:pt modelId="12"/>
-      </dgm:ptLst>
-      <dgm:cxnLst>
-        <dgm:cxn modelId="2" srcId="0" destId="1" srcOrd="0" destOrd="0"/>
-        <dgm:cxn modelId="13" srcId="1" destId="11" srcOrd="0" destOrd="0"/>
-        <dgm:cxn modelId="14" srcId="1" destId="12" srcOrd="1" destOrd="0"/>
-      </dgm:cxnLst>
+      <dgm:ptLst/>
       <dgm:bg/>
       <dgm:whole/>
     </dgm:dataModel>
   </dgm:styleData>
-  <dgm:clrData>
+  <dgm:clrData useDef="1">
     <dgm:dataModel>
-      <dgm:ptLst>
-        <dgm:pt modelId="0" type="doc"/>
-        <dgm:pt modelId="1"/>
-        <dgm:pt modelId="2"/>
-        <dgm:pt modelId="21"/>
-        <dgm:pt modelId="211"/>
-        <dgm:pt modelId="3"/>
-        <dgm:pt modelId="31"/>
-        <dgm:pt modelId="311"/>
-      </dgm:ptLst>
-      <dgm:cxnLst>
-        <dgm:cxn modelId="4" srcId="0" destId="1" srcOrd="0" destOrd="0"/>
-        <dgm:cxn modelId="5" srcId="1" destId="2" srcOrd="0" destOrd="0"/>
-        <dgm:cxn modelId="6" srcId="1" destId="3" srcOrd="1" destOrd="0"/>
-        <dgm:cxn modelId="23" srcId="2" destId="21" srcOrd="0" destOrd="0"/>
-        <dgm:cxn modelId="24" srcId="21" destId="211" srcOrd="0" destOrd="0"/>
-        <dgm:cxn modelId="33" srcId="3" destId="31" srcOrd="0" destOrd="0"/>
-        <dgm:cxn modelId="34" srcId="31" destId="311" srcOrd="0" destOrd="0"/>
-      </dgm:cxnLst>
+      <dgm:ptLst/>
       <dgm:bg/>
       <dgm:whole/>
     </dgm:dataModel>
   </dgm:clrData>
-  <dgm:layoutNode name="hierChild1">
+  <dgm:layoutNode name="root">
     <dgm:varLst>
-      <dgm:chPref val="1"/>
       <dgm:dir/>
-      <dgm:animOne val="branch"/>
-      <dgm:animLvl val="lvl"/>
-      <dgm:resizeHandles/>
+      <dgm:resizeHandles val="exact"/>
     </dgm:varLst>
     <dgm:choose name="Name0">
-      <dgm:if name="Name1" func="var" arg="dir" op="equ" val="norm">
-        <dgm:alg type="hierChild">
-          <dgm:param type="linDir" val="fromL"/>
+      <dgm:if name="Name1" axis="self" func="var" arg="dir" op="equ" val="norm">
+        <dgm:alg type="snake">
+          <dgm:param type="grDir" val="tL"/>
+          <dgm:param type="flowDir" val="row"/>
+          <dgm:param type="contDir" val="sameDir"/>
+          <dgm:param type="off" val="ctr"/>
+          <dgm:param type="vertAlign" val="mid"/>
+          <dgm:param type="horzAlign" val="ctr"/>
         </dgm:alg>
       </dgm:if>
       <dgm:else name="Name2">
-        <dgm:alg type="hierChild">
-          <dgm:param type="linDir" val="fromR"/>
+        <dgm:alg type="snake">
+          <dgm:param type="grDir" val="tR"/>
+          <dgm:param type="flowDir" val="row"/>
+          <dgm:param type="contDir" val="sameDir"/>
+          <dgm:param type="off" val="ctr"/>
+          <dgm:param type="vertAlign" val="mid"/>
+          <dgm:param type="horzAlign" val="ctr"/>
         </dgm:alg>
       </dgm:else>
     </dgm:choose>
@@ -5015,458 +6543,159 @@
       <dgm:adjLst/>
     </dgm:shape>
     <dgm:presOf/>
-    <dgm:constrLst>
-      <dgm:constr type="primFontSz" for="des" ptType="node" op="equ" val="65"/>
-      <dgm:constr type="w" for="des" forName="composite" refType="w"/>
-      <dgm:constr type="h" for="des" forName="composite" refType="w" refFor="des" refForName="composite" fact="0.667"/>
-      <dgm:constr type="w" for="des" forName="composite2" refType="w" refFor="des" refForName="composite"/>
-      <dgm:constr type="h" for="des" forName="composite2" refType="h" refFor="des" refForName="composite"/>
-      <dgm:constr type="w" for="des" forName="composite3" refType="w" refFor="des" refForName="composite"/>
-      <dgm:constr type="h" for="des" forName="composite3" refType="h" refFor="des" refForName="composite"/>
-      <dgm:constr type="w" for="des" forName="composite4" refType="w" refFor="des" refForName="composite"/>
-      <dgm:constr type="h" for="des" forName="composite4" refType="h" refFor="des" refForName="composite"/>
-      <dgm:constr type="w" for="des" forName="composite5" refType="w" refFor="des" refForName="composite"/>
-      <dgm:constr type="h" for="des" forName="composite5" refType="h" refFor="des" refForName="composite"/>
-      <dgm:constr type="sibSp" refType="w" refFor="des" refForName="composite" fact="0.1"/>
-      <dgm:constr type="sibSp" for="des" forName="hierChild2" refType="sibSp"/>
-      <dgm:constr type="sibSp" for="des" forName="hierChild3" refType="sibSp"/>
-      <dgm:constr type="sibSp" for="des" forName="hierChild4" refType="sibSp"/>
-      <dgm:constr type="sibSp" for="des" forName="hierChild5" refType="sibSp"/>
-      <dgm:constr type="sibSp" for="des" forName="hierChild6" refType="sibSp"/>
-      <dgm:constr type="sp" for="des" forName="hierRoot1" refType="h" refFor="des" refForName="composite" fact="0.25"/>
-      <dgm:constr type="sp" for="des" forName="hierRoot2" refType="sp" refFor="des" refForName="hierRoot1"/>
-      <dgm:constr type="sp" for="des" forName="hierRoot3" refType="sp" refFor="des" refForName="hierRoot1"/>
-      <dgm:constr type="sp" for="des" forName="hierRoot4" refType="sp" refFor="des" refForName="hierRoot1"/>
-      <dgm:constr type="sp" for="des" forName="hierRoot5" refType="sp" refFor="des" refForName="hierRoot1"/>
-    </dgm:constrLst>
-    <dgm:ruleLst/>
-    <dgm:forEach name="Name3" axis="ch">
-      <dgm:forEach name="Name4" axis="self" ptType="node">
-        <dgm:layoutNode name="hierRoot1">
-          <dgm:alg type="hierRoot"/>
+    <dgm:choose name="Name3">
+      <dgm:if name="Name4" axis="ch" ptType="node" func="cnt" op="lte" val="2">
+        <dgm:constrLst>
+          <dgm:constr type="h" for="ch" forName="compNode" refType="h" fact="0.4"/>
+          <dgm:constr type="w" for="ch" forName="compNode" val="100"/>
+          <dgm:constr type="w" for="ch" forName="sibTrans" refType="w" refFor="ch" refForName="compNode" fact="0.175"/>
+          <dgm:constr type="sp" refType="w" refFor="ch" refForName="compNode" op="equ" fact="0.25"/>
+          <dgm:constr type="primFontSz" for="des" ptType="node" op="equ" val="44"/>
+          <dgm:constr type="h" for="des" forName="compNode" op="equ"/>
+          <dgm:constr type="h" for="des" forName="textRect" op="equ"/>
+        </dgm:constrLst>
+      </dgm:if>
+      <dgm:if name="Name5" axis="ch" ptType="node" func="cnt" op="lte" val="3">
+        <dgm:constrLst>
+          <dgm:constr type="h" for="ch" forName="compNode" refType="h" fact="0.4"/>
+          <dgm:constr type="w" for="ch" forName="compNode" val="100"/>
+          <dgm:constr type="w" for="ch" forName="sibTrans" refType="w" refFor="ch" refForName="compNode" fact="0.175"/>
+          <dgm:constr type="sp" refType="w" refFor="ch" refForName="compNode" op="equ" fact="0.25"/>
+          <dgm:constr type="primFontSz" for="des" ptType="node" op="equ" val="40"/>
+          <dgm:constr type="h" for="des" forName="compNode" op="equ"/>
+          <dgm:constr type="h" for="des" forName="textRect" op="equ"/>
+        </dgm:constrLst>
+      </dgm:if>
+      <dgm:if name="Name6" axis="ch" ptType="node" func="cnt" op="lte" val="4">
+        <dgm:constrLst>
+          <dgm:constr type="h" for="ch" forName="compNode" refType="h" fact="0.4"/>
+          <dgm:constr type="w" for="ch" forName="compNode" refType="w"/>
+          <dgm:constr type="w" for="ch" forName="sibTrans" refType="w" refFor="ch" refForName="compNode" fact="0.175"/>
+          <dgm:constr type="sp" refType="w" refFor="ch" refForName="compNode" op="equ" fact="0.25"/>
+          <dgm:constr type="primFontSz" for="des" ptType="node" op="equ" val="32"/>
+          <dgm:constr type="h" for="des" forName="compNode" op="equ"/>
+          <dgm:constr type="h" for="des" forName="textRect" op="equ"/>
+        </dgm:constrLst>
+      </dgm:if>
+      <dgm:else name="Name7">
+        <dgm:constrLst>
+          <dgm:constr type="h" for="ch" forName="compNode" refType="h" fact="0.4"/>
+          <dgm:constr type="w" for="ch" forName="compNode" refType="w"/>
+          <dgm:constr type="w" for="ch" forName="sibTrans" refType="w" refFor="ch" refForName="compNode" fact="0.175"/>
+          <dgm:constr type="sp" refType="w" refFor="ch" refForName="compNode" op="equ" fact="0.25"/>
+          <dgm:constr type="primFontSz" for="des" ptType="node" op="equ" val="24"/>
+          <dgm:constr type="h" for="des" forName="compNode" op="equ"/>
+          <dgm:constr type="h" for="des" forName="textRect" op="equ"/>
+        </dgm:constrLst>
+      </dgm:else>
+    </dgm:choose>
+    <dgm:ruleLst>
+      <dgm:rule type="w" for="ch" forName="compNode" val="50" fact="NaN" max="NaN"/>
+    </dgm:ruleLst>
+    <dgm:forEach name="Name8" axis="ch" ptType="node">
+      <dgm:layoutNode name="compNode">
+        <dgm:alg type="composite"/>
+        <dgm:shape xmlns:r="http://schemas.openxmlformats.org/officeDocument/2006/relationships" r:blip="">
+          <dgm:adjLst/>
+        </dgm:shape>
+        <dgm:presOf axis="self"/>
+        <dgm:constrLst>
+          <dgm:constr type="w" for="ch" forName="iconBgRect" refType="w" fact="0.61"/>
+          <dgm:constr type="h" for="ch" forName="iconBgRect" refType="w" refFor="ch" refForName="iconBgRect"/>
+          <dgm:constr type="t" for="ch" forName="iconBgRect"/>
+          <dgm:constr type="ctrX" for="ch" forName="iconBgRect" refType="w" fact="0.5"/>
+          <dgm:constr type="w" for="ch" forName="iconRect" refType="w" fact="0.35"/>
+          <dgm:constr type="h" for="ch" forName="iconRect" refType="w" refFor="ch" refForName="iconRect"/>
+          <dgm:constr type="ctrX" for="ch" forName="iconRect" refType="ctrX" refFor="ch" refForName="iconBgRect"/>
+          <dgm:constr type="ctrY" for="ch" forName="iconRect" refType="ctrY" refFor="ch" refForName="iconBgRect"/>
+          <dgm:constr type="h" for="ch" forName="spaceRect" refType="w" fact="0.19"/>
+          <dgm:constr type="w" for="ch" forName="spaceRect" refType="w"/>
+          <dgm:constr type="l" for="ch" forName="spaceRect"/>
+          <dgm:constr type="t" for="ch" forName="spaceRect" refType="b" refFor="ch" refForName="iconBgRect"/>
+          <dgm:constr type="h" for="ch" forName="textRect" val="20"/>
+          <dgm:constr type="w" for="ch" forName="textRect" refType="w"/>
+          <dgm:constr type="l" for="ch" forName="textRect"/>
+          <dgm:constr type="t" for="ch" forName="textRect" refType="b" refFor="ch" refForName="spaceRect"/>
+        </dgm:constrLst>
+        <dgm:ruleLst>
+          <dgm:rule type="h" val="INF" fact="NaN" max="NaN"/>
+        </dgm:ruleLst>
+        <dgm:layoutNode name="iconBgRect" styleLbl="bgShp">
+          <dgm:alg type="sp"/>
+          <dgm:shape xmlns:r="http://schemas.openxmlformats.org/officeDocument/2006/relationships" type="ellipse" r:blip="">
+            <dgm:adjLst/>
+          </dgm:shape>
+          <dgm:presOf/>
+          <dgm:constrLst/>
+          <dgm:ruleLst/>
+        </dgm:layoutNode>
+        <dgm:layoutNode name="iconRect" styleLbl="node1">
+          <dgm:alg type="sp"/>
+          <dgm:shape xmlns:r="http://schemas.openxmlformats.org/officeDocument/2006/relationships" type="rect" r:blip="" blipPhldr="1">
+            <dgm:adjLst/>
+          </dgm:shape>
+          <dgm:presOf/>
+          <dgm:constrLst/>
+          <dgm:ruleLst/>
+        </dgm:layoutNode>
+        <dgm:layoutNode name="spaceRect">
+          <dgm:alg type="sp"/>
           <dgm:shape xmlns:r="http://schemas.openxmlformats.org/officeDocument/2006/relationships" r:blip="">
             <dgm:adjLst/>
           </dgm:shape>
           <dgm:presOf/>
+          <dgm:constrLst/>
+          <dgm:ruleLst/>
+        </dgm:layoutNode>
+        <dgm:layoutNode name="textRect" styleLbl="revTx">
+          <dgm:varLst>
+            <dgm:chMax val="1"/>
+            <dgm:chPref val="1"/>
+          </dgm:varLst>
+          <dgm:alg type="tx">
+            <dgm:param type="txAnchorVert" val="t"/>
+          </dgm:alg>
+          <dgm:shape xmlns:r="http://schemas.openxmlformats.org/officeDocument/2006/relationships" type="rect" r:blip="">
+            <dgm:adjLst/>
+          </dgm:shape>
+          <dgm:presOf axis="self" ptType="node"/>
           <dgm:constrLst>
-            <dgm:constr type="bendDist" for="des" ptType="parTrans" refType="sp" fact="0.5"/>
+            <dgm:constr type="lMarg"/>
+            <dgm:constr type="rMarg"/>
+            <dgm:constr type="tMarg"/>
+            <dgm:constr type="bMarg"/>
           </dgm:constrLst>
+          <dgm:ruleLst>
+            <dgm:rule type="primFontSz" val="11" fact="NaN" max="NaN"/>
+            <dgm:rule type="h" val="INF" fact="NaN" max="NaN"/>
+          </dgm:ruleLst>
+        </dgm:layoutNode>
+      </dgm:layoutNode>
+      <dgm:forEach name="Name9" axis="followSib" ptType="sibTrans" cnt="1">
+        <dgm:layoutNode name="sibTrans">
+          <dgm:alg type="sp"/>
+          <dgm:shape xmlns:r="http://schemas.openxmlformats.org/officeDocument/2006/relationships" r:blip="">
+            <dgm:adjLst/>
+          </dgm:shape>
+          <dgm:presOf axis="self"/>
+          <dgm:constrLst/>
           <dgm:ruleLst/>
-          <dgm:layoutNode name="composite">
-            <dgm:alg type="composite"/>
-            <dgm:shape xmlns:r="http://schemas.openxmlformats.org/officeDocument/2006/relationships" r:blip="">
-              <dgm:adjLst/>
-            </dgm:shape>
-            <dgm:presOf/>
-            <dgm:constrLst>
-              <dgm:constr type="w" for="ch" forName="background" refType="w" fact="0.9"/>
-              <dgm:constr type="h" for="ch" forName="background" refType="w" refFor="ch" refForName="background" fact="0.635"/>
-              <dgm:constr type="t" for="ch" forName="background"/>
-              <dgm:constr type="l" for="ch" forName="background"/>
-              <dgm:constr type="w" for="ch" forName="text" refType="w" fact="0.9"/>
-              <dgm:constr type="h" for="ch" forName="text" refType="w" refFor="ch" refForName="text" fact="0.635"/>
-              <dgm:constr type="t" for="ch" forName="text" refType="w" fact="0.095"/>
-              <dgm:constr type="l" for="ch" forName="text" refType="w" fact="0.1"/>
-            </dgm:constrLst>
-            <dgm:ruleLst/>
-            <dgm:layoutNode name="background" styleLbl="node0" moveWith="text">
-              <dgm:alg type="sp"/>
-              <dgm:shape xmlns:r="http://schemas.openxmlformats.org/officeDocument/2006/relationships" type="roundRect" r:blip="">
-                <dgm:adjLst>
-                  <dgm:adj idx="1" val="0.1"/>
-                </dgm:adjLst>
-              </dgm:shape>
-              <dgm:presOf/>
-              <dgm:constrLst/>
-              <dgm:ruleLst/>
-            </dgm:layoutNode>
-            <dgm:layoutNode name="text" styleLbl="fgAcc0">
-              <dgm:varLst>
-                <dgm:chPref val="3"/>
-              </dgm:varLst>
-              <dgm:alg type="tx"/>
-              <dgm:shape xmlns:r="http://schemas.openxmlformats.org/officeDocument/2006/relationships" type="roundRect" r:blip="">
-                <dgm:adjLst>
-                  <dgm:adj idx="1" val="0.1"/>
-                </dgm:adjLst>
-              </dgm:shape>
-              <dgm:presOf axis="self"/>
-              <dgm:constrLst>
-                <dgm:constr type="tMarg" refType="primFontSz" fact="0.3"/>
-                <dgm:constr type="bMarg" refType="primFontSz" fact="0.3"/>
-                <dgm:constr type="lMarg" refType="primFontSz" fact="0.3"/>
-                <dgm:constr type="rMarg" refType="primFontSz" fact="0.3"/>
-              </dgm:constrLst>
-              <dgm:ruleLst>
-                <dgm:rule type="primFontSz" val="5" fact="NaN" max="NaN"/>
-              </dgm:ruleLst>
-            </dgm:layoutNode>
-          </dgm:layoutNode>
-          <dgm:layoutNode name="hierChild2">
-            <dgm:choose name="Name5">
-              <dgm:if name="Name6" func="var" arg="dir" op="equ" val="norm">
-                <dgm:alg type="hierChild">
-                  <dgm:param type="linDir" val="fromL"/>
-                </dgm:alg>
-              </dgm:if>
-              <dgm:else name="Name7">
-                <dgm:alg type="hierChild">
-                  <dgm:param type="linDir" val="fromR"/>
-                </dgm:alg>
-              </dgm:else>
-            </dgm:choose>
-            <dgm:shape xmlns:r="http://schemas.openxmlformats.org/officeDocument/2006/relationships" r:blip="">
-              <dgm:adjLst/>
-            </dgm:shape>
-            <dgm:presOf/>
-            <dgm:constrLst/>
-            <dgm:ruleLst/>
-            <dgm:forEach name="Name8" axis="ch">
-              <dgm:forEach name="Name9" axis="self" ptType="parTrans" cnt="1">
-                <dgm:layoutNode name="Name10">
-                  <dgm:alg type="conn">
-                    <dgm:param type="dim" val="1D"/>
-                    <dgm:param type="endSty" val="noArr"/>
-                    <dgm:param type="connRout" val="bend"/>
-                    <dgm:param type="bendPt" val="end"/>
-                    <dgm:param type="begPts" val="bCtr"/>
-                    <dgm:param type="endPts" val="tCtr"/>
-                    <dgm:param type="srcNode" val="background"/>
-                    <dgm:param type="dstNode" val="background2"/>
-                  </dgm:alg>
-                  <dgm:shape xmlns:r="http://schemas.openxmlformats.org/officeDocument/2006/relationships" type="conn" r:blip="" zOrderOff="-999">
-                    <dgm:adjLst/>
-                  </dgm:shape>
-                  <dgm:presOf axis="self"/>
-                  <dgm:constrLst>
-                    <dgm:constr type="begPad"/>
-                    <dgm:constr type="endPad"/>
-                  </dgm:constrLst>
-                  <dgm:ruleLst/>
-                </dgm:layoutNode>
-              </dgm:forEach>
-              <dgm:forEach name="Name11" axis="self" ptType="node">
-                <dgm:layoutNode name="hierRoot2">
-                  <dgm:alg type="hierRoot"/>
-                  <dgm:shape xmlns:r="http://schemas.openxmlformats.org/officeDocument/2006/relationships" r:blip="">
-                    <dgm:adjLst/>
-                  </dgm:shape>
-                  <dgm:presOf/>
-                  <dgm:constrLst>
-                    <dgm:constr type="bendDist" for="des" ptType="parTrans" refType="sp" fact="0.5"/>
-                  </dgm:constrLst>
-                  <dgm:ruleLst/>
-                  <dgm:layoutNode name="composite2">
-                    <dgm:alg type="composite"/>
-                    <dgm:shape xmlns:r="http://schemas.openxmlformats.org/officeDocument/2006/relationships" r:blip="">
-                      <dgm:adjLst/>
-                    </dgm:shape>
-                    <dgm:presOf/>
-                    <dgm:constrLst>
-                      <dgm:constr type="w" for="ch" forName="background2" refType="w" fact="0.9"/>
-                      <dgm:constr type="h" for="ch" forName="background2" refType="w" refFor="ch" refForName="background2" fact="0.635"/>
-                      <dgm:constr type="t" for="ch" forName="background2"/>
-                      <dgm:constr type="l" for="ch" forName="background2"/>
-                      <dgm:constr type="w" for="ch" forName="text2" refType="w" fact="0.9"/>
-                      <dgm:constr type="h" for="ch" forName="text2" refType="w" refFor="ch" refForName="text2" fact="0.635"/>
-                      <dgm:constr type="t" for="ch" forName="text2" refType="w" fact="0.095"/>
-                      <dgm:constr type="l" for="ch" forName="text2" refType="w" fact="0.1"/>
-                    </dgm:constrLst>
-                    <dgm:ruleLst/>
-                    <dgm:layoutNode name="background2" moveWith="text2">
-                      <dgm:alg type="sp"/>
-                      <dgm:shape xmlns:r="http://schemas.openxmlformats.org/officeDocument/2006/relationships" type="roundRect" r:blip="">
-                        <dgm:adjLst>
-                          <dgm:adj idx="1" val="0.1"/>
-                        </dgm:adjLst>
-                      </dgm:shape>
-                      <dgm:presOf/>
-                      <dgm:constrLst/>
-                      <dgm:ruleLst/>
-                    </dgm:layoutNode>
-                    <dgm:layoutNode name="text2" styleLbl="fgAcc2">
-                      <dgm:varLst>
-                        <dgm:chPref val="3"/>
-                      </dgm:varLst>
-                      <dgm:alg type="tx"/>
-                      <dgm:shape xmlns:r="http://schemas.openxmlformats.org/officeDocument/2006/relationships" type="roundRect" r:blip="">
-                        <dgm:adjLst>
-                          <dgm:adj idx="1" val="0.1"/>
-                        </dgm:adjLst>
-                      </dgm:shape>
-                      <dgm:presOf axis="self"/>
-                      <dgm:constrLst>
-                        <dgm:constr type="tMarg" refType="primFontSz" fact="0.3"/>
-                        <dgm:constr type="bMarg" refType="primFontSz" fact="0.3"/>
-                        <dgm:constr type="lMarg" refType="primFontSz" fact="0.3"/>
-                        <dgm:constr type="rMarg" refType="primFontSz" fact="0.3"/>
-                      </dgm:constrLst>
-                      <dgm:ruleLst>
-                        <dgm:rule type="primFontSz" val="5" fact="NaN" max="NaN"/>
-                      </dgm:ruleLst>
-                    </dgm:layoutNode>
-                  </dgm:layoutNode>
-                  <dgm:layoutNode name="hierChild3">
-                    <dgm:choose name="Name12">
-                      <dgm:if name="Name13" func="var" arg="dir" op="equ" val="norm">
-                        <dgm:alg type="hierChild">
-                          <dgm:param type="linDir" val="fromL"/>
-                        </dgm:alg>
-                      </dgm:if>
-                      <dgm:else name="Name14">
-                        <dgm:alg type="hierChild">
-                          <dgm:param type="linDir" val="fromR"/>
-                        </dgm:alg>
-                      </dgm:else>
-                    </dgm:choose>
-                    <dgm:shape xmlns:r="http://schemas.openxmlformats.org/officeDocument/2006/relationships" r:blip="">
-                      <dgm:adjLst/>
-                    </dgm:shape>
-                    <dgm:presOf/>
-                    <dgm:constrLst/>
-                    <dgm:ruleLst/>
-                    <dgm:forEach name="Name15" axis="ch">
-                      <dgm:forEach name="Name16" axis="self" ptType="parTrans" cnt="1">
-                        <dgm:layoutNode name="Name17">
-                          <dgm:alg type="conn">
-                            <dgm:param type="dim" val="1D"/>
-                            <dgm:param type="endSty" val="noArr"/>
-                            <dgm:param type="connRout" val="bend"/>
-                            <dgm:param type="bendPt" val="end"/>
-                            <dgm:param type="begPts" val="bCtr"/>
-                            <dgm:param type="endPts" val="tCtr"/>
-                            <dgm:param type="srcNode" val="background2"/>
-                            <dgm:param type="dstNode" val="background3"/>
-                          </dgm:alg>
-                          <dgm:shape xmlns:r="http://schemas.openxmlformats.org/officeDocument/2006/relationships" type="conn" r:blip="" zOrderOff="-999">
-                            <dgm:adjLst/>
-                          </dgm:shape>
-                          <dgm:presOf axis="self"/>
-                          <dgm:constrLst>
-                            <dgm:constr type="begPad"/>
-                            <dgm:constr type="endPad"/>
-                          </dgm:constrLst>
-                          <dgm:ruleLst/>
-                        </dgm:layoutNode>
-                      </dgm:forEach>
-                      <dgm:forEach name="Name18" axis="self" ptType="node">
-                        <dgm:layoutNode name="hierRoot3">
-                          <dgm:alg type="hierRoot"/>
-                          <dgm:shape xmlns:r="http://schemas.openxmlformats.org/officeDocument/2006/relationships" r:blip="">
-                            <dgm:adjLst/>
-                          </dgm:shape>
-                          <dgm:presOf/>
-                          <dgm:constrLst>
-                            <dgm:constr type="bendDist" for="des" ptType="parTrans" refType="sp" fact="0.5"/>
-                          </dgm:constrLst>
-                          <dgm:ruleLst/>
-                          <dgm:layoutNode name="composite3">
-                            <dgm:alg type="composite"/>
-                            <dgm:shape xmlns:r="http://schemas.openxmlformats.org/officeDocument/2006/relationships" r:blip="">
-                              <dgm:adjLst/>
-                            </dgm:shape>
-                            <dgm:presOf/>
-                            <dgm:constrLst>
-                              <dgm:constr type="w" for="ch" forName="background3" refType="w" fact="0.9"/>
-                              <dgm:constr type="h" for="ch" forName="background3" refType="w" refFor="ch" refForName="background3" fact="0.635"/>
-                              <dgm:constr type="t" for="ch" forName="background3"/>
-                              <dgm:constr type="l" for="ch" forName="background3"/>
-                              <dgm:constr type="w" for="ch" forName="text3" refType="w" fact="0.9"/>
-                              <dgm:constr type="h" for="ch" forName="text3" refType="w" refFor="ch" refForName="text3" fact="0.635"/>
-                              <dgm:constr type="t" for="ch" forName="text3" refType="w" fact="0.095"/>
-                              <dgm:constr type="l" for="ch" forName="text3" refType="w" fact="0.1"/>
-                            </dgm:constrLst>
-                            <dgm:ruleLst/>
-                            <dgm:layoutNode name="background3" moveWith="text3">
-                              <dgm:alg type="sp"/>
-                              <dgm:shape xmlns:r="http://schemas.openxmlformats.org/officeDocument/2006/relationships" type="roundRect" r:blip="">
-                                <dgm:adjLst>
-                                  <dgm:adj idx="1" val="0.1"/>
-                                </dgm:adjLst>
-                              </dgm:shape>
-                              <dgm:presOf/>
-                              <dgm:constrLst/>
-                              <dgm:ruleLst/>
-                            </dgm:layoutNode>
-                            <dgm:layoutNode name="text3" styleLbl="fgAcc3">
-                              <dgm:varLst>
-                                <dgm:chPref val="3"/>
-                              </dgm:varLst>
-                              <dgm:alg type="tx"/>
-                              <dgm:shape xmlns:r="http://schemas.openxmlformats.org/officeDocument/2006/relationships" type="roundRect" r:blip="">
-                                <dgm:adjLst>
-                                  <dgm:adj idx="1" val="0.1"/>
-                                </dgm:adjLst>
-                              </dgm:shape>
-                              <dgm:presOf axis="self"/>
-                              <dgm:constrLst>
-                                <dgm:constr type="tMarg" refType="primFontSz" fact="0.3"/>
-                                <dgm:constr type="bMarg" refType="primFontSz" fact="0.3"/>
-                                <dgm:constr type="lMarg" refType="primFontSz" fact="0.3"/>
-                                <dgm:constr type="rMarg" refType="primFontSz" fact="0.3"/>
-                              </dgm:constrLst>
-                              <dgm:ruleLst>
-                                <dgm:rule type="primFontSz" val="5" fact="NaN" max="NaN"/>
-                              </dgm:ruleLst>
-                            </dgm:layoutNode>
-                          </dgm:layoutNode>
-                          <dgm:layoutNode name="hierChild4">
-                            <dgm:choose name="Name19">
-                              <dgm:if name="Name20" func="var" arg="dir" op="equ" val="norm">
-                                <dgm:alg type="hierChild">
-                                  <dgm:param type="linDir" val="fromL"/>
-                                </dgm:alg>
-                              </dgm:if>
-                              <dgm:else name="Name21">
-                                <dgm:alg type="hierChild">
-                                  <dgm:param type="linDir" val="fromR"/>
-                                </dgm:alg>
-                              </dgm:else>
-                            </dgm:choose>
-                            <dgm:shape xmlns:r="http://schemas.openxmlformats.org/officeDocument/2006/relationships" r:blip="">
-                              <dgm:adjLst/>
-                            </dgm:shape>
-                            <dgm:presOf/>
-                            <dgm:constrLst/>
-                            <dgm:ruleLst/>
-                            <dgm:forEach name="repeat" axis="ch">
-                              <dgm:forEach name="Name22" axis="self" ptType="parTrans" cnt="1">
-                                <dgm:layoutNode name="Name23">
-                                  <dgm:choose name="Name24">
-                                    <dgm:if name="Name25" axis="self" func="depth" op="lte" val="4">
-                                      <dgm:alg type="conn">
-                                        <dgm:param type="dim" val="1D"/>
-                                        <dgm:param type="endSty" val="noArr"/>
-                                        <dgm:param type="connRout" val="bend"/>
-                                        <dgm:param type="bendPt" val="end"/>
-                                        <dgm:param type="begPts" val="bCtr"/>
-                                        <dgm:param type="endPts" val="tCtr"/>
-                                        <dgm:param type="srcNode" val="background3"/>
-                                        <dgm:param type="dstNode" val="background4"/>
-                                      </dgm:alg>
-                                    </dgm:if>
-                                    <dgm:else name="Name26">
-                                      <dgm:alg type="conn">
-                                        <dgm:param type="dim" val="1D"/>
-                                        <dgm:param type="endSty" val="noArr"/>
-                                        <dgm:param type="connRout" val="bend"/>
-                                        <dgm:param type="bendPt" val="end"/>
-                                        <dgm:param type="begPts" val="bCtr"/>
-                                        <dgm:param type="endPts" val="tCtr"/>
-                                        <dgm:param type="srcNode" val="background4"/>
-                                        <dgm:param type="dstNode" val="background4"/>
-                                      </dgm:alg>
-                                    </dgm:else>
-                                  </dgm:choose>
-                                  <dgm:shape xmlns:r="http://schemas.openxmlformats.org/officeDocument/2006/relationships" type="conn" r:blip="" zOrderOff="-999">
-                                    <dgm:adjLst/>
-                                  </dgm:shape>
-                                  <dgm:presOf axis="self"/>
-                                  <dgm:constrLst>
-                                    <dgm:constr type="begPad"/>
-                                    <dgm:constr type="endPad"/>
-                                  </dgm:constrLst>
-                                  <dgm:ruleLst/>
-                                </dgm:layoutNode>
-                              </dgm:forEach>
-                              <dgm:forEach name="Name27" axis="self" ptType="node">
-                                <dgm:layoutNode name="hierRoot4">
-                                  <dgm:alg type="hierRoot"/>
-                                  <dgm:shape xmlns:r="http://schemas.openxmlformats.org/officeDocument/2006/relationships" r:blip="">
-                                    <dgm:adjLst/>
-                                  </dgm:shape>
-                                  <dgm:presOf/>
-                                  <dgm:constrLst>
-                                    <dgm:constr type="bendDist" for="des" ptType="parTrans" refType="sp" fact="0.5"/>
-                                  </dgm:constrLst>
-                                  <dgm:ruleLst/>
-                                  <dgm:layoutNode name="composite4">
-                                    <dgm:alg type="composite"/>
-                                    <dgm:shape xmlns:r="http://schemas.openxmlformats.org/officeDocument/2006/relationships" r:blip="">
-                                      <dgm:adjLst/>
-                                    </dgm:shape>
-                                    <dgm:presOf/>
-                                    <dgm:constrLst>
-                                      <dgm:constr type="w" for="ch" forName="background4" refType="w" fact="0.9"/>
-                                      <dgm:constr type="h" for="ch" forName="background4" refType="w" refFor="ch" refForName="background4" fact="0.635"/>
-                                      <dgm:constr type="t" for="ch" forName="background4"/>
-                                      <dgm:constr type="l" for="ch" forName="background4"/>
-                                      <dgm:constr type="w" for="ch" forName="text4" refType="w" fact="0.9"/>
-                                      <dgm:constr type="h" for="ch" forName="text4" refType="w" refFor="ch" refForName="text4" fact="0.635"/>
-                                      <dgm:constr type="t" for="ch" forName="text4" refType="w" fact="0.095"/>
-                                      <dgm:constr type="l" for="ch" forName="text4" refType="w" fact="0.1"/>
-                                    </dgm:constrLst>
-                                    <dgm:ruleLst/>
-                                    <dgm:layoutNode name="background4" moveWith="text4">
-                                      <dgm:alg type="sp"/>
-                                      <dgm:shape xmlns:r="http://schemas.openxmlformats.org/officeDocument/2006/relationships" type="roundRect" r:blip="">
-                                        <dgm:adjLst>
-                                          <dgm:adj idx="1" val="0.1"/>
-                                        </dgm:adjLst>
-                                      </dgm:shape>
-                                      <dgm:presOf/>
-                                      <dgm:constrLst/>
-                                      <dgm:ruleLst/>
-                                    </dgm:layoutNode>
-                                    <dgm:layoutNode name="text4" styleLbl="fgAcc4">
-                                      <dgm:varLst>
-                                        <dgm:chPref val="3"/>
-                                      </dgm:varLst>
-                                      <dgm:alg type="tx"/>
-                                      <dgm:shape xmlns:r="http://schemas.openxmlformats.org/officeDocument/2006/relationships" type="roundRect" r:blip="">
-                                        <dgm:adjLst>
-                                          <dgm:adj idx="1" val="0.1"/>
-                                        </dgm:adjLst>
-                                      </dgm:shape>
-                                      <dgm:presOf axis="self"/>
-                                      <dgm:constrLst>
-                                        <dgm:constr type="tMarg" refType="primFontSz" fact="0.3"/>
-                                        <dgm:constr type="bMarg" refType="primFontSz" fact="0.3"/>
-                                        <dgm:constr type="lMarg" refType="primFontSz" fact="0.3"/>
-                                        <dgm:constr type="rMarg" refType="primFontSz" fact="0.3"/>
-                                      </dgm:constrLst>
-                                      <dgm:ruleLst>
-                                        <dgm:rule type="primFontSz" val="5" fact="NaN" max="NaN"/>
-                                      </dgm:ruleLst>
-                                    </dgm:layoutNode>
-                                  </dgm:layoutNode>
-                                  <dgm:layoutNode name="hierChild5">
-                                    <dgm:choose name="Name28">
-                                      <dgm:if name="Name29" func="var" arg="dir" op="equ" val="norm">
-                                        <dgm:alg type="hierChild">
-                                          <dgm:param type="linDir" val="fromL"/>
-                                        </dgm:alg>
-                                      </dgm:if>
-                                      <dgm:else name="Name30">
-                                        <dgm:alg type="hierChild">
-                                          <dgm:param type="linDir" val="fromR"/>
-                                        </dgm:alg>
-                                      </dgm:else>
-                                    </dgm:choose>
-                                    <dgm:shape xmlns:r="http://schemas.openxmlformats.org/officeDocument/2006/relationships" r:blip="">
-                                      <dgm:adjLst/>
-                                    </dgm:shape>
-                                    <dgm:presOf/>
-                                    <dgm:constrLst/>
-                                    <dgm:ruleLst/>
-                                    <dgm:forEach name="Name31" ref="repeat"/>
-                                  </dgm:layoutNode>
-                                </dgm:layoutNode>
-                              </dgm:forEach>
-                            </dgm:forEach>
-                          </dgm:layoutNode>
-                        </dgm:layoutNode>
-                      </dgm:forEach>
-                    </dgm:forEach>
-                  </dgm:layoutNode>
-                </dgm:layoutNode>
-              </dgm:forEach>
-            </dgm:forEach>
-          </dgm:layoutNode>
         </dgm:layoutNode>
       </dgm:forEach>
     </dgm:forEach>
   </dgm:layoutNode>
+  <dgm:extLst>
+    <a:ext uri="{68A01E43-0DF5-4B5B-8FA6-DAF915123BFB}">
+      <dgm1612:lstStyle xmlns:dgm1612="http://schemas.microsoft.com/office/drawing/2016/12/diagram">
+        <a:lvl1pPr>
+          <a:lnSpc>
+            <a:spcPct val="100000"/>
+          </a:lnSpc>
+          <a:defRPr cap="all"/>
+        </a:lvl1pPr>
+      </dgm1612:lstStyle>
+    </a:ext>
+  </dgm:extLst>
 </dgm:layoutDef>
 </file>
 
@@ -6596,6 +7825,569 @@
 </dgm:layoutDef>
 </file>
 
+<file path=ppt/diagrams/layout4.xml><?xml version="1.0" encoding="utf-8"?>
+<dgm:layoutDef xmlns:dgm="http://schemas.openxmlformats.org/drawingml/2006/diagram" xmlns:a="http://schemas.openxmlformats.org/drawingml/2006/main" uniqueId="urn:microsoft.com/office/officeart/2005/8/layout/hierarchy1">
+  <dgm:title val=""/>
+  <dgm:desc val=""/>
+  <dgm:catLst>
+    <dgm:cat type="hierarchy" pri="2000"/>
+  </dgm:catLst>
+  <dgm:sampData>
+    <dgm:dataModel>
+      <dgm:ptLst>
+        <dgm:pt modelId="0" type="doc"/>
+        <dgm:pt modelId="1">
+          <dgm:prSet phldr="1"/>
+        </dgm:pt>
+        <dgm:pt modelId="2">
+          <dgm:prSet phldr="1"/>
+        </dgm:pt>
+        <dgm:pt modelId="21">
+          <dgm:prSet phldr="1"/>
+        </dgm:pt>
+        <dgm:pt modelId="22">
+          <dgm:prSet phldr="1"/>
+        </dgm:pt>
+        <dgm:pt modelId="3">
+          <dgm:prSet phldr="1"/>
+        </dgm:pt>
+        <dgm:pt modelId="31">
+          <dgm:prSet phldr="1"/>
+        </dgm:pt>
+      </dgm:ptLst>
+      <dgm:cxnLst>
+        <dgm:cxn modelId="4" srcId="0" destId="1" srcOrd="0" destOrd="0"/>
+        <dgm:cxn modelId="5" srcId="1" destId="2" srcOrd="0" destOrd="0"/>
+        <dgm:cxn modelId="6" srcId="1" destId="3" srcOrd="1" destOrd="0"/>
+        <dgm:cxn modelId="23" srcId="2" destId="21" srcOrd="0" destOrd="0"/>
+        <dgm:cxn modelId="24" srcId="2" destId="22" srcOrd="1" destOrd="0"/>
+        <dgm:cxn modelId="33" srcId="3" destId="31" srcOrd="0" destOrd="0"/>
+      </dgm:cxnLst>
+      <dgm:bg/>
+      <dgm:whole/>
+    </dgm:dataModel>
+  </dgm:sampData>
+  <dgm:styleData>
+    <dgm:dataModel>
+      <dgm:ptLst>
+        <dgm:pt modelId="0" type="doc"/>
+        <dgm:pt modelId="1"/>
+        <dgm:pt modelId="11"/>
+        <dgm:pt modelId="12"/>
+      </dgm:ptLst>
+      <dgm:cxnLst>
+        <dgm:cxn modelId="2" srcId="0" destId="1" srcOrd="0" destOrd="0"/>
+        <dgm:cxn modelId="13" srcId="1" destId="11" srcOrd="0" destOrd="0"/>
+        <dgm:cxn modelId="14" srcId="1" destId="12" srcOrd="1" destOrd="0"/>
+      </dgm:cxnLst>
+      <dgm:bg/>
+      <dgm:whole/>
+    </dgm:dataModel>
+  </dgm:styleData>
+  <dgm:clrData>
+    <dgm:dataModel>
+      <dgm:ptLst>
+        <dgm:pt modelId="0" type="doc"/>
+        <dgm:pt modelId="1"/>
+        <dgm:pt modelId="2"/>
+        <dgm:pt modelId="21"/>
+        <dgm:pt modelId="211"/>
+        <dgm:pt modelId="3"/>
+        <dgm:pt modelId="31"/>
+        <dgm:pt modelId="311"/>
+      </dgm:ptLst>
+      <dgm:cxnLst>
+        <dgm:cxn modelId="4" srcId="0" destId="1" srcOrd="0" destOrd="0"/>
+        <dgm:cxn modelId="5" srcId="1" destId="2" srcOrd="0" destOrd="0"/>
+        <dgm:cxn modelId="6" srcId="1" destId="3" srcOrd="1" destOrd="0"/>
+        <dgm:cxn modelId="23" srcId="2" destId="21" srcOrd="0" destOrd="0"/>
+        <dgm:cxn modelId="24" srcId="21" destId="211" srcOrd="0" destOrd="0"/>
+        <dgm:cxn modelId="33" srcId="3" destId="31" srcOrd="0" destOrd="0"/>
+        <dgm:cxn modelId="34" srcId="31" destId="311" srcOrd="0" destOrd="0"/>
+      </dgm:cxnLst>
+      <dgm:bg/>
+      <dgm:whole/>
+    </dgm:dataModel>
+  </dgm:clrData>
+  <dgm:layoutNode name="hierChild1">
+    <dgm:varLst>
+      <dgm:chPref val="1"/>
+      <dgm:dir/>
+      <dgm:animOne val="branch"/>
+      <dgm:animLvl val="lvl"/>
+      <dgm:resizeHandles/>
+    </dgm:varLst>
+    <dgm:choose name="Name0">
+      <dgm:if name="Name1" func="var" arg="dir" op="equ" val="norm">
+        <dgm:alg type="hierChild">
+          <dgm:param type="linDir" val="fromL"/>
+        </dgm:alg>
+      </dgm:if>
+      <dgm:else name="Name2">
+        <dgm:alg type="hierChild">
+          <dgm:param type="linDir" val="fromR"/>
+        </dgm:alg>
+      </dgm:else>
+    </dgm:choose>
+    <dgm:shape xmlns:r="http://schemas.openxmlformats.org/officeDocument/2006/relationships" r:blip="">
+      <dgm:adjLst/>
+    </dgm:shape>
+    <dgm:presOf/>
+    <dgm:constrLst>
+      <dgm:constr type="primFontSz" for="des" ptType="node" op="equ" val="65"/>
+      <dgm:constr type="w" for="des" forName="composite" refType="w"/>
+      <dgm:constr type="h" for="des" forName="composite" refType="w" refFor="des" refForName="composite" fact="0.667"/>
+      <dgm:constr type="w" for="des" forName="composite2" refType="w" refFor="des" refForName="composite"/>
+      <dgm:constr type="h" for="des" forName="composite2" refType="h" refFor="des" refForName="composite"/>
+      <dgm:constr type="w" for="des" forName="composite3" refType="w" refFor="des" refForName="composite"/>
+      <dgm:constr type="h" for="des" forName="composite3" refType="h" refFor="des" refForName="composite"/>
+      <dgm:constr type="w" for="des" forName="composite4" refType="w" refFor="des" refForName="composite"/>
+      <dgm:constr type="h" for="des" forName="composite4" refType="h" refFor="des" refForName="composite"/>
+      <dgm:constr type="w" for="des" forName="composite5" refType="w" refFor="des" refForName="composite"/>
+      <dgm:constr type="h" for="des" forName="composite5" refType="h" refFor="des" refForName="composite"/>
+      <dgm:constr type="sibSp" refType="w" refFor="des" refForName="composite" fact="0.1"/>
+      <dgm:constr type="sibSp" for="des" forName="hierChild2" refType="sibSp"/>
+      <dgm:constr type="sibSp" for="des" forName="hierChild3" refType="sibSp"/>
+      <dgm:constr type="sibSp" for="des" forName="hierChild4" refType="sibSp"/>
+      <dgm:constr type="sibSp" for="des" forName="hierChild5" refType="sibSp"/>
+      <dgm:constr type="sibSp" for="des" forName="hierChild6" refType="sibSp"/>
+      <dgm:constr type="sp" for="des" forName="hierRoot1" refType="h" refFor="des" refForName="composite" fact="0.25"/>
+      <dgm:constr type="sp" for="des" forName="hierRoot2" refType="sp" refFor="des" refForName="hierRoot1"/>
+      <dgm:constr type="sp" for="des" forName="hierRoot3" refType="sp" refFor="des" refForName="hierRoot1"/>
+      <dgm:constr type="sp" for="des" forName="hierRoot4" refType="sp" refFor="des" refForName="hierRoot1"/>
+      <dgm:constr type="sp" for="des" forName="hierRoot5" refType="sp" refFor="des" refForName="hierRoot1"/>
+    </dgm:constrLst>
+    <dgm:ruleLst/>
+    <dgm:forEach name="Name3" axis="ch">
+      <dgm:forEach name="Name4" axis="self" ptType="node">
+        <dgm:layoutNode name="hierRoot1">
+          <dgm:alg type="hierRoot"/>
+          <dgm:shape xmlns:r="http://schemas.openxmlformats.org/officeDocument/2006/relationships" r:blip="">
+            <dgm:adjLst/>
+          </dgm:shape>
+          <dgm:presOf/>
+          <dgm:constrLst>
+            <dgm:constr type="bendDist" for="des" ptType="parTrans" refType="sp" fact="0.5"/>
+          </dgm:constrLst>
+          <dgm:ruleLst/>
+          <dgm:layoutNode name="composite">
+            <dgm:alg type="composite"/>
+            <dgm:shape xmlns:r="http://schemas.openxmlformats.org/officeDocument/2006/relationships" r:blip="">
+              <dgm:adjLst/>
+            </dgm:shape>
+            <dgm:presOf/>
+            <dgm:constrLst>
+              <dgm:constr type="w" for="ch" forName="background" refType="w" fact="0.9"/>
+              <dgm:constr type="h" for="ch" forName="background" refType="w" refFor="ch" refForName="background" fact="0.635"/>
+              <dgm:constr type="t" for="ch" forName="background"/>
+              <dgm:constr type="l" for="ch" forName="background"/>
+              <dgm:constr type="w" for="ch" forName="text" refType="w" fact="0.9"/>
+              <dgm:constr type="h" for="ch" forName="text" refType="w" refFor="ch" refForName="text" fact="0.635"/>
+              <dgm:constr type="t" for="ch" forName="text" refType="w" fact="0.095"/>
+              <dgm:constr type="l" for="ch" forName="text" refType="w" fact="0.1"/>
+            </dgm:constrLst>
+            <dgm:ruleLst/>
+            <dgm:layoutNode name="background" styleLbl="node0" moveWith="text">
+              <dgm:alg type="sp"/>
+              <dgm:shape xmlns:r="http://schemas.openxmlformats.org/officeDocument/2006/relationships" type="roundRect" r:blip="">
+                <dgm:adjLst>
+                  <dgm:adj idx="1" val="0.1"/>
+                </dgm:adjLst>
+              </dgm:shape>
+              <dgm:presOf/>
+              <dgm:constrLst/>
+              <dgm:ruleLst/>
+            </dgm:layoutNode>
+            <dgm:layoutNode name="text" styleLbl="fgAcc0">
+              <dgm:varLst>
+                <dgm:chPref val="3"/>
+              </dgm:varLst>
+              <dgm:alg type="tx"/>
+              <dgm:shape xmlns:r="http://schemas.openxmlformats.org/officeDocument/2006/relationships" type="roundRect" r:blip="">
+                <dgm:adjLst>
+                  <dgm:adj idx="1" val="0.1"/>
+                </dgm:adjLst>
+              </dgm:shape>
+              <dgm:presOf axis="self"/>
+              <dgm:constrLst>
+                <dgm:constr type="tMarg" refType="primFontSz" fact="0.3"/>
+                <dgm:constr type="bMarg" refType="primFontSz" fact="0.3"/>
+                <dgm:constr type="lMarg" refType="primFontSz" fact="0.3"/>
+                <dgm:constr type="rMarg" refType="primFontSz" fact="0.3"/>
+              </dgm:constrLst>
+              <dgm:ruleLst>
+                <dgm:rule type="primFontSz" val="5" fact="NaN" max="NaN"/>
+              </dgm:ruleLst>
+            </dgm:layoutNode>
+          </dgm:layoutNode>
+          <dgm:layoutNode name="hierChild2">
+            <dgm:choose name="Name5">
+              <dgm:if name="Name6" func="var" arg="dir" op="equ" val="norm">
+                <dgm:alg type="hierChild">
+                  <dgm:param type="linDir" val="fromL"/>
+                </dgm:alg>
+              </dgm:if>
+              <dgm:else name="Name7">
+                <dgm:alg type="hierChild">
+                  <dgm:param type="linDir" val="fromR"/>
+                </dgm:alg>
+              </dgm:else>
+            </dgm:choose>
+            <dgm:shape xmlns:r="http://schemas.openxmlformats.org/officeDocument/2006/relationships" r:blip="">
+              <dgm:adjLst/>
+            </dgm:shape>
+            <dgm:presOf/>
+            <dgm:constrLst/>
+            <dgm:ruleLst/>
+            <dgm:forEach name="Name8" axis="ch">
+              <dgm:forEach name="Name9" axis="self" ptType="parTrans" cnt="1">
+                <dgm:layoutNode name="Name10">
+                  <dgm:alg type="conn">
+                    <dgm:param type="dim" val="1D"/>
+                    <dgm:param type="endSty" val="noArr"/>
+                    <dgm:param type="connRout" val="bend"/>
+                    <dgm:param type="bendPt" val="end"/>
+                    <dgm:param type="begPts" val="bCtr"/>
+                    <dgm:param type="endPts" val="tCtr"/>
+                    <dgm:param type="srcNode" val="background"/>
+                    <dgm:param type="dstNode" val="background2"/>
+                  </dgm:alg>
+                  <dgm:shape xmlns:r="http://schemas.openxmlformats.org/officeDocument/2006/relationships" type="conn" r:blip="" zOrderOff="-999">
+                    <dgm:adjLst/>
+                  </dgm:shape>
+                  <dgm:presOf axis="self"/>
+                  <dgm:constrLst>
+                    <dgm:constr type="begPad"/>
+                    <dgm:constr type="endPad"/>
+                  </dgm:constrLst>
+                  <dgm:ruleLst/>
+                </dgm:layoutNode>
+              </dgm:forEach>
+              <dgm:forEach name="Name11" axis="self" ptType="node">
+                <dgm:layoutNode name="hierRoot2">
+                  <dgm:alg type="hierRoot"/>
+                  <dgm:shape xmlns:r="http://schemas.openxmlformats.org/officeDocument/2006/relationships" r:blip="">
+                    <dgm:adjLst/>
+                  </dgm:shape>
+                  <dgm:presOf/>
+                  <dgm:constrLst>
+                    <dgm:constr type="bendDist" for="des" ptType="parTrans" refType="sp" fact="0.5"/>
+                  </dgm:constrLst>
+                  <dgm:ruleLst/>
+                  <dgm:layoutNode name="composite2">
+                    <dgm:alg type="composite"/>
+                    <dgm:shape xmlns:r="http://schemas.openxmlformats.org/officeDocument/2006/relationships" r:blip="">
+                      <dgm:adjLst/>
+                    </dgm:shape>
+                    <dgm:presOf/>
+                    <dgm:constrLst>
+                      <dgm:constr type="w" for="ch" forName="background2" refType="w" fact="0.9"/>
+                      <dgm:constr type="h" for="ch" forName="background2" refType="w" refFor="ch" refForName="background2" fact="0.635"/>
+                      <dgm:constr type="t" for="ch" forName="background2"/>
+                      <dgm:constr type="l" for="ch" forName="background2"/>
+                      <dgm:constr type="w" for="ch" forName="text2" refType="w" fact="0.9"/>
+                      <dgm:constr type="h" for="ch" forName="text2" refType="w" refFor="ch" refForName="text2" fact="0.635"/>
+                      <dgm:constr type="t" for="ch" forName="text2" refType="w" fact="0.095"/>
+                      <dgm:constr type="l" for="ch" forName="text2" refType="w" fact="0.1"/>
+                    </dgm:constrLst>
+                    <dgm:ruleLst/>
+                    <dgm:layoutNode name="background2" moveWith="text2">
+                      <dgm:alg type="sp"/>
+                      <dgm:shape xmlns:r="http://schemas.openxmlformats.org/officeDocument/2006/relationships" type="roundRect" r:blip="">
+                        <dgm:adjLst>
+                          <dgm:adj idx="1" val="0.1"/>
+                        </dgm:adjLst>
+                      </dgm:shape>
+                      <dgm:presOf/>
+                      <dgm:constrLst/>
+                      <dgm:ruleLst/>
+                    </dgm:layoutNode>
+                    <dgm:layoutNode name="text2" styleLbl="fgAcc2">
+                      <dgm:varLst>
+                        <dgm:chPref val="3"/>
+                      </dgm:varLst>
+                      <dgm:alg type="tx"/>
+                      <dgm:shape xmlns:r="http://schemas.openxmlformats.org/officeDocument/2006/relationships" type="roundRect" r:blip="">
+                        <dgm:adjLst>
+                          <dgm:adj idx="1" val="0.1"/>
+                        </dgm:adjLst>
+                      </dgm:shape>
+                      <dgm:presOf axis="self"/>
+                      <dgm:constrLst>
+                        <dgm:constr type="tMarg" refType="primFontSz" fact="0.3"/>
+                        <dgm:constr type="bMarg" refType="primFontSz" fact="0.3"/>
+                        <dgm:constr type="lMarg" refType="primFontSz" fact="0.3"/>
+                        <dgm:constr type="rMarg" refType="primFontSz" fact="0.3"/>
+                      </dgm:constrLst>
+                      <dgm:ruleLst>
+                        <dgm:rule type="primFontSz" val="5" fact="NaN" max="NaN"/>
+                      </dgm:ruleLst>
+                    </dgm:layoutNode>
+                  </dgm:layoutNode>
+                  <dgm:layoutNode name="hierChild3">
+                    <dgm:choose name="Name12">
+                      <dgm:if name="Name13" func="var" arg="dir" op="equ" val="norm">
+                        <dgm:alg type="hierChild">
+                          <dgm:param type="linDir" val="fromL"/>
+                        </dgm:alg>
+                      </dgm:if>
+                      <dgm:else name="Name14">
+                        <dgm:alg type="hierChild">
+                          <dgm:param type="linDir" val="fromR"/>
+                        </dgm:alg>
+                      </dgm:else>
+                    </dgm:choose>
+                    <dgm:shape xmlns:r="http://schemas.openxmlformats.org/officeDocument/2006/relationships" r:blip="">
+                      <dgm:adjLst/>
+                    </dgm:shape>
+                    <dgm:presOf/>
+                    <dgm:constrLst/>
+                    <dgm:ruleLst/>
+                    <dgm:forEach name="Name15" axis="ch">
+                      <dgm:forEach name="Name16" axis="self" ptType="parTrans" cnt="1">
+                        <dgm:layoutNode name="Name17">
+                          <dgm:alg type="conn">
+                            <dgm:param type="dim" val="1D"/>
+                            <dgm:param type="endSty" val="noArr"/>
+                            <dgm:param type="connRout" val="bend"/>
+                            <dgm:param type="bendPt" val="end"/>
+                            <dgm:param type="begPts" val="bCtr"/>
+                            <dgm:param type="endPts" val="tCtr"/>
+                            <dgm:param type="srcNode" val="background2"/>
+                            <dgm:param type="dstNode" val="background3"/>
+                          </dgm:alg>
+                          <dgm:shape xmlns:r="http://schemas.openxmlformats.org/officeDocument/2006/relationships" type="conn" r:blip="" zOrderOff="-999">
+                            <dgm:adjLst/>
+                          </dgm:shape>
+                          <dgm:presOf axis="self"/>
+                          <dgm:constrLst>
+                            <dgm:constr type="begPad"/>
+                            <dgm:constr type="endPad"/>
+                          </dgm:constrLst>
+                          <dgm:ruleLst/>
+                        </dgm:layoutNode>
+                      </dgm:forEach>
+                      <dgm:forEach name="Name18" axis="self" ptType="node">
+                        <dgm:layoutNode name="hierRoot3">
+                          <dgm:alg type="hierRoot"/>
+                          <dgm:shape xmlns:r="http://schemas.openxmlformats.org/officeDocument/2006/relationships" r:blip="">
+                            <dgm:adjLst/>
+                          </dgm:shape>
+                          <dgm:presOf/>
+                          <dgm:constrLst>
+                            <dgm:constr type="bendDist" for="des" ptType="parTrans" refType="sp" fact="0.5"/>
+                          </dgm:constrLst>
+                          <dgm:ruleLst/>
+                          <dgm:layoutNode name="composite3">
+                            <dgm:alg type="composite"/>
+                            <dgm:shape xmlns:r="http://schemas.openxmlformats.org/officeDocument/2006/relationships" r:blip="">
+                              <dgm:adjLst/>
+                            </dgm:shape>
+                            <dgm:presOf/>
+                            <dgm:constrLst>
+                              <dgm:constr type="w" for="ch" forName="background3" refType="w" fact="0.9"/>
+                              <dgm:constr type="h" for="ch" forName="background3" refType="w" refFor="ch" refForName="background3" fact="0.635"/>
+                              <dgm:constr type="t" for="ch" forName="background3"/>
+                              <dgm:constr type="l" for="ch" forName="background3"/>
+                              <dgm:constr type="w" for="ch" forName="text3" refType="w" fact="0.9"/>
+                              <dgm:constr type="h" for="ch" forName="text3" refType="w" refFor="ch" refForName="text3" fact="0.635"/>
+                              <dgm:constr type="t" for="ch" forName="text3" refType="w" fact="0.095"/>
+                              <dgm:constr type="l" for="ch" forName="text3" refType="w" fact="0.1"/>
+                            </dgm:constrLst>
+                            <dgm:ruleLst/>
+                            <dgm:layoutNode name="background3" moveWith="text3">
+                              <dgm:alg type="sp"/>
+                              <dgm:shape xmlns:r="http://schemas.openxmlformats.org/officeDocument/2006/relationships" type="roundRect" r:blip="">
+                                <dgm:adjLst>
+                                  <dgm:adj idx="1" val="0.1"/>
+                                </dgm:adjLst>
+                              </dgm:shape>
+                              <dgm:presOf/>
+                              <dgm:constrLst/>
+                              <dgm:ruleLst/>
+                            </dgm:layoutNode>
+                            <dgm:layoutNode name="text3" styleLbl="fgAcc3">
+                              <dgm:varLst>
+                                <dgm:chPref val="3"/>
+                              </dgm:varLst>
+                              <dgm:alg type="tx"/>
+                              <dgm:shape xmlns:r="http://schemas.openxmlformats.org/officeDocument/2006/relationships" type="roundRect" r:blip="">
+                                <dgm:adjLst>
+                                  <dgm:adj idx="1" val="0.1"/>
+                                </dgm:adjLst>
+                              </dgm:shape>
+                              <dgm:presOf axis="self"/>
+                              <dgm:constrLst>
+                                <dgm:constr type="tMarg" refType="primFontSz" fact="0.3"/>
+                                <dgm:constr type="bMarg" refType="primFontSz" fact="0.3"/>
+                                <dgm:constr type="lMarg" refType="primFontSz" fact="0.3"/>
+                                <dgm:constr type="rMarg" refType="primFontSz" fact="0.3"/>
+                              </dgm:constrLst>
+                              <dgm:ruleLst>
+                                <dgm:rule type="primFontSz" val="5" fact="NaN" max="NaN"/>
+                              </dgm:ruleLst>
+                            </dgm:layoutNode>
+                          </dgm:layoutNode>
+                          <dgm:layoutNode name="hierChild4">
+                            <dgm:choose name="Name19">
+                              <dgm:if name="Name20" func="var" arg="dir" op="equ" val="norm">
+                                <dgm:alg type="hierChild">
+                                  <dgm:param type="linDir" val="fromL"/>
+                                </dgm:alg>
+                              </dgm:if>
+                              <dgm:else name="Name21">
+                                <dgm:alg type="hierChild">
+                                  <dgm:param type="linDir" val="fromR"/>
+                                </dgm:alg>
+                              </dgm:else>
+                            </dgm:choose>
+                            <dgm:shape xmlns:r="http://schemas.openxmlformats.org/officeDocument/2006/relationships" r:blip="">
+                              <dgm:adjLst/>
+                            </dgm:shape>
+                            <dgm:presOf/>
+                            <dgm:constrLst/>
+                            <dgm:ruleLst/>
+                            <dgm:forEach name="repeat" axis="ch">
+                              <dgm:forEach name="Name22" axis="self" ptType="parTrans" cnt="1">
+                                <dgm:layoutNode name="Name23">
+                                  <dgm:choose name="Name24">
+                                    <dgm:if name="Name25" axis="self" func="depth" op="lte" val="4">
+                                      <dgm:alg type="conn">
+                                        <dgm:param type="dim" val="1D"/>
+                                        <dgm:param type="endSty" val="noArr"/>
+                                        <dgm:param type="connRout" val="bend"/>
+                                        <dgm:param type="bendPt" val="end"/>
+                                        <dgm:param type="begPts" val="bCtr"/>
+                                        <dgm:param type="endPts" val="tCtr"/>
+                                        <dgm:param type="srcNode" val="background3"/>
+                                        <dgm:param type="dstNode" val="background4"/>
+                                      </dgm:alg>
+                                    </dgm:if>
+                                    <dgm:else name="Name26">
+                                      <dgm:alg type="conn">
+                                        <dgm:param type="dim" val="1D"/>
+                                        <dgm:param type="endSty" val="noArr"/>
+                                        <dgm:param type="connRout" val="bend"/>
+                                        <dgm:param type="bendPt" val="end"/>
+                                        <dgm:param type="begPts" val="bCtr"/>
+                                        <dgm:param type="endPts" val="tCtr"/>
+                                        <dgm:param type="srcNode" val="background4"/>
+                                        <dgm:param type="dstNode" val="background4"/>
+                                      </dgm:alg>
+                                    </dgm:else>
+                                  </dgm:choose>
+                                  <dgm:shape xmlns:r="http://schemas.openxmlformats.org/officeDocument/2006/relationships" type="conn" r:blip="" zOrderOff="-999">
+                                    <dgm:adjLst/>
+                                  </dgm:shape>
+                                  <dgm:presOf axis="self"/>
+                                  <dgm:constrLst>
+                                    <dgm:constr type="begPad"/>
+                                    <dgm:constr type="endPad"/>
+                                  </dgm:constrLst>
+                                  <dgm:ruleLst/>
+                                </dgm:layoutNode>
+                              </dgm:forEach>
+                              <dgm:forEach name="Name27" axis="self" ptType="node">
+                                <dgm:layoutNode name="hierRoot4">
+                                  <dgm:alg type="hierRoot"/>
+                                  <dgm:shape xmlns:r="http://schemas.openxmlformats.org/officeDocument/2006/relationships" r:blip="">
+                                    <dgm:adjLst/>
+                                  </dgm:shape>
+                                  <dgm:presOf/>
+                                  <dgm:constrLst>
+                                    <dgm:constr type="bendDist" for="des" ptType="parTrans" refType="sp" fact="0.5"/>
+                                  </dgm:constrLst>
+                                  <dgm:ruleLst/>
+                                  <dgm:layoutNode name="composite4">
+                                    <dgm:alg type="composite"/>
+                                    <dgm:shape xmlns:r="http://schemas.openxmlformats.org/officeDocument/2006/relationships" r:blip="">
+                                      <dgm:adjLst/>
+                                    </dgm:shape>
+                                    <dgm:presOf/>
+                                    <dgm:constrLst>
+                                      <dgm:constr type="w" for="ch" forName="background4" refType="w" fact="0.9"/>
+                                      <dgm:constr type="h" for="ch" forName="background4" refType="w" refFor="ch" refForName="background4" fact="0.635"/>
+                                      <dgm:constr type="t" for="ch" forName="background4"/>
+                                      <dgm:constr type="l" for="ch" forName="background4"/>
+                                      <dgm:constr type="w" for="ch" forName="text4" refType="w" fact="0.9"/>
+                                      <dgm:constr type="h" for="ch" forName="text4" refType="w" refFor="ch" refForName="text4" fact="0.635"/>
+                                      <dgm:constr type="t" for="ch" forName="text4" refType="w" fact="0.095"/>
+                                      <dgm:constr type="l" for="ch" forName="text4" refType="w" fact="0.1"/>
+                                    </dgm:constrLst>
+                                    <dgm:ruleLst/>
+                                    <dgm:layoutNode name="background4" moveWith="text4">
+                                      <dgm:alg type="sp"/>
+                                      <dgm:shape xmlns:r="http://schemas.openxmlformats.org/officeDocument/2006/relationships" type="roundRect" r:blip="">
+                                        <dgm:adjLst>
+                                          <dgm:adj idx="1" val="0.1"/>
+                                        </dgm:adjLst>
+                                      </dgm:shape>
+                                      <dgm:presOf/>
+                                      <dgm:constrLst/>
+                                      <dgm:ruleLst/>
+                                    </dgm:layoutNode>
+                                    <dgm:layoutNode name="text4" styleLbl="fgAcc4">
+                                      <dgm:varLst>
+                                        <dgm:chPref val="3"/>
+                                      </dgm:varLst>
+                                      <dgm:alg type="tx"/>
+                                      <dgm:shape xmlns:r="http://schemas.openxmlformats.org/officeDocument/2006/relationships" type="roundRect" r:blip="">
+                                        <dgm:adjLst>
+                                          <dgm:adj idx="1" val="0.1"/>
+                                        </dgm:adjLst>
+                                      </dgm:shape>
+                                      <dgm:presOf axis="self"/>
+                                      <dgm:constrLst>
+                                        <dgm:constr type="tMarg" refType="primFontSz" fact="0.3"/>
+                                        <dgm:constr type="bMarg" refType="primFontSz" fact="0.3"/>
+                                        <dgm:constr type="lMarg" refType="primFontSz" fact="0.3"/>
+                                        <dgm:constr type="rMarg" refType="primFontSz" fact="0.3"/>
+                                      </dgm:constrLst>
+                                      <dgm:ruleLst>
+                                        <dgm:rule type="primFontSz" val="5" fact="NaN" max="NaN"/>
+                                      </dgm:ruleLst>
+                                    </dgm:layoutNode>
+                                  </dgm:layoutNode>
+                                  <dgm:layoutNode name="hierChild5">
+                                    <dgm:choose name="Name28">
+                                      <dgm:if name="Name29" func="var" arg="dir" op="equ" val="norm">
+                                        <dgm:alg type="hierChild">
+                                          <dgm:param type="linDir" val="fromL"/>
+                                        </dgm:alg>
+                                      </dgm:if>
+                                      <dgm:else name="Name30">
+                                        <dgm:alg type="hierChild">
+                                          <dgm:param type="linDir" val="fromR"/>
+                                        </dgm:alg>
+                                      </dgm:else>
+                                    </dgm:choose>
+                                    <dgm:shape xmlns:r="http://schemas.openxmlformats.org/officeDocument/2006/relationships" r:blip="">
+                                      <dgm:adjLst/>
+                                    </dgm:shape>
+                                    <dgm:presOf/>
+                                    <dgm:constrLst/>
+                                    <dgm:ruleLst/>
+                                    <dgm:forEach name="Name31" ref="repeat"/>
+                                  </dgm:layoutNode>
+                                </dgm:layoutNode>
+                              </dgm:forEach>
+                            </dgm:forEach>
+                          </dgm:layoutNode>
+                        </dgm:layoutNode>
+                      </dgm:forEach>
+                    </dgm:forEach>
+                  </dgm:layoutNode>
+                </dgm:layoutNode>
+              </dgm:forEach>
+            </dgm:forEach>
+          </dgm:layoutNode>
+        </dgm:layoutNode>
+      </dgm:forEach>
+    </dgm:forEach>
+  </dgm:layoutNode>
+</dgm:layoutDef>
+</file>
+
 <file path=ppt/diagrams/quickStyle1.xml><?xml version="1.0" encoding="utf-8"?>
 <dgm:styleDef xmlns:dgm="http://schemas.openxmlformats.org/drawingml/2006/diagram" xmlns:a="http://schemas.openxmlformats.org/drawingml/2006/main" uniqueId="urn:microsoft.com/office/officeart/2005/8/quickstyle/simple1">
   <dgm:title val=""/>
@@ -8665,6 +10457,1040 @@
 </file>
 
 <file path=ppt/diagrams/quickStyle3.xml><?xml version="1.0" encoding="utf-8"?>
+<dgm:styleDef xmlns:dgm="http://schemas.openxmlformats.org/drawingml/2006/diagram" xmlns:a="http://schemas.openxmlformats.org/drawingml/2006/main" uniqueId="urn:microsoft.com/office/officeart/2005/8/quickstyle/simple1">
+  <dgm:title val=""/>
+  <dgm:desc val=""/>
+  <dgm:catLst>
+    <dgm:cat type="simple" pri="10100"/>
+  </dgm:catLst>
+  <dgm:scene3d>
+    <a:camera prst="orthographicFront"/>
+    <a:lightRig rig="threePt" dir="t"/>
+  </dgm:scene3d>
+  <dgm:styleLbl name="node0">
+    <dgm:scene3d>
+      <a:camera prst="orthographicFront"/>
+      <a:lightRig rig="threePt" dir="t"/>
+    </dgm:scene3d>
+    <dgm:sp3d/>
+    <dgm:txPr/>
+    <dgm:style>
+      <a:lnRef idx="2">
+        <a:scrgbClr r="0" g="0" b="0"/>
+      </a:lnRef>
+      <a:fillRef idx="1">
+        <a:scrgbClr r="0" g="0" b="0"/>
+      </a:fillRef>
+      <a:effectRef idx="0">
+        <a:scrgbClr r="0" g="0" b="0"/>
+      </a:effectRef>
+      <a:fontRef idx="minor">
+        <a:schemeClr val="lt1"/>
+      </a:fontRef>
+    </dgm:style>
+  </dgm:styleLbl>
+  <dgm:styleLbl name="lnNode1">
+    <dgm:scene3d>
+      <a:camera prst="orthographicFront"/>
+      <a:lightRig rig="threePt" dir="t"/>
+    </dgm:scene3d>
+    <dgm:sp3d/>
+    <dgm:txPr/>
+    <dgm:style>
+      <a:lnRef idx="2">
+        <a:scrgbClr r="0" g="0" b="0"/>
+      </a:lnRef>
+      <a:fillRef idx="1">
+        <a:scrgbClr r="0" g="0" b="0"/>
+      </a:fillRef>
+      <a:effectRef idx="0">
+        <a:scrgbClr r="0" g="0" b="0"/>
+      </a:effectRef>
+      <a:fontRef idx="minor">
+        <a:schemeClr val="lt1"/>
+      </a:fontRef>
+    </dgm:style>
+  </dgm:styleLbl>
+  <dgm:styleLbl name="vennNode1">
+    <dgm:scene3d>
+      <a:camera prst="orthographicFront"/>
+      <a:lightRig rig="threePt" dir="t"/>
+    </dgm:scene3d>
+    <dgm:sp3d/>
+    <dgm:txPr/>
+    <dgm:style>
+      <a:lnRef idx="2">
+        <a:scrgbClr r="0" g="0" b="0"/>
+      </a:lnRef>
+      <a:fillRef idx="1">
+        <a:scrgbClr r="0" g="0" b="0"/>
+      </a:fillRef>
+      <a:effectRef idx="0">
+        <a:scrgbClr r="0" g="0" b="0"/>
+      </a:effectRef>
+      <a:fontRef idx="minor">
+        <a:schemeClr val="tx1"/>
+      </a:fontRef>
+    </dgm:style>
+  </dgm:styleLbl>
+  <dgm:styleLbl name="alignNode1">
+    <dgm:scene3d>
+      <a:camera prst="orthographicFront"/>
+      <a:lightRig rig="threePt" dir="t"/>
+    </dgm:scene3d>
+    <dgm:sp3d/>
+    <dgm:txPr/>
+    <dgm:style>
+      <a:lnRef idx="2">
+        <a:scrgbClr r="0" g="0" b="0"/>
+      </a:lnRef>
+      <a:fillRef idx="1">
+        <a:scrgbClr r="0" g="0" b="0"/>
+      </a:fillRef>
+      <a:effectRef idx="0">
+        <a:scrgbClr r="0" g="0" b="0"/>
+      </a:effectRef>
+      <a:fontRef idx="minor">
+        <a:schemeClr val="lt1"/>
+      </a:fontRef>
+    </dgm:style>
+  </dgm:styleLbl>
+  <dgm:styleLbl name="node1">
+    <dgm:scene3d>
+      <a:camera prst="orthographicFront"/>
+      <a:lightRig rig="threePt" dir="t"/>
+    </dgm:scene3d>
+    <dgm:sp3d/>
+    <dgm:txPr/>
+    <dgm:style>
+      <a:lnRef idx="2">
+        <a:scrgbClr r="0" g="0" b="0"/>
+      </a:lnRef>
+      <a:fillRef idx="1">
+        <a:scrgbClr r="0" g="0" b="0"/>
+      </a:fillRef>
+      <a:effectRef idx="0">
+        <a:scrgbClr r="0" g="0" b="0"/>
+      </a:effectRef>
+      <a:fontRef idx="minor">
+        <a:schemeClr val="lt1"/>
+      </a:fontRef>
+    </dgm:style>
+  </dgm:styleLbl>
+  <dgm:styleLbl name="node2">
+    <dgm:scene3d>
+      <a:camera prst="orthographicFront"/>
+      <a:lightRig rig="threePt" dir="t"/>
+    </dgm:scene3d>
+    <dgm:sp3d/>
+    <dgm:txPr/>
+    <dgm:style>
+      <a:lnRef idx="2">
+        <a:scrgbClr r="0" g="0" b="0"/>
+      </a:lnRef>
+      <a:fillRef idx="1">
+        <a:scrgbClr r="0" g="0" b="0"/>
+      </a:fillRef>
+      <a:effectRef idx="0">
+        <a:scrgbClr r="0" g="0" b="0"/>
+      </a:effectRef>
+      <a:fontRef idx="minor">
+        <a:schemeClr val="lt1"/>
+      </a:fontRef>
+    </dgm:style>
+  </dgm:styleLbl>
+  <dgm:styleLbl name="node3">
+    <dgm:scene3d>
+      <a:camera prst="orthographicFront"/>
+      <a:lightRig rig="threePt" dir="t"/>
+    </dgm:scene3d>
+    <dgm:sp3d/>
+    <dgm:txPr/>
+    <dgm:style>
+      <a:lnRef idx="2">
+        <a:scrgbClr r="0" g="0" b="0"/>
+      </a:lnRef>
+      <a:fillRef idx="1">
+        <a:scrgbClr r="0" g="0" b="0"/>
+      </a:fillRef>
+      <a:effectRef idx="0">
+        <a:scrgbClr r="0" g="0" b="0"/>
+      </a:effectRef>
+      <a:fontRef idx="minor">
+        <a:schemeClr val="lt1"/>
+      </a:fontRef>
+    </dgm:style>
+  </dgm:styleLbl>
+  <dgm:styleLbl name="node4">
+    <dgm:scene3d>
+      <a:camera prst="orthographicFront"/>
+      <a:lightRig rig="threePt" dir="t"/>
+    </dgm:scene3d>
+    <dgm:sp3d/>
+    <dgm:txPr/>
+    <dgm:style>
+      <a:lnRef idx="2">
+        <a:scrgbClr r="0" g="0" b="0"/>
+      </a:lnRef>
+      <a:fillRef idx="1">
+        <a:scrgbClr r="0" g="0" b="0"/>
+      </a:fillRef>
+      <a:effectRef idx="0">
+        <a:scrgbClr r="0" g="0" b="0"/>
+      </a:effectRef>
+      <a:fontRef idx="minor">
+        <a:schemeClr val="lt1"/>
+      </a:fontRef>
+    </dgm:style>
+  </dgm:styleLbl>
+  <dgm:styleLbl name="fgImgPlace1">
+    <dgm:scene3d>
+      <a:camera prst="orthographicFront"/>
+      <a:lightRig rig="threePt" dir="t"/>
+    </dgm:scene3d>
+    <dgm:sp3d/>
+    <dgm:txPr/>
+    <dgm:style>
+      <a:lnRef idx="2">
+        <a:scrgbClr r="0" g="0" b="0"/>
+      </a:lnRef>
+      <a:fillRef idx="1">
+        <a:scrgbClr r="0" g="0" b="0"/>
+      </a:fillRef>
+      <a:effectRef idx="0">
+        <a:scrgbClr r="0" g="0" b="0"/>
+      </a:effectRef>
+      <a:fontRef idx="minor"/>
+    </dgm:style>
+  </dgm:styleLbl>
+  <dgm:styleLbl name="alignImgPlace1">
+    <dgm:scene3d>
+      <a:camera prst="orthographicFront"/>
+      <a:lightRig rig="threePt" dir="t"/>
+    </dgm:scene3d>
+    <dgm:sp3d/>
+    <dgm:txPr/>
+    <dgm:style>
+      <a:lnRef idx="2">
+        <a:scrgbClr r="0" g="0" b="0"/>
+      </a:lnRef>
+      <a:fillRef idx="1">
+        <a:scrgbClr r="0" g="0" b="0"/>
+      </a:fillRef>
+      <a:effectRef idx="0">
+        <a:scrgbClr r="0" g="0" b="0"/>
+      </a:effectRef>
+      <a:fontRef idx="minor"/>
+    </dgm:style>
+  </dgm:styleLbl>
+  <dgm:styleLbl name="bgImgPlace1">
+    <dgm:scene3d>
+      <a:camera prst="orthographicFront"/>
+      <a:lightRig rig="threePt" dir="t"/>
+    </dgm:scene3d>
+    <dgm:sp3d/>
+    <dgm:txPr/>
+    <dgm:style>
+      <a:lnRef idx="2">
+        <a:scrgbClr r="0" g="0" b="0"/>
+      </a:lnRef>
+      <a:fillRef idx="1">
+        <a:scrgbClr r="0" g="0" b="0"/>
+      </a:fillRef>
+      <a:effectRef idx="0">
+        <a:scrgbClr r="0" g="0" b="0"/>
+      </a:effectRef>
+      <a:fontRef idx="minor"/>
+    </dgm:style>
+  </dgm:styleLbl>
+  <dgm:styleLbl name="sibTrans2D1">
+    <dgm:scene3d>
+      <a:camera prst="orthographicFront"/>
+      <a:lightRig rig="threePt" dir="t"/>
+    </dgm:scene3d>
+    <dgm:sp3d/>
+    <dgm:txPr/>
+    <dgm:style>
+      <a:lnRef idx="0">
+        <a:scrgbClr r="0" g="0" b="0"/>
+      </a:lnRef>
+      <a:fillRef idx="1">
+        <a:scrgbClr r="0" g="0" b="0"/>
+      </a:fillRef>
+      <a:effectRef idx="0">
+        <a:scrgbClr r="0" g="0" b="0"/>
+      </a:effectRef>
+      <a:fontRef idx="minor">
+        <a:schemeClr val="lt1"/>
+      </a:fontRef>
+    </dgm:style>
+  </dgm:styleLbl>
+  <dgm:styleLbl name="fgSibTrans2D1">
+    <dgm:scene3d>
+      <a:camera prst="orthographicFront"/>
+      <a:lightRig rig="threePt" dir="t"/>
+    </dgm:scene3d>
+    <dgm:sp3d/>
+    <dgm:txPr/>
+    <dgm:style>
+      <a:lnRef idx="0">
+        <a:scrgbClr r="0" g="0" b="0"/>
+      </a:lnRef>
+      <a:fillRef idx="1">
+        <a:scrgbClr r="0" g="0" b="0"/>
+      </a:fillRef>
+      <a:effectRef idx="0">
+        <a:scrgbClr r="0" g="0" b="0"/>
+      </a:effectRef>
+      <a:fontRef idx="minor">
+        <a:schemeClr val="lt1"/>
+      </a:fontRef>
+    </dgm:style>
+  </dgm:styleLbl>
+  <dgm:styleLbl name="bgSibTrans2D1">
+    <dgm:scene3d>
+      <a:camera prst="orthographicFront"/>
+      <a:lightRig rig="threePt" dir="t"/>
+    </dgm:scene3d>
+    <dgm:sp3d/>
+    <dgm:txPr/>
+    <dgm:style>
+      <a:lnRef idx="0">
+        <a:scrgbClr r="0" g="0" b="0"/>
+      </a:lnRef>
+      <a:fillRef idx="1">
+        <a:scrgbClr r="0" g="0" b="0"/>
+      </a:fillRef>
+      <a:effectRef idx="0">
+        <a:scrgbClr r="0" g="0" b="0"/>
+      </a:effectRef>
+      <a:fontRef idx="minor">
+        <a:schemeClr val="lt1"/>
+      </a:fontRef>
+    </dgm:style>
+  </dgm:styleLbl>
+  <dgm:styleLbl name="sibTrans1D1">
+    <dgm:scene3d>
+      <a:camera prst="orthographicFront"/>
+      <a:lightRig rig="threePt" dir="t"/>
+    </dgm:scene3d>
+    <dgm:sp3d/>
+    <dgm:txPr/>
+    <dgm:style>
+      <a:lnRef idx="1">
+        <a:scrgbClr r="0" g="0" b="0"/>
+      </a:lnRef>
+      <a:fillRef idx="0">
+        <a:scrgbClr r="0" g="0" b="0"/>
+      </a:fillRef>
+      <a:effectRef idx="0">
+        <a:scrgbClr r="0" g="0" b="0"/>
+      </a:effectRef>
+      <a:fontRef idx="minor"/>
+    </dgm:style>
+  </dgm:styleLbl>
+  <dgm:styleLbl name="callout">
+    <dgm:scene3d>
+      <a:camera prst="orthographicFront"/>
+      <a:lightRig rig="threePt" dir="t"/>
+    </dgm:scene3d>
+    <dgm:sp3d/>
+    <dgm:txPr/>
+    <dgm:style>
+      <a:lnRef idx="2">
+        <a:scrgbClr r="0" g="0" b="0"/>
+      </a:lnRef>
+      <a:fillRef idx="1">
+        <a:scrgbClr r="0" g="0" b="0"/>
+      </a:fillRef>
+      <a:effectRef idx="0">
+        <a:scrgbClr r="0" g="0" b="0"/>
+      </a:effectRef>
+      <a:fontRef idx="minor"/>
+    </dgm:style>
+  </dgm:styleLbl>
+  <dgm:styleLbl name="asst0">
+    <dgm:scene3d>
+      <a:camera prst="orthographicFront"/>
+      <a:lightRig rig="threePt" dir="t"/>
+    </dgm:scene3d>
+    <dgm:sp3d/>
+    <dgm:txPr/>
+    <dgm:style>
+      <a:lnRef idx="2">
+        <a:scrgbClr r="0" g="0" b="0"/>
+      </a:lnRef>
+      <a:fillRef idx="1">
+        <a:scrgbClr r="0" g="0" b="0"/>
+      </a:fillRef>
+      <a:effectRef idx="0">
+        <a:scrgbClr r="0" g="0" b="0"/>
+      </a:effectRef>
+      <a:fontRef idx="minor">
+        <a:schemeClr val="lt1"/>
+      </a:fontRef>
+    </dgm:style>
+  </dgm:styleLbl>
+  <dgm:styleLbl name="asst1">
+    <dgm:scene3d>
+      <a:camera prst="orthographicFront"/>
+      <a:lightRig rig="threePt" dir="t"/>
+    </dgm:scene3d>
+    <dgm:sp3d/>
+    <dgm:txPr/>
+    <dgm:style>
+      <a:lnRef idx="2">
+        <a:scrgbClr r="0" g="0" b="0"/>
+      </a:lnRef>
+      <a:fillRef idx="1">
+        <a:scrgbClr r="0" g="0" b="0"/>
+      </a:fillRef>
+      <a:effectRef idx="0">
+        <a:scrgbClr r="0" g="0" b="0"/>
+      </a:effectRef>
+      <a:fontRef idx="minor">
+        <a:schemeClr val="lt1"/>
+      </a:fontRef>
+    </dgm:style>
+  </dgm:styleLbl>
+  <dgm:styleLbl name="asst2">
+    <dgm:scene3d>
+      <a:camera prst="orthographicFront"/>
+      <a:lightRig rig="threePt" dir="t"/>
+    </dgm:scene3d>
+    <dgm:sp3d/>
+    <dgm:txPr/>
+    <dgm:style>
+      <a:lnRef idx="2">
+        <a:scrgbClr r="0" g="0" b="0"/>
+      </a:lnRef>
+      <a:fillRef idx="1">
+        <a:scrgbClr r="0" g="0" b="0"/>
+      </a:fillRef>
+      <a:effectRef idx="0">
+        <a:scrgbClr r="0" g="0" b="0"/>
+      </a:effectRef>
+      <a:fontRef idx="minor">
+        <a:schemeClr val="lt1"/>
+      </a:fontRef>
+    </dgm:style>
+  </dgm:styleLbl>
+  <dgm:styleLbl name="asst3">
+    <dgm:scene3d>
+      <a:camera prst="orthographicFront"/>
+      <a:lightRig rig="threePt" dir="t"/>
+    </dgm:scene3d>
+    <dgm:sp3d/>
+    <dgm:txPr/>
+    <dgm:style>
+      <a:lnRef idx="2">
+        <a:scrgbClr r="0" g="0" b="0"/>
+      </a:lnRef>
+      <a:fillRef idx="1">
+        <a:scrgbClr r="0" g="0" b="0"/>
+      </a:fillRef>
+      <a:effectRef idx="0">
+        <a:scrgbClr r="0" g="0" b="0"/>
+      </a:effectRef>
+      <a:fontRef idx="minor">
+        <a:schemeClr val="lt1"/>
+      </a:fontRef>
+    </dgm:style>
+  </dgm:styleLbl>
+  <dgm:styleLbl name="asst4">
+    <dgm:scene3d>
+      <a:camera prst="orthographicFront"/>
+      <a:lightRig rig="threePt" dir="t"/>
+    </dgm:scene3d>
+    <dgm:sp3d/>
+    <dgm:txPr/>
+    <dgm:style>
+      <a:lnRef idx="2">
+        <a:scrgbClr r="0" g="0" b="0"/>
+      </a:lnRef>
+      <a:fillRef idx="1">
+        <a:scrgbClr r="0" g="0" b="0"/>
+      </a:fillRef>
+      <a:effectRef idx="0">
+        <a:scrgbClr r="0" g="0" b="0"/>
+      </a:effectRef>
+      <a:fontRef idx="minor">
+        <a:schemeClr val="lt1"/>
+      </a:fontRef>
+    </dgm:style>
+  </dgm:styleLbl>
+  <dgm:styleLbl name="parChTrans2D1">
+    <dgm:scene3d>
+      <a:camera prst="orthographicFront"/>
+      <a:lightRig rig="threePt" dir="t"/>
+    </dgm:scene3d>
+    <dgm:sp3d/>
+    <dgm:txPr/>
+    <dgm:style>
+      <a:lnRef idx="2">
+        <a:scrgbClr r="0" g="0" b="0"/>
+      </a:lnRef>
+      <a:fillRef idx="1">
+        <a:scrgbClr r="0" g="0" b="0"/>
+      </a:fillRef>
+      <a:effectRef idx="0">
+        <a:scrgbClr r="0" g="0" b="0"/>
+      </a:effectRef>
+      <a:fontRef idx="minor">
+        <a:schemeClr val="lt1"/>
+      </a:fontRef>
+    </dgm:style>
+  </dgm:styleLbl>
+  <dgm:styleLbl name="parChTrans2D2">
+    <dgm:scene3d>
+      <a:camera prst="orthographicFront"/>
+      <a:lightRig rig="threePt" dir="t"/>
+    </dgm:scene3d>
+    <dgm:sp3d/>
+    <dgm:txPr/>
+    <dgm:style>
+      <a:lnRef idx="2">
+        <a:scrgbClr r="0" g="0" b="0"/>
+      </a:lnRef>
+      <a:fillRef idx="1">
+        <a:scrgbClr r="0" g="0" b="0"/>
+      </a:fillRef>
+      <a:effectRef idx="0">
+        <a:scrgbClr r="0" g="0" b="0"/>
+      </a:effectRef>
+      <a:fontRef idx="minor">
+        <a:schemeClr val="lt1"/>
+      </a:fontRef>
+    </dgm:style>
+  </dgm:styleLbl>
+  <dgm:styleLbl name="parChTrans2D3">
+    <dgm:scene3d>
+      <a:camera prst="orthographicFront"/>
+      <a:lightRig rig="threePt" dir="t"/>
+    </dgm:scene3d>
+    <dgm:sp3d/>
+    <dgm:txPr/>
+    <dgm:style>
+      <a:lnRef idx="2">
+        <a:scrgbClr r="0" g="0" b="0"/>
+      </a:lnRef>
+      <a:fillRef idx="1">
+        <a:scrgbClr r="0" g="0" b="0"/>
+      </a:fillRef>
+      <a:effectRef idx="0">
+        <a:scrgbClr r="0" g="0" b="0"/>
+      </a:effectRef>
+      <a:fontRef idx="minor">
+        <a:schemeClr val="lt1"/>
+      </a:fontRef>
+    </dgm:style>
+  </dgm:styleLbl>
+  <dgm:styleLbl name="parChTrans2D4">
+    <dgm:scene3d>
+      <a:camera prst="orthographicFront"/>
+      <a:lightRig rig="threePt" dir="t"/>
+    </dgm:scene3d>
+    <dgm:sp3d/>
+    <dgm:txPr/>
+    <dgm:style>
+      <a:lnRef idx="2">
+        <a:scrgbClr r="0" g="0" b="0"/>
+      </a:lnRef>
+      <a:fillRef idx="1">
+        <a:scrgbClr r="0" g="0" b="0"/>
+      </a:fillRef>
+      <a:effectRef idx="0">
+        <a:scrgbClr r="0" g="0" b="0"/>
+      </a:effectRef>
+      <a:fontRef idx="minor">
+        <a:schemeClr val="lt1"/>
+      </a:fontRef>
+    </dgm:style>
+  </dgm:styleLbl>
+  <dgm:styleLbl name="parChTrans1D1">
+    <dgm:scene3d>
+      <a:camera prst="orthographicFront"/>
+      <a:lightRig rig="threePt" dir="t"/>
+    </dgm:scene3d>
+    <dgm:sp3d/>
+    <dgm:txPr/>
+    <dgm:style>
+      <a:lnRef idx="2">
+        <a:scrgbClr r="0" g="0" b="0"/>
+      </a:lnRef>
+      <a:fillRef idx="0">
+        <a:scrgbClr r="0" g="0" b="0"/>
+      </a:fillRef>
+      <a:effectRef idx="0">
+        <a:scrgbClr r="0" g="0" b="0"/>
+      </a:effectRef>
+      <a:fontRef idx="minor"/>
+    </dgm:style>
+  </dgm:styleLbl>
+  <dgm:styleLbl name="parChTrans1D2">
+    <dgm:scene3d>
+      <a:camera prst="orthographicFront"/>
+      <a:lightRig rig="threePt" dir="t"/>
+    </dgm:scene3d>
+    <dgm:sp3d/>
+    <dgm:txPr/>
+    <dgm:style>
+      <a:lnRef idx="2">
+        <a:scrgbClr r="0" g="0" b="0"/>
+      </a:lnRef>
+      <a:fillRef idx="0">
+        <a:scrgbClr r="0" g="0" b="0"/>
+      </a:fillRef>
+      <a:effectRef idx="0">
+        <a:scrgbClr r="0" g="0" b="0"/>
+      </a:effectRef>
+      <a:fontRef idx="minor"/>
+    </dgm:style>
+  </dgm:styleLbl>
+  <dgm:styleLbl name="parChTrans1D3">
+    <dgm:scene3d>
+      <a:camera prst="orthographicFront"/>
+      <a:lightRig rig="threePt" dir="t"/>
+    </dgm:scene3d>
+    <dgm:sp3d/>
+    <dgm:txPr/>
+    <dgm:style>
+      <a:lnRef idx="2">
+        <a:scrgbClr r="0" g="0" b="0"/>
+      </a:lnRef>
+      <a:fillRef idx="0">
+        <a:scrgbClr r="0" g="0" b="0"/>
+      </a:fillRef>
+      <a:effectRef idx="0">
+        <a:scrgbClr r="0" g="0" b="0"/>
+      </a:effectRef>
+      <a:fontRef idx="minor"/>
+    </dgm:style>
+  </dgm:styleLbl>
+  <dgm:styleLbl name="parChTrans1D4">
+    <dgm:scene3d>
+      <a:camera prst="orthographicFront"/>
+      <a:lightRig rig="threePt" dir="t"/>
+    </dgm:scene3d>
+    <dgm:sp3d/>
+    <dgm:txPr/>
+    <dgm:style>
+      <a:lnRef idx="2">
+        <a:scrgbClr r="0" g="0" b="0"/>
+      </a:lnRef>
+      <a:fillRef idx="0">
+        <a:scrgbClr r="0" g="0" b="0"/>
+      </a:fillRef>
+      <a:effectRef idx="0">
+        <a:scrgbClr r="0" g="0" b="0"/>
+      </a:effectRef>
+      <a:fontRef idx="minor"/>
+    </dgm:style>
+  </dgm:styleLbl>
+  <dgm:styleLbl name="fgAcc1">
+    <dgm:scene3d>
+      <a:camera prst="orthographicFront"/>
+      <a:lightRig rig="threePt" dir="t"/>
+    </dgm:scene3d>
+    <dgm:sp3d/>
+    <dgm:txPr/>
+    <dgm:style>
+      <a:lnRef idx="2">
+        <a:scrgbClr r="0" g="0" b="0"/>
+      </a:lnRef>
+      <a:fillRef idx="1">
+        <a:scrgbClr r="0" g="0" b="0"/>
+      </a:fillRef>
+      <a:effectRef idx="0">
+        <a:scrgbClr r="0" g="0" b="0"/>
+      </a:effectRef>
+      <a:fontRef idx="minor"/>
+    </dgm:style>
+  </dgm:styleLbl>
+  <dgm:styleLbl name="conFgAcc1">
+    <dgm:scene3d>
+      <a:camera prst="orthographicFront"/>
+      <a:lightRig rig="threePt" dir="t"/>
+    </dgm:scene3d>
+    <dgm:sp3d/>
+    <dgm:txPr/>
+    <dgm:style>
+      <a:lnRef idx="2">
+        <a:scrgbClr r="0" g="0" b="0"/>
+      </a:lnRef>
+      <a:fillRef idx="1">
+        <a:scrgbClr r="0" g="0" b="0"/>
+      </a:fillRef>
+      <a:effectRef idx="0">
+        <a:scrgbClr r="0" g="0" b="0"/>
+      </a:effectRef>
+      <a:fontRef idx="minor"/>
+    </dgm:style>
+  </dgm:styleLbl>
+  <dgm:styleLbl name="alignAcc1">
+    <dgm:scene3d>
+      <a:camera prst="orthographicFront"/>
+      <a:lightRig rig="threePt" dir="t"/>
+    </dgm:scene3d>
+    <dgm:sp3d/>
+    <dgm:txPr/>
+    <dgm:style>
+      <a:lnRef idx="2">
+        <a:scrgbClr r="0" g="0" b="0"/>
+      </a:lnRef>
+      <a:fillRef idx="1">
+        <a:scrgbClr r="0" g="0" b="0"/>
+      </a:fillRef>
+      <a:effectRef idx="0">
+        <a:scrgbClr r="0" g="0" b="0"/>
+      </a:effectRef>
+      <a:fontRef idx="minor"/>
+    </dgm:style>
+  </dgm:styleLbl>
+  <dgm:styleLbl name="trAlignAcc1">
+    <dgm:scene3d>
+      <a:camera prst="orthographicFront"/>
+      <a:lightRig rig="threePt" dir="t"/>
+    </dgm:scene3d>
+    <dgm:sp3d/>
+    <dgm:txPr/>
+    <dgm:style>
+      <a:lnRef idx="1">
+        <a:scrgbClr r="0" g="0" b="0"/>
+      </a:lnRef>
+      <a:fillRef idx="1">
+        <a:scrgbClr r="0" g="0" b="0"/>
+      </a:fillRef>
+      <a:effectRef idx="0">
+        <a:scrgbClr r="0" g="0" b="0"/>
+      </a:effectRef>
+      <a:fontRef idx="minor"/>
+    </dgm:style>
+  </dgm:styleLbl>
+  <dgm:styleLbl name="bgAcc1">
+    <dgm:scene3d>
+      <a:camera prst="orthographicFront"/>
+      <a:lightRig rig="threePt" dir="t"/>
+    </dgm:scene3d>
+    <dgm:sp3d/>
+    <dgm:txPr/>
+    <dgm:style>
+      <a:lnRef idx="2">
+        <a:scrgbClr r="0" g="0" b="0"/>
+      </a:lnRef>
+      <a:fillRef idx="1">
+        <a:scrgbClr r="0" g="0" b="0"/>
+      </a:fillRef>
+      <a:effectRef idx="0">
+        <a:scrgbClr r="0" g="0" b="0"/>
+      </a:effectRef>
+      <a:fontRef idx="minor"/>
+    </dgm:style>
+  </dgm:styleLbl>
+  <dgm:styleLbl name="solidFgAcc1">
+    <dgm:scene3d>
+      <a:camera prst="orthographicFront"/>
+      <a:lightRig rig="threePt" dir="t"/>
+    </dgm:scene3d>
+    <dgm:sp3d/>
+    <dgm:txPr/>
+    <dgm:style>
+      <a:lnRef idx="2">
+        <a:scrgbClr r="0" g="0" b="0"/>
+      </a:lnRef>
+      <a:fillRef idx="1">
+        <a:scrgbClr r="0" g="0" b="0"/>
+      </a:fillRef>
+      <a:effectRef idx="0">
+        <a:scrgbClr r="0" g="0" b="0"/>
+      </a:effectRef>
+      <a:fontRef idx="minor"/>
+    </dgm:style>
+  </dgm:styleLbl>
+  <dgm:styleLbl name="solidAlignAcc1">
+    <dgm:scene3d>
+      <a:camera prst="orthographicFront"/>
+      <a:lightRig rig="threePt" dir="t"/>
+    </dgm:scene3d>
+    <dgm:sp3d/>
+    <dgm:txPr/>
+    <dgm:style>
+      <a:lnRef idx="2">
+        <a:scrgbClr r="0" g="0" b="0"/>
+      </a:lnRef>
+      <a:fillRef idx="1">
+        <a:scrgbClr r="0" g="0" b="0"/>
+      </a:fillRef>
+      <a:effectRef idx="0">
+        <a:scrgbClr r="0" g="0" b="0"/>
+      </a:effectRef>
+      <a:fontRef idx="minor"/>
+    </dgm:style>
+  </dgm:styleLbl>
+  <dgm:styleLbl name="solidBgAcc1">
+    <dgm:scene3d>
+      <a:camera prst="orthographicFront"/>
+      <a:lightRig rig="threePt" dir="t"/>
+    </dgm:scene3d>
+    <dgm:sp3d/>
+    <dgm:txPr/>
+    <dgm:style>
+      <a:lnRef idx="2">
+        <a:scrgbClr r="0" g="0" b="0"/>
+      </a:lnRef>
+      <a:fillRef idx="1">
+        <a:scrgbClr r="0" g="0" b="0"/>
+      </a:fillRef>
+      <a:effectRef idx="0">
+        <a:scrgbClr r="0" g="0" b="0"/>
+      </a:effectRef>
+      <a:fontRef idx="minor"/>
+    </dgm:style>
+  </dgm:styleLbl>
+  <dgm:styleLbl name="fgAccFollowNode1">
+    <dgm:scene3d>
+      <a:camera prst="orthographicFront"/>
+      <a:lightRig rig="threePt" dir="t"/>
+    </dgm:scene3d>
+    <dgm:sp3d/>
+    <dgm:txPr/>
+    <dgm:style>
+      <a:lnRef idx="2">
+        <a:scrgbClr r="0" g="0" b="0"/>
+      </a:lnRef>
+      <a:fillRef idx="1">
+        <a:scrgbClr r="0" g="0" b="0"/>
+      </a:fillRef>
+      <a:effectRef idx="0">
+        <a:scrgbClr r="0" g="0" b="0"/>
+      </a:effectRef>
+      <a:fontRef idx="minor"/>
+    </dgm:style>
+  </dgm:styleLbl>
+  <dgm:styleLbl name="alignAccFollowNode1">
+    <dgm:scene3d>
+      <a:camera prst="orthographicFront"/>
+      <a:lightRig rig="threePt" dir="t"/>
+    </dgm:scene3d>
+    <dgm:sp3d/>
+    <dgm:txPr/>
+    <dgm:style>
+      <a:lnRef idx="2">
+        <a:scrgbClr r="0" g="0" b="0"/>
+      </a:lnRef>
+      <a:fillRef idx="1">
+        <a:scrgbClr r="0" g="0" b="0"/>
+      </a:fillRef>
+      <a:effectRef idx="0">
+        <a:scrgbClr r="0" g="0" b="0"/>
+      </a:effectRef>
+      <a:fontRef idx="minor"/>
+    </dgm:style>
+  </dgm:styleLbl>
+  <dgm:styleLbl name="bgAccFollowNode1">
+    <dgm:scene3d>
+      <a:camera prst="orthographicFront"/>
+      <a:lightRig rig="threePt" dir="t"/>
+    </dgm:scene3d>
+    <dgm:sp3d/>
+    <dgm:txPr/>
+    <dgm:style>
+      <a:lnRef idx="2">
+        <a:scrgbClr r="0" g="0" b="0"/>
+      </a:lnRef>
+      <a:fillRef idx="1">
+        <a:scrgbClr r="0" g="0" b="0"/>
+      </a:fillRef>
+      <a:effectRef idx="0">
+        <a:scrgbClr r="0" g="0" b="0"/>
+      </a:effectRef>
+      <a:fontRef idx="minor"/>
+    </dgm:style>
+  </dgm:styleLbl>
+  <dgm:styleLbl name="fgAcc0">
+    <dgm:scene3d>
+      <a:camera prst="orthographicFront"/>
+      <a:lightRig rig="threePt" dir="t"/>
+    </dgm:scene3d>
+    <dgm:sp3d/>
+    <dgm:txPr/>
+    <dgm:style>
+      <a:lnRef idx="2">
+        <a:scrgbClr r="0" g="0" b="0"/>
+      </a:lnRef>
+      <a:fillRef idx="1">
+        <a:scrgbClr r="0" g="0" b="0"/>
+      </a:fillRef>
+      <a:effectRef idx="0">
+        <a:scrgbClr r="0" g="0" b="0"/>
+      </a:effectRef>
+      <a:fontRef idx="minor"/>
+    </dgm:style>
+  </dgm:styleLbl>
+  <dgm:styleLbl name="fgAcc2">
+    <dgm:scene3d>
+      <a:camera prst="orthographicFront"/>
+      <a:lightRig rig="threePt" dir="t"/>
+    </dgm:scene3d>
+    <dgm:sp3d/>
+    <dgm:txPr/>
+    <dgm:style>
+      <a:lnRef idx="2">
+        <a:scrgbClr r="0" g="0" b="0"/>
+      </a:lnRef>
+      <a:fillRef idx="1">
+        <a:scrgbClr r="0" g="0" b="0"/>
+      </a:fillRef>
+      <a:effectRef idx="0">
+        <a:scrgbClr r="0" g="0" b="0"/>
+      </a:effectRef>
+      <a:fontRef idx="minor"/>
+    </dgm:style>
+  </dgm:styleLbl>
+  <dgm:styleLbl name="fgAcc3">
+    <dgm:scene3d>
+      <a:camera prst="orthographicFront"/>
+      <a:lightRig rig="threePt" dir="t"/>
+    </dgm:scene3d>
+    <dgm:sp3d/>
+    <dgm:txPr/>
+    <dgm:style>
+      <a:lnRef idx="2">
+        <a:scrgbClr r="0" g="0" b="0"/>
+      </a:lnRef>
+      <a:fillRef idx="1">
+        <a:scrgbClr r="0" g="0" b="0"/>
+      </a:fillRef>
+      <a:effectRef idx="0">
+        <a:scrgbClr r="0" g="0" b="0"/>
+      </a:effectRef>
+      <a:fontRef idx="minor"/>
+    </dgm:style>
+  </dgm:styleLbl>
+  <dgm:styleLbl name="fgAcc4">
+    <dgm:scene3d>
+      <a:camera prst="orthographicFront"/>
+      <a:lightRig rig="threePt" dir="t"/>
+    </dgm:scene3d>
+    <dgm:sp3d/>
+    <dgm:txPr/>
+    <dgm:style>
+      <a:lnRef idx="2">
+        <a:scrgbClr r="0" g="0" b="0"/>
+      </a:lnRef>
+      <a:fillRef idx="1">
+        <a:scrgbClr r="0" g="0" b="0"/>
+      </a:fillRef>
+      <a:effectRef idx="0">
+        <a:scrgbClr r="0" g="0" b="0"/>
+      </a:effectRef>
+      <a:fontRef idx="minor"/>
+    </dgm:style>
+  </dgm:styleLbl>
+  <dgm:styleLbl name="bgShp">
+    <dgm:scene3d>
+      <a:camera prst="orthographicFront"/>
+      <a:lightRig rig="threePt" dir="t"/>
+    </dgm:scene3d>
+    <dgm:sp3d/>
+    <dgm:txPr/>
+    <dgm:style>
+      <a:lnRef idx="0">
+        <a:scrgbClr r="0" g="0" b="0"/>
+      </a:lnRef>
+      <a:fillRef idx="1">
+        <a:scrgbClr r="0" g="0" b="0"/>
+      </a:fillRef>
+      <a:effectRef idx="0">
+        <a:scrgbClr r="0" g="0" b="0"/>
+      </a:effectRef>
+      <a:fontRef idx="minor"/>
+    </dgm:style>
+  </dgm:styleLbl>
+  <dgm:styleLbl name="dkBgShp">
+    <dgm:scene3d>
+      <a:camera prst="orthographicFront"/>
+      <a:lightRig rig="threePt" dir="t"/>
+    </dgm:scene3d>
+    <dgm:sp3d/>
+    <dgm:txPr/>
+    <dgm:style>
+      <a:lnRef idx="0">
+        <a:scrgbClr r="0" g="0" b="0"/>
+      </a:lnRef>
+      <a:fillRef idx="1">
+        <a:scrgbClr r="0" g="0" b="0"/>
+      </a:fillRef>
+      <a:effectRef idx="0">
+        <a:scrgbClr r="0" g="0" b="0"/>
+      </a:effectRef>
+      <a:fontRef idx="minor"/>
+    </dgm:style>
+  </dgm:styleLbl>
+  <dgm:styleLbl name="trBgShp">
+    <dgm:scene3d>
+      <a:camera prst="orthographicFront"/>
+      <a:lightRig rig="threePt" dir="t"/>
+    </dgm:scene3d>
+    <dgm:sp3d/>
+    <dgm:txPr/>
+    <dgm:style>
+      <a:lnRef idx="0">
+        <a:scrgbClr r="0" g="0" b="0"/>
+      </a:lnRef>
+      <a:fillRef idx="1">
+        <a:scrgbClr r="0" g="0" b="0"/>
+      </a:fillRef>
+      <a:effectRef idx="0">
+        <a:scrgbClr r="0" g="0" b="0"/>
+      </a:effectRef>
+      <a:fontRef idx="minor"/>
+    </dgm:style>
+  </dgm:styleLbl>
+  <dgm:styleLbl name="fgShp">
+    <dgm:scene3d>
+      <a:camera prst="orthographicFront"/>
+      <a:lightRig rig="threePt" dir="t"/>
+    </dgm:scene3d>
+    <dgm:sp3d/>
+    <dgm:txPr/>
+    <dgm:style>
+      <a:lnRef idx="2">
+        <a:scrgbClr r="0" g="0" b="0"/>
+      </a:lnRef>
+      <a:fillRef idx="1">
+        <a:scrgbClr r="0" g="0" b="0"/>
+      </a:fillRef>
+      <a:effectRef idx="0">
+        <a:scrgbClr r="0" g="0" b="0"/>
+      </a:effectRef>
+      <a:fontRef idx="minor"/>
+    </dgm:style>
+  </dgm:styleLbl>
+  <dgm:styleLbl name="revTx">
+    <dgm:scene3d>
+      <a:camera prst="orthographicFront"/>
+      <a:lightRig rig="threePt" dir="t"/>
+    </dgm:scene3d>
+    <dgm:sp3d/>
+    <dgm:txPr/>
+    <dgm:style>
+      <a:lnRef idx="0">
+        <a:scrgbClr r="0" g="0" b="0"/>
+      </a:lnRef>
+      <a:fillRef idx="0">
+        <a:scrgbClr r="0" g="0" b="0"/>
+      </a:fillRef>
+      <a:effectRef idx="0">
+        <a:scrgbClr r="0" g="0" b="0"/>
+      </a:effectRef>
+      <a:fontRef idx="minor"/>
+    </dgm:style>
+  </dgm:styleLbl>
+</dgm:styleDef>
+</file>
+
+<file path=ppt/diagrams/quickStyle4.xml><?xml version="1.0" encoding="utf-8"?>
 <dgm:styleDef xmlns:dgm="http://schemas.openxmlformats.org/drawingml/2006/diagram" xmlns:a="http://schemas.openxmlformats.org/drawingml/2006/main" uniqueId="urn:microsoft.com/office/officeart/2005/8/quickstyle/simple1">
   <dgm:title val=""/>
   <dgm:desc val=""/>
@@ -9845,7 +12671,7 @@
           <a:p>
             <a:fld id="{94999E89-0C62-4C48-8BF4-BB5CA89E1927}" type="datetimeFigureOut">
               <a:rPr lang="cs-CZ" smtClean="0"/>
-              <a:t>17.01.2023</a:t>
+              <a:t>18.01.2023</a:t>
             </a:fld>
             <a:endParaRPr lang="cs-CZ"/>
           </a:p>
@@ -10043,7 +12869,7 @@
           <a:p>
             <a:fld id="{94999E89-0C62-4C48-8BF4-BB5CA89E1927}" type="datetimeFigureOut">
               <a:rPr lang="cs-CZ" smtClean="0"/>
-              <a:t>17.01.2023</a:t>
+              <a:t>18.01.2023</a:t>
             </a:fld>
             <a:endParaRPr lang="cs-CZ"/>
           </a:p>
@@ -10251,7 +13077,7 @@
           <a:p>
             <a:fld id="{94999E89-0C62-4C48-8BF4-BB5CA89E1927}" type="datetimeFigureOut">
               <a:rPr lang="cs-CZ" smtClean="0"/>
-              <a:t>17.01.2023</a:t>
+              <a:t>18.01.2023</a:t>
             </a:fld>
             <a:endParaRPr lang="cs-CZ"/>
           </a:p>
@@ -10449,7 +13275,7 @@
           <a:p>
             <a:fld id="{94999E89-0C62-4C48-8BF4-BB5CA89E1927}" type="datetimeFigureOut">
               <a:rPr lang="cs-CZ" smtClean="0"/>
-              <a:t>17.01.2023</a:t>
+              <a:t>18.01.2023</a:t>
             </a:fld>
             <a:endParaRPr lang="cs-CZ"/>
           </a:p>
@@ -10724,7 +13550,7 @@
           <a:p>
             <a:fld id="{94999E89-0C62-4C48-8BF4-BB5CA89E1927}" type="datetimeFigureOut">
               <a:rPr lang="cs-CZ" smtClean="0"/>
-              <a:t>17.01.2023</a:t>
+              <a:t>18.01.2023</a:t>
             </a:fld>
             <a:endParaRPr lang="cs-CZ"/>
           </a:p>
@@ -10989,7 +13815,7 @@
           <a:p>
             <a:fld id="{94999E89-0C62-4C48-8BF4-BB5CA89E1927}" type="datetimeFigureOut">
               <a:rPr lang="cs-CZ" smtClean="0"/>
-              <a:t>17.01.2023</a:t>
+              <a:t>18.01.2023</a:t>
             </a:fld>
             <a:endParaRPr lang="cs-CZ"/>
           </a:p>
@@ -11401,7 +14227,7 @@
           <a:p>
             <a:fld id="{94999E89-0C62-4C48-8BF4-BB5CA89E1927}" type="datetimeFigureOut">
               <a:rPr lang="cs-CZ" smtClean="0"/>
-              <a:t>17.01.2023</a:t>
+              <a:t>18.01.2023</a:t>
             </a:fld>
             <a:endParaRPr lang="cs-CZ"/>
           </a:p>
@@ -11542,7 +14368,7 @@
           <a:p>
             <a:fld id="{94999E89-0C62-4C48-8BF4-BB5CA89E1927}" type="datetimeFigureOut">
               <a:rPr lang="cs-CZ" smtClean="0"/>
-              <a:t>17.01.2023</a:t>
+              <a:t>18.01.2023</a:t>
             </a:fld>
             <a:endParaRPr lang="cs-CZ"/>
           </a:p>
@@ -11655,7 +14481,7 @@
           <a:p>
             <a:fld id="{94999E89-0C62-4C48-8BF4-BB5CA89E1927}" type="datetimeFigureOut">
               <a:rPr lang="cs-CZ" smtClean="0"/>
-              <a:t>17.01.2023</a:t>
+              <a:t>18.01.2023</a:t>
             </a:fld>
             <a:endParaRPr lang="cs-CZ"/>
           </a:p>
@@ -11966,7 +14792,7 @@
           <a:p>
             <a:fld id="{94999E89-0C62-4C48-8BF4-BB5CA89E1927}" type="datetimeFigureOut">
               <a:rPr lang="cs-CZ" smtClean="0"/>
-              <a:t>17.01.2023</a:t>
+              <a:t>18.01.2023</a:t>
             </a:fld>
             <a:endParaRPr lang="cs-CZ"/>
           </a:p>
@@ -12254,7 +15080,7 @@
           <a:p>
             <a:fld id="{94999E89-0C62-4C48-8BF4-BB5CA89E1927}" type="datetimeFigureOut">
               <a:rPr lang="cs-CZ" smtClean="0"/>
-              <a:t>17.01.2023</a:t>
+              <a:t>18.01.2023</a:t>
             </a:fld>
             <a:endParaRPr lang="cs-CZ"/>
           </a:p>
@@ -12495,7 +15321,7 @@
           <a:p>
             <a:fld id="{94999E89-0C62-4C48-8BF4-BB5CA89E1927}" type="datetimeFigureOut">
               <a:rPr lang="cs-CZ" smtClean="0"/>
-              <a:t>17.01.2023</a:t>
+              <a:t>18.01.2023</a:t>
             </a:fld>
             <a:endParaRPr lang="cs-CZ"/>
           </a:p>
@@ -13521,7 +16347,17 @@
               <a:rPr lang="cs-CZ" dirty="0"/>
               <a:t>Martin Kubjak</a:t>
             </a:r>
-            <a:endParaRPr lang="cs-CZ"/>
+          </a:p>
+          <a:p>
+            <a:pPr algn="l"/>
+            <a:r>
+              <a:rPr lang="cs-CZ" dirty="0"/>
+              <a:t>Vedoucí: Bc. </a:t>
+            </a:r>
+            <a:r>
+              <a:rPr lang="cs-CZ"/>
+              <a:t>Jakub Pokorný</a:t>
+            </a:r>
           </a:p>
         </p:txBody>
       </p:sp>
@@ -13539,6 +16375,485 @@
 </file>
 
 <file path=ppt/slides/slide2.xml><?xml version="1.0" encoding="utf-8"?>
+<p:sld xmlns:a="http://schemas.openxmlformats.org/drawingml/2006/main" xmlns:r="http://schemas.openxmlformats.org/officeDocument/2006/relationships" xmlns:p="http://schemas.openxmlformats.org/presentationml/2006/main">
+  <p:cSld>
+    <p:bg>
+      <p:bgPr>
+        <a:solidFill>
+          <a:schemeClr val="bg1"/>
+        </a:solidFill>
+        <a:effectLst/>
+      </p:bgPr>
+    </p:bg>
+    <p:spTree>
+      <p:nvGrpSpPr>
+        <p:cNvPr id="1" name=""/>
+        <p:cNvGrpSpPr/>
+        <p:nvPr/>
+      </p:nvGrpSpPr>
+      <p:grpSpPr>
+        <a:xfrm>
+          <a:off x="0" y="0"/>
+          <a:ext cx="0" cy="0"/>
+          <a:chOff x="0" y="0"/>
+          <a:chExt cx="0" cy="0"/>
+        </a:xfrm>
+      </p:grpSpPr>
+      <p:sp useBgFill="1">
+        <p:nvSpPr>
+          <p:cNvPr id="8" name="Rectangle 7">
+            <a:extLst>
+              <a:ext uri="{FF2B5EF4-FFF2-40B4-BE49-F238E27FC236}">
+                <a16:creationId xmlns:a16="http://schemas.microsoft.com/office/drawing/2014/main" id="{1B15ED52-F352-441B-82BF-E0EA34836D08}"/>
+              </a:ext>
+              <a:ext uri="{C183D7F6-B498-43B3-948B-1728B52AA6E4}">
+                <adec:decorative xmlns:adec="http://schemas.microsoft.com/office/drawing/2017/decorative" val="1"/>
+              </a:ext>
+            </a:extLst>
+          </p:cNvPr>
+          <p:cNvSpPr>
+            <a:spLocks noGrp="1" noRot="1" noChangeAspect="1" noMove="1" noResize="1" noEditPoints="1" noAdjustHandles="1" noChangeArrowheads="1" noChangeShapeType="1" noTextEdit="1"/>
+          </p:cNvSpPr>
+          <p:nvPr>
+            <p:extLst>
+              <p:ext uri="{386F3935-93C4-4BCD-93E2-E3B085C9AB24}">
+                <p16:designElem xmlns:p16="http://schemas.microsoft.com/office/powerpoint/2015/main" val="1"/>
+              </p:ext>
+            </p:extLst>
+          </p:nvPr>
+        </p:nvSpPr>
+        <p:spPr>
+          <a:xfrm>
+            <a:off x="0" y="0"/>
+            <a:ext cx="12192000" cy="6858000"/>
+          </a:xfrm>
+          <a:prstGeom prst="rect">
+            <a:avLst/>
+          </a:prstGeom>
+          <a:ln w="12700" cap="flat" cmpd="sng" algn="ctr">
+            <a:noFill/>
+            <a:prstDash val="solid"/>
+            <a:miter lim="800000"/>
+          </a:ln>
+          <a:effectLst/>
+          <a:extLst>
+            <a:ext uri="{91240B29-F687-4F45-9708-019B960494DF}">
+              <a14:hiddenLine xmlns:a14="http://schemas.microsoft.com/office/drawing/2010/main" w="12700" cap="flat" cmpd="sng" algn="ctr">
+                <a:solidFill>
+                  <a:schemeClr val="accent1">
+                    <a:shade val="50000"/>
+                  </a:schemeClr>
+                </a:solidFill>
+                <a:prstDash val="solid"/>
+                <a:miter lim="800000"/>
+              </a14:hiddenLine>
+            </a:ext>
+          </a:extLst>
+        </p:spPr>
+        <p:style>
+          <a:lnRef idx="2">
+            <a:schemeClr val="accent1">
+              <a:shade val="50000"/>
+            </a:schemeClr>
+          </a:lnRef>
+          <a:fillRef idx="1">
+            <a:schemeClr val="accent1"/>
+          </a:fillRef>
+          <a:effectRef idx="0">
+            <a:schemeClr val="accent1"/>
+          </a:effectRef>
+          <a:fontRef idx="minor">
+            <a:schemeClr val="lt1"/>
+          </a:fontRef>
+        </p:style>
+        <p:txBody>
+          <a:bodyPr rtlCol="0" anchor="ctr"/>
+          <a:lstStyle/>
+          <a:p>
+            <a:pPr algn="ctr"/>
+            <a:endParaRPr lang="en-US"/>
+          </a:p>
+        </p:txBody>
+      </p:sp>
+      <p:sp>
+        <p:nvSpPr>
+          <p:cNvPr id="10" name="Rectangle 9">
+            <a:extLst>
+              <a:ext uri="{FF2B5EF4-FFF2-40B4-BE49-F238E27FC236}">
+                <a16:creationId xmlns:a16="http://schemas.microsoft.com/office/drawing/2014/main" id="{3B2E3793-BFE6-45A2-9B7B-E18844431C99}"/>
+              </a:ext>
+              <a:ext uri="{C183D7F6-B498-43B3-948B-1728B52AA6E4}">
+                <adec:decorative xmlns:adec="http://schemas.microsoft.com/office/drawing/2017/decorative" val="1"/>
+              </a:ext>
+            </a:extLst>
+          </p:cNvPr>
+          <p:cNvSpPr>
+            <a:spLocks noGrp="1" noRot="1" noChangeAspect="1" noMove="1" noResize="1" noEditPoints="1" noAdjustHandles="1" noChangeArrowheads="1" noChangeShapeType="1" noTextEdit="1"/>
+          </p:cNvSpPr>
+          <p:nvPr>
+            <p:extLst>
+              <p:ext uri="{386F3935-93C4-4BCD-93E2-E3B085C9AB24}">
+                <p16:designElem xmlns:p16="http://schemas.microsoft.com/office/powerpoint/2015/main" val="1"/>
+              </p:ext>
+            </p:extLst>
+          </p:nvPr>
+        </p:nvSpPr>
+        <p:spPr>
+          <a:xfrm flipH="1">
+            <a:off x="-1" y="-1"/>
+            <a:ext cx="12191998" cy="1590742"/>
+          </a:xfrm>
+          <a:prstGeom prst="rect">
+            <a:avLst/>
+          </a:prstGeom>
+          <a:gradFill>
+            <a:gsLst>
+              <a:gs pos="0">
+                <a:srgbClr val="000000"/>
+              </a:gs>
+              <a:gs pos="100000">
+                <a:schemeClr val="accent1">
+                  <a:lumMod val="75000"/>
+                </a:schemeClr>
+              </a:gs>
+            </a:gsLst>
+            <a:lin ang="8400000" scaled="0"/>
+          </a:gradFill>
+          <a:ln>
+            <a:noFill/>
+          </a:ln>
+        </p:spPr>
+        <p:style>
+          <a:lnRef idx="2">
+            <a:schemeClr val="accent1">
+              <a:shade val="50000"/>
+            </a:schemeClr>
+          </a:lnRef>
+          <a:fillRef idx="1">
+            <a:schemeClr val="accent1"/>
+          </a:fillRef>
+          <a:effectRef idx="0">
+            <a:schemeClr val="accent1"/>
+          </a:effectRef>
+          <a:fontRef idx="minor">
+            <a:schemeClr val="lt1"/>
+          </a:fontRef>
+        </p:style>
+        <p:txBody>
+          <a:bodyPr rtlCol="0" anchor="ctr"/>
+          <a:lstStyle/>
+          <a:p>
+            <a:pPr algn="ctr"/>
+            <a:endParaRPr lang="en-US"/>
+          </a:p>
+        </p:txBody>
+      </p:sp>
+      <p:sp>
+        <p:nvSpPr>
+          <p:cNvPr id="12" name="Rectangle 11">
+            <a:extLst>
+              <a:ext uri="{FF2B5EF4-FFF2-40B4-BE49-F238E27FC236}">
+                <a16:creationId xmlns:a16="http://schemas.microsoft.com/office/drawing/2014/main" id="{BC4C4868-CB8F-4AF9-9CDB-8108F2C19B67}"/>
+              </a:ext>
+              <a:ext uri="{C183D7F6-B498-43B3-948B-1728B52AA6E4}">
+                <adec:decorative xmlns:adec="http://schemas.microsoft.com/office/drawing/2017/decorative" val="1"/>
+              </a:ext>
+            </a:extLst>
+          </p:cNvPr>
+          <p:cNvSpPr>
+            <a:spLocks noGrp="1" noRot="1" noChangeAspect="1" noMove="1" noResize="1" noEditPoints="1" noAdjustHandles="1" noChangeArrowheads="1" noChangeShapeType="1" noTextEdit="1"/>
+          </p:cNvSpPr>
+          <p:nvPr>
+            <p:extLst>
+              <p:ext uri="{386F3935-93C4-4BCD-93E2-E3B085C9AB24}">
+                <p16:designElem xmlns:p16="http://schemas.microsoft.com/office/powerpoint/2015/main" val="1"/>
+              </p:ext>
+            </p:extLst>
+          </p:nvPr>
+        </p:nvSpPr>
+        <p:spPr>
+          <a:xfrm rot="10800000" flipH="1">
+            <a:off x="-3" y="0"/>
+            <a:ext cx="8115306" cy="1590742"/>
+          </a:xfrm>
+          <a:prstGeom prst="rect">
+            <a:avLst/>
+          </a:prstGeom>
+          <a:gradFill>
+            <a:gsLst>
+              <a:gs pos="20000">
+                <a:schemeClr val="accent1">
+                  <a:alpha val="0"/>
+                </a:schemeClr>
+              </a:gs>
+              <a:gs pos="100000">
+                <a:schemeClr val="accent1">
+                  <a:lumMod val="50000"/>
+                  <a:alpha val="55000"/>
+                </a:schemeClr>
+              </a:gs>
+            </a:gsLst>
+            <a:lin ang="13800000" scaled="0"/>
+          </a:gradFill>
+          <a:ln>
+            <a:noFill/>
+          </a:ln>
+        </p:spPr>
+        <p:style>
+          <a:lnRef idx="2">
+            <a:schemeClr val="accent1">
+              <a:shade val="50000"/>
+            </a:schemeClr>
+          </a:lnRef>
+          <a:fillRef idx="1">
+            <a:schemeClr val="accent1"/>
+          </a:fillRef>
+          <a:effectRef idx="0">
+            <a:schemeClr val="accent1"/>
+          </a:effectRef>
+          <a:fontRef idx="minor">
+            <a:schemeClr val="lt1"/>
+          </a:fontRef>
+        </p:style>
+        <p:txBody>
+          <a:bodyPr rtlCol="0" anchor="ctr"/>
+          <a:lstStyle/>
+          <a:p>
+            <a:pPr algn="ctr"/>
+            <a:endParaRPr lang="en-US"/>
+          </a:p>
+        </p:txBody>
+      </p:sp>
+      <p:sp>
+        <p:nvSpPr>
+          <p:cNvPr id="14" name="Rectangle 13">
+            <a:extLst>
+              <a:ext uri="{FF2B5EF4-FFF2-40B4-BE49-F238E27FC236}">
+                <a16:creationId xmlns:a16="http://schemas.microsoft.com/office/drawing/2014/main" id="{375E0459-6403-40CD-989D-56A4407CA12E}"/>
+              </a:ext>
+              <a:ext uri="{C183D7F6-B498-43B3-948B-1728B52AA6E4}">
+                <adec:decorative xmlns:adec="http://schemas.microsoft.com/office/drawing/2017/decorative" val="1"/>
+              </a:ext>
+            </a:extLst>
+          </p:cNvPr>
+          <p:cNvSpPr>
+            <a:spLocks noGrp="1" noRot="1" noChangeAspect="1" noMove="1" noResize="1" noEditPoints="1" noAdjustHandles="1" noChangeArrowheads="1" noChangeShapeType="1" noTextEdit="1"/>
+          </p:cNvSpPr>
+          <p:nvPr>
+            <p:extLst>
+              <p:ext uri="{386F3935-93C4-4BCD-93E2-E3B085C9AB24}">
+                <p16:designElem xmlns:p16="http://schemas.microsoft.com/office/powerpoint/2015/main" val="1"/>
+              </p:ext>
+            </p:extLst>
+          </p:nvPr>
+        </p:nvSpPr>
+        <p:spPr>
+          <a:xfrm flipH="1">
+            <a:off x="8115299" y="-1"/>
+            <a:ext cx="4076698" cy="1590742"/>
+          </a:xfrm>
+          <a:prstGeom prst="rect">
+            <a:avLst/>
+          </a:prstGeom>
+          <a:gradFill>
+            <a:gsLst>
+              <a:gs pos="0">
+                <a:schemeClr val="accent1">
+                  <a:alpha val="66000"/>
+                </a:schemeClr>
+              </a:gs>
+              <a:gs pos="100000">
+                <a:srgbClr val="000000">
+                  <a:alpha val="30000"/>
+                </a:srgbClr>
+              </a:gs>
+            </a:gsLst>
+            <a:lin ang="13200000" scaled="0"/>
+          </a:gradFill>
+          <a:ln>
+            <a:noFill/>
+          </a:ln>
+        </p:spPr>
+        <p:style>
+          <a:lnRef idx="2">
+            <a:schemeClr val="accent1">
+              <a:shade val="50000"/>
+            </a:schemeClr>
+          </a:lnRef>
+          <a:fillRef idx="1">
+            <a:schemeClr val="accent1"/>
+          </a:fillRef>
+          <a:effectRef idx="0">
+            <a:schemeClr val="accent1"/>
+          </a:effectRef>
+          <a:fontRef idx="minor">
+            <a:schemeClr val="lt1"/>
+          </a:fontRef>
+        </p:style>
+        <p:txBody>
+          <a:bodyPr rtlCol="0" anchor="ctr"/>
+          <a:lstStyle/>
+          <a:p>
+            <a:pPr algn="ctr"/>
+            <a:endParaRPr lang="en-US"/>
+          </a:p>
+        </p:txBody>
+      </p:sp>
+      <p:sp>
+        <p:nvSpPr>
+          <p:cNvPr id="16" name="Rectangle 15">
+            <a:extLst>
+              <a:ext uri="{FF2B5EF4-FFF2-40B4-BE49-F238E27FC236}">
+                <a16:creationId xmlns:a16="http://schemas.microsoft.com/office/drawing/2014/main" id="{53E5B1A8-3AC9-4BD1-9BBC-78CA94F2D1BA}"/>
+              </a:ext>
+              <a:ext uri="{C183D7F6-B498-43B3-948B-1728B52AA6E4}">
+                <adec:decorative xmlns:adec="http://schemas.microsoft.com/office/drawing/2017/decorative" val="1"/>
+              </a:ext>
+            </a:extLst>
+          </p:cNvPr>
+          <p:cNvSpPr>
+            <a:spLocks noGrp="1" noRot="1" noChangeAspect="1" noMove="1" noResize="1" noEditPoints="1" noAdjustHandles="1" noChangeArrowheads="1" noChangeShapeType="1" noTextEdit="1"/>
+          </p:cNvSpPr>
+          <p:nvPr>
+            <p:extLst>
+              <p:ext uri="{386F3935-93C4-4BCD-93E2-E3B085C9AB24}">
+                <p16:designElem xmlns:p16="http://schemas.microsoft.com/office/powerpoint/2015/main" val="1"/>
+              </p:ext>
+            </p:extLst>
+          </p:nvPr>
+        </p:nvSpPr>
+        <p:spPr>
+          <a:xfrm>
+            <a:off x="459350" y="-1"/>
+            <a:ext cx="11732646" cy="1597433"/>
+          </a:xfrm>
+          <a:prstGeom prst="rect">
+            <a:avLst/>
+          </a:prstGeom>
+          <a:gradFill>
+            <a:gsLst>
+              <a:gs pos="50000">
+                <a:srgbClr val="000000">
+                  <a:alpha val="0"/>
+                </a:srgbClr>
+              </a:gs>
+              <a:gs pos="99000">
+                <a:schemeClr val="accent1">
+                  <a:lumMod val="50000"/>
+                  <a:alpha val="52000"/>
+                </a:schemeClr>
+              </a:gs>
+            </a:gsLst>
+            <a:lin ang="16800000" scaled="0"/>
+          </a:gradFill>
+          <a:ln>
+            <a:noFill/>
+          </a:ln>
+        </p:spPr>
+        <p:style>
+          <a:lnRef idx="2">
+            <a:schemeClr val="accent1">
+              <a:shade val="50000"/>
+            </a:schemeClr>
+          </a:lnRef>
+          <a:fillRef idx="1">
+            <a:schemeClr val="accent1"/>
+          </a:fillRef>
+          <a:effectRef idx="0">
+            <a:schemeClr val="accent1"/>
+          </a:effectRef>
+          <a:fontRef idx="minor">
+            <a:schemeClr val="lt1"/>
+          </a:fontRef>
+        </p:style>
+        <p:txBody>
+          <a:bodyPr rtlCol="0" anchor="ctr"/>
+          <a:lstStyle/>
+          <a:p>
+            <a:pPr algn="ctr"/>
+            <a:endParaRPr lang="en-US"/>
+          </a:p>
+        </p:txBody>
+      </p:sp>
+      <p:sp>
+        <p:nvSpPr>
+          <p:cNvPr id="2" name="Nadpis 1">
+            <a:extLst>
+              <a:ext uri="{FF2B5EF4-FFF2-40B4-BE49-F238E27FC236}">
+                <a16:creationId xmlns:a16="http://schemas.microsoft.com/office/drawing/2014/main" id="{6633A046-44AA-78BE-1098-6974E8C584CE}"/>
+              </a:ext>
+            </a:extLst>
+          </p:cNvPr>
+          <p:cNvSpPr>
+            <a:spLocks noGrp="1"/>
+          </p:cNvSpPr>
+          <p:nvPr>
+            <p:ph type="title"/>
+          </p:nvPr>
+        </p:nvSpPr>
+        <p:spPr>
+          <a:xfrm>
+            <a:off x="1371599" y="294538"/>
+            <a:ext cx="9895951" cy="1033669"/>
+          </a:xfrm>
+        </p:spPr>
+        <p:txBody>
+          <a:bodyPr>
+            <a:normAutofit/>
+          </a:bodyPr>
+          <a:lstStyle/>
+          <a:p>
+            <a:r>
+              <a:rPr lang="cs-CZ" sz="4000" dirty="0">
+                <a:solidFill>
+                  <a:srgbClr val="FFFFFF"/>
+                </a:solidFill>
+              </a:rPr>
+              <a:t>Obsah</a:t>
+            </a:r>
+          </a:p>
+        </p:txBody>
+      </p:sp>
+      <p:graphicFrame>
+        <p:nvGraphicFramePr>
+          <p:cNvPr id="20" name="Zástupný obsah 2">
+            <a:extLst>
+              <a:ext uri="{FF2B5EF4-FFF2-40B4-BE49-F238E27FC236}">
+                <a16:creationId xmlns:a16="http://schemas.microsoft.com/office/drawing/2014/main" id="{2C596021-FAD8-E08D-6AFA-EFEB7EF3CAC3}"/>
+              </a:ext>
+            </a:extLst>
+          </p:cNvPr>
+          <p:cNvGraphicFramePr>
+            <a:graphicFrameLocks noGrp="1"/>
+          </p:cNvGraphicFramePr>
+          <p:nvPr>
+            <p:ph idx="1"/>
+          </p:nvPr>
+        </p:nvGraphicFramePr>
+        <p:xfrm>
+          <a:off x="1371599" y="2318197"/>
+          <a:ext cx="9724031" cy="3683358"/>
+        </p:xfrm>
+        <a:graphic>
+          <a:graphicData uri="http://schemas.openxmlformats.org/drawingml/2006/diagram">
+            <dgm:relIds xmlns:dgm="http://schemas.openxmlformats.org/drawingml/2006/diagram" xmlns:r="http://schemas.openxmlformats.org/officeDocument/2006/relationships" r:dm="rId2" r:lo="rId3" r:qs="rId4" r:cs="rId5"/>
+          </a:graphicData>
+        </a:graphic>
+      </p:graphicFrame>
+    </p:spTree>
+    <p:extLst>
+      <p:ext uri="{BB962C8B-B14F-4D97-AF65-F5344CB8AC3E}">
+        <p14:creationId xmlns:p14="http://schemas.microsoft.com/office/powerpoint/2010/main" val="3691913396"/>
+      </p:ext>
+    </p:extLst>
+  </p:cSld>
+  <p:clrMapOvr>
+    <a:masterClrMapping/>
+  </p:clrMapOvr>
+</p:sld>
+</file>
+
+<file path=ppt/slides/slide3.xml><?xml version="1.0" encoding="utf-8"?>
 <p:sld xmlns:a="http://schemas.openxmlformats.org/drawingml/2006/main" xmlns:r="http://schemas.openxmlformats.org/officeDocument/2006/relationships" xmlns:p="http://schemas.openxmlformats.org/presentationml/2006/main">
   <p:cSld>
     <p:bg>
@@ -14017,7 +17332,7 @@
 </p:sld>
 </file>
 
-<file path=ppt/slides/slide3.xml><?xml version="1.0" encoding="utf-8"?>
+<file path=ppt/slides/slide4.xml><?xml version="1.0" encoding="utf-8"?>
 <p:sld xmlns:a="http://schemas.openxmlformats.org/drawingml/2006/main" xmlns:r="http://schemas.openxmlformats.org/officeDocument/2006/relationships" xmlns:p="http://schemas.openxmlformats.org/presentationml/2006/main">
   <p:cSld>
     <p:bg>
@@ -14496,7 +17811,7 @@
 </p:sld>
 </file>
 
-<file path=ppt/slides/slide4.xml><?xml version="1.0" encoding="utf-8"?>
+<file path=ppt/slides/slide5.xml><?xml version="1.0" encoding="utf-8"?>
 <p:sld xmlns:a="http://schemas.openxmlformats.org/drawingml/2006/main" xmlns:r="http://schemas.openxmlformats.org/officeDocument/2006/relationships" xmlns:p="http://schemas.openxmlformats.org/presentationml/2006/main">
   <p:cSld>
     <p:spTree>

--- a/ostatni/Nový Prezentace Microsoft PowerPointu.pptx
+++ b/ostatni/Nový Prezentace Microsoft PowerPointu.pptx
@@ -4067,7 +4067,7 @@
 <dgm:dataModel xmlns:dgm="http://schemas.openxmlformats.org/drawingml/2006/diagram" xmlns:a="http://schemas.openxmlformats.org/drawingml/2006/main">
   <dgm:ptLst>
     <dgm:pt modelId="{C4BA2E02-A2D3-48E8-AE33-F8EB78A51799}" type="doc">
-      <dgm:prSet loTypeId="urn:microsoft.com/office/officeart/2005/8/layout/hierarchy1" loCatId="hierarchy" qsTypeId="urn:microsoft.com/office/officeart/2005/8/quickstyle/simple1" qsCatId="simple" csTypeId="urn:microsoft.com/office/officeart/2005/8/colors/accent1_2" csCatId="accent1"/>
+      <dgm:prSet loTypeId="urn:microsoft.com/office/officeart/2005/8/layout/hierarchy1" loCatId="hierarchy" qsTypeId="urn:microsoft.com/office/officeart/2005/8/quickstyle/simple1" qsCatId="simple" csTypeId="urn:microsoft.com/office/officeart/2005/8/colors/accent1_2" csCatId="accent1" phldr="1"/>
       <dgm:spPr/>
       <dgm:t>
         <a:bodyPr/>
@@ -4085,10 +4085,10 @@
         <a:lstStyle/>
         <a:p>
           <a:r>
-            <a:rPr lang="cs-CZ"/>
+            <a:rPr lang="cs-CZ" dirty="0"/>
             <a:t>Vytisknutelné statistiky</a:t>
           </a:r>
-          <a:endParaRPr lang="en-US"/>
+          <a:endParaRPr lang="en-US" dirty="0"/>
         </a:p>
       </dgm:t>
     </dgm:pt>
@@ -4122,10 +4122,18 @@
         <a:lstStyle/>
         <a:p>
           <a:r>
+            <a:rPr lang="en-US" dirty="0" err="1"/>
+            <a:t>Grafick</a:t>
+          </a:r>
+          <a:r>
+            <a:rPr lang="cs-CZ" dirty="0"/>
+            <a:t>é </a:t>
+          </a:r>
+          <a:r>
             <a:rPr lang="cs-CZ"/>
-            <a:t>Grafické zobrazení výsledků</a:t>
+            <a:t>zobrazení statistik</a:t>
           </a:r>
-          <a:endParaRPr lang="en-US"/>
+          <a:endParaRPr lang="en-US" dirty="0"/>
         </a:p>
       </dgm:t>
     </dgm:pt>
@@ -4151,43 +4159,6 @@
         </a:p>
       </dgm:t>
     </dgm:pt>
-    <dgm:pt modelId="{F03006AB-BCD8-4D0C-AB0F-AC77081780D5}">
-      <dgm:prSet/>
-      <dgm:spPr/>
-      <dgm:t>
-        <a:bodyPr/>
-        <a:lstStyle/>
-        <a:p>
-          <a:r>
-            <a:rPr lang="cs-CZ"/>
-            <a:t>Invite kódy pro žáky</a:t>
-          </a:r>
-          <a:endParaRPr lang="en-US"/>
-        </a:p>
-      </dgm:t>
-    </dgm:pt>
-    <dgm:pt modelId="{329BBB38-F50F-4CF2-8AA2-F34B91910E64}" type="parTrans" cxnId="{68B5DBED-2534-4239-A6B9-5A05EA774742}">
-      <dgm:prSet/>
-      <dgm:spPr/>
-      <dgm:t>
-        <a:bodyPr/>
-        <a:lstStyle/>
-        <a:p>
-          <a:endParaRPr lang="en-US"/>
-        </a:p>
-      </dgm:t>
-    </dgm:pt>
-    <dgm:pt modelId="{8390B94B-C916-4E16-BB0C-20E9C1725EDD}" type="sibTrans" cxnId="{68B5DBED-2534-4239-A6B9-5A05EA774742}">
-      <dgm:prSet/>
-      <dgm:spPr/>
-      <dgm:t>
-        <a:bodyPr/>
-        <a:lstStyle/>
-        <a:p>
-          <a:endParaRPr lang="en-US"/>
-        </a:p>
-      </dgm:t>
-    </dgm:pt>
     <dgm:pt modelId="{867817F2-FAA1-4751-98D3-644F88E387FB}">
       <dgm:prSet/>
       <dgm:spPr/>
@@ -4196,10 +4167,10 @@
         <a:lstStyle/>
         <a:p>
           <a:r>
-            <a:rPr lang="cs-CZ"/>
+            <a:rPr lang="cs-CZ" dirty="0"/>
             <a:t>Odesílání výsledku testu na email</a:t>
           </a:r>
-          <a:endParaRPr lang="en-US"/>
+          <a:endParaRPr lang="en-US" dirty="0"/>
         </a:p>
       </dgm:t>
     </dgm:pt>
@@ -4246,11 +4217,11 @@
       <dgm:spPr/>
     </dgm:pt>
     <dgm:pt modelId="{59D613A0-869F-44FA-9681-CED1895C2844}" type="pres">
-      <dgm:prSet presAssocID="{B604565F-50B3-4F10-B48F-711D4DF16999}" presName="background" presStyleLbl="node0" presStyleIdx="0" presStyleCnt="4"/>
+      <dgm:prSet presAssocID="{B604565F-50B3-4F10-B48F-711D4DF16999}" presName="background" presStyleLbl="node0" presStyleIdx="0" presStyleCnt="3"/>
       <dgm:spPr/>
     </dgm:pt>
     <dgm:pt modelId="{5AB2B1A3-D639-47A0-B6F9-9EE08556A8D9}" type="pres">
-      <dgm:prSet presAssocID="{B604565F-50B3-4F10-B48F-711D4DF16999}" presName="text" presStyleLbl="fgAcc0" presStyleIdx="0" presStyleCnt="4">
+      <dgm:prSet presAssocID="{B604565F-50B3-4F10-B48F-711D4DF16999}" presName="text" presStyleLbl="fgAcc0" presStyleIdx="0" presStyleCnt="3">
         <dgm:presLayoutVars>
           <dgm:chPref val="3"/>
         </dgm:presLayoutVars>
@@ -4270,11 +4241,11 @@
       <dgm:spPr/>
     </dgm:pt>
     <dgm:pt modelId="{A00104AD-C837-46A3-8972-A736E8558104}" type="pres">
-      <dgm:prSet presAssocID="{B4B0E346-B064-440B-A586-1559B8BF1F95}" presName="background" presStyleLbl="node0" presStyleIdx="1" presStyleCnt="4"/>
+      <dgm:prSet presAssocID="{B4B0E346-B064-440B-A586-1559B8BF1F95}" presName="background" presStyleLbl="node0" presStyleIdx="1" presStyleCnt="3"/>
       <dgm:spPr/>
     </dgm:pt>
     <dgm:pt modelId="{AA790134-3761-4217-B8A5-B98E7B1B60A5}" type="pres">
-      <dgm:prSet presAssocID="{B4B0E346-B064-440B-A586-1559B8BF1F95}" presName="text" presStyleLbl="fgAcc0" presStyleIdx="1" presStyleCnt="4">
+      <dgm:prSet presAssocID="{B4B0E346-B064-440B-A586-1559B8BF1F95}" presName="text" presStyleLbl="fgAcc0" presStyleIdx="1" presStyleCnt="3">
         <dgm:presLayoutVars>
           <dgm:chPref val="3"/>
         </dgm:presLayoutVars>
@@ -4283,30 +4254,6 @@
     </dgm:pt>
     <dgm:pt modelId="{17C29287-47FC-47BF-AC99-F03A546891FC}" type="pres">
       <dgm:prSet presAssocID="{B4B0E346-B064-440B-A586-1559B8BF1F95}" presName="hierChild2" presStyleCnt="0"/>
-      <dgm:spPr/>
-    </dgm:pt>
-    <dgm:pt modelId="{45533065-9FF4-4DB7-92A7-8EA5E5C035A6}" type="pres">
-      <dgm:prSet presAssocID="{F03006AB-BCD8-4D0C-AB0F-AC77081780D5}" presName="hierRoot1" presStyleCnt="0"/>
-      <dgm:spPr/>
-    </dgm:pt>
-    <dgm:pt modelId="{3A329A9E-57B7-4CDA-BF41-A3FBB07185C9}" type="pres">
-      <dgm:prSet presAssocID="{F03006AB-BCD8-4D0C-AB0F-AC77081780D5}" presName="composite" presStyleCnt="0"/>
-      <dgm:spPr/>
-    </dgm:pt>
-    <dgm:pt modelId="{85812327-8807-4A68-9589-5507CD70DD1B}" type="pres">
-      <dgm:prSet presAssocID="{F03006AB-BCD8-4D0C-AB0F-AC77081780D5}" presName="background" presStyleLbl="node0" presStyleIdx="2" presStyleCnt="4"/>
-      <dgm:spPr/>
-    </dgm:pt>
-    <dgm:pt modelId="{6FC54098-78F1-42E0-9123-756D54A3C4DA}" type="pres">
-      <dgm:prSet presAssocID="{F03006AB-BCD8-4D0C-AB0F-AC77081780D5}" presName="text" presStyleLbl="fgAcc0" presStyleIdx="2" presStyleCnt="4">
-        <dgm:presLayoutVars>
-          <dgm:chPref val="3"/>
-        </dgm:presLayoutVars>
-      </dgm:prSet>
-      <dgm:spPr/>
-    </dgm:pt>
-    <dgm:pt modelId="{11E1B1E2-BD84-4CBF-8DA7-535D37ADA8B7}" type="pres">
-      <dgm:prSet presAssocID="{F03006AB-BCD8-4D0C-AB0F-AC77081780D5}" presName="hierChild2" presStyleCnt="0"/>
       <dgm:spPr/>
     </dgm:pt>
     <dgm:pt modelId="{FEB1327F-42DD-41D6-BFEE-221480F138E5}" type="pres">
@@ -4318,11 +4265,11 @@
       <dgm:spPr/>
     </dgm:pt>
     <dgm:pt modelId="{F39B15B5-1CCB-49A5-A9E8-BC61AAD9267A}" type="pres">
-      <dgm:prSet presAssocID="{867817F2-FAA1-4751-98D3-644F88E387FB}" presName="background" presStyleLbl="node0" presStyleIdx="3" presStyleCnt="4"/>
+      <dgm:prSet presAssocID="{867817F2-FAA1-4751-98D3-644F88E387FB}" presName="background" presStyleLbl="node0" presStyleIdx="2" presStyleCnt="3"/>
       <dgm:spPr/>
     </dgm:pt>
     <dgm:pt modelId="{92ACF603-3FFF-4C44-9368-8402AEE0757D}" type="pres">
-      <dgm:prSet presAssocID="{867817F2-FAA1-4751-98D3-644F88E387FB}" presName="text" presStyleLbl="fgAcc0" presStyleIdx="3" presStyleCnt="4">
+      <dgm:prSet presAssocID="{867817F2-FAA1-4751-98D3-644F88E387FB}" presName="text" presStyleLbl="fgAcc0" presStyleIdx="2" presStyleCnt="3">
         <dgm:presLayoutVars>
           <dgm:chPref val="3"/>
         </dgm:presLayoutVars>
@@ -4341,9 +4288,7 @@
     <dgm:cxn modelId="{6F343029-3309-47C1-8A7B-BA910F573BF9}" type="presOf" srcId="{B604565F-50B3-4F10-B48F-711D4DF16999}" destId="{5AB2B1A3-D639-47A0-B6F9-9EE08556A8D9}" srcOrd="0" destOrd="0" presId="urn:microsoft.com/office/officeart/2005/8/layout/hierarchy1"/>
     <dgm:cxn modelId="{5BA55437-C662-4390-A923-9B17F1328FCB}" type="presOf" srcId="{B4B0E346-B064-440B-A586-1559B8BF1F95}" destId="{AA790134-3761-4217-B8A5-B98E7B1B60A5}" srcOrd="0" destOrd="0" presId="urn:microsoft.com/office/officeart/2005/8/layout/hierarchy1"/>
     <dgm:cxn modelId="{FE6D9D6F-BEE3-4105-8E78-F024F8276371}" srcId="{C4BA2E02-A2D3-48E8-AE33-F8EB78A51799}" destId="{B604565F-50B3-4F10-B48F-711D4DF16999}" srcOrd="0" destOrd="0" parTransId="{7D874ED1-3C87-4876-A130-BFDEDB634977}" sibTransId="{5990E436-3D29-4B9F-81BC-37AF9C1F1CDE}"/>
-    <dgm:cxn modelId="{1D10DF7D-7153-4895-B7DD-92C195DFF8F6}" type="presOf" srcId="{F03006AB-BCD8-4D0C-AB0F-AC77081780D5}" destId="{6FC54098-78F1-42E0-9123-756D54A3C4DA}" srcOrd="0" destOrd="0" presId="urn:microsoft.com/office/officeart/2005/8/layout/hierarchy1"/>
-    <dgm:cxn modelId="{F5D283BF-7C0A-46D9-BDA1-0C15BDA2C4AB}" srcId="{C4BA2E02-A2D3-48E8-AE33-F8EB78A51799}" destId="{867817F2-FAA1-4751-98D3-644F88E387FB}" srcOrd="3" destOrd="0" parTransId="{C5740284-CEDB-4591-93FE-15655F236BC1}" sibTransId="{C8D158BC-B37A-4903-A1EB-1EBD0054425D}"/>
-    <dgm:cxn modelId="{68B5DBED-2534-4239-A6B9-5A05EA774742}" srcId="{C4BA2E02-A2D3-48E8-AE33-F8EB78A51799}" destId="{F03006AB-BCD8-4D0C-AB0F-AC77081780D5}" srcOrd="2" destOrd="0" parTransId="{329BBB38-F50F-4CF2-8AA2-F34B91910E64}" sibTransId="{8390B94B-C916-4E16-BB0C-20E9C1725EDD}"/>
+    <dgm:cxn modelId="{F5D283BF-7C0A-46D9-BDA1-0C15BDA2C4AB}" srcId="{C4BA2E02-A2D3-48E8-AE33-F8EB78A51799}" destId="{867817F2-FAA1-4751-98D3-644F88E387FB}" srcOrd="2" destOrd="0" parTransId="{C5740284-CEDB-4591-93FE-15655F236BC1}" sibTransId="{C8D158BC-B37A-4903-A1EB-1EBD0054425D}"/>
     <dgm:cxn modelId="{D5707D9F-2082-4B44-9D7E-0135E0B364F8}" type="presParOf" srcId="{4593BF1E-B70D-4ACA-B8D9-755F9B162191}" destId="{FA3033EB-7A34-428E-9946-D3686A719664}" srcOrd="0" destOrd="0" presId="urn:microsoft.com/office/officeart/2005/8/layout/hierarchy1"/>
     <dgm:cxn modelId="{50695117-A695-40AD-980C-6D3913806A75}" type="presParOf" srcId="{FA3033EB-7A34-428E-9946-D3686A719664}" destId="{DC47D8D7-1684-483C-942E-8CBC8CDAF6ED}" srcOrd="0" destOrd="0" presId="urn:microsoft.com/office/officeart/2005/8/layout/hierarchy1"/>
     <dgm:cxn modelId="{07D3E587-70D0-4009-A7E7-A56C9FD41432}" type="presParOf" srcId="{DC47D8D7-1684-483C-942E-8CBC8CDAF6ED}" destId="{59D613A0-869F-44FA-9681-CED1895C2844}" srcOrd="0" destOrd="0" presId="urn:microsoft.com/office/officeart/2005/8/layout/hierarchy1"/>
@@ -4354,12 +4299,7 @@
     <dgm:cxn modelId="{19900D4A-841C-4B3E-8583-2AB2AFA1D978}" type="presParOf" srcId="{1A2F7837-8D5B-418A-B36F-BEF2EE80CF42}" destId="{A00104AD-C837-46A3-8972-A736E8558104}" srcOrd="0" destOrd="0" presId="urn:microsoft.com/office/officeart/2005/8/layout/hierarchy1"/>
     <dgm:cxn modelId="{AA02AE2A-3B4A-4B9A-82B2-89339E5CD112}" type="presParOf" srcId="{1A2F7837-8D5B-418A-B36F-BEF2EE80CF42}" destId="{AA790134-3761-4217-B8A5-B98E7B1B60A5}" srcOrd="1" destOrd="0" presId="urn:microsoft.com/office/officeart/2005/8/layout/hierarchy1"/>
     <dgm:cxn modelId="{D0FCBA76-B0DB-42BC-AA03-6B65728D7377}" type="presParOf" srcId="{7A9ACAFC-3ABD-44D0-B0C7-EB56197F3037}" destId="{17C29287-47FC-47BF-AC99-F03A546891FC}" srcOrd="1" destOrd="0" presId="urn:microsoft.com/office/officeart/2005/8/layout/hierarchy1"/>
-    <dgm:cxn modelId="{960AC765-CA06-43EC-AA18-7992A7B13DA5}" type="presParOf" srcId="{4593BF1E-B70D-4ACA-B8D9-755F9B162191}" destId="{45533065-9FF4-4DB7-92A7-8EA5E5C035A6}" srcOrd="2" destOrd="0" presId="urn:microsoft.com/office/officeart/2005/8/layout/hierarchy1"/>
-    <dgm:cxn modelId="{10693F27-04AC-4B79-AECA-6FEAE2047AF7}" type="presParOf" srcId="{45533065-9FF4-4DB7-92A7-8EA5E5C035A6}" destId="{3A329A9E-57B7-4CDA-BF41-A3FBB07185C9}" srcOrd="0" destOrd="0" presId="urn:microsoft.com/office/officeart/2005/8/layout/hierarchy1"/>
-    <dgm:cxn modelId="{BF1A50C6-64D8-4F02-B11F-C6FBF4344755}" type="presParOf" srcId="{3A329A9E-57B7-4CDA-BF41-A3FBB07185C9}" destId="{85812327-8807-4A68-9589-5507CD70DD1B}" srcOrd="0" destOrd="0" presId="urn:microsoft.com/office/officeart/2005/8/layout/hierarchy1"/>
-    <dgm:cxn modelId="{E77DA081-C14B-4181-B24B-B63E292B3191}" type="presParOf" srcId="{3A329A9E-57B7-4CDA-BF41-A3FBB07185C9}" destId="{6FC54098-78F1-42E0-9123-756D54A3C4DA}" srcOrd="1" destOrd="0" presId="urn:microsoft.com/office/officeart/2005/8/layout/hierarchy1"/>
-    <dgm:cxn modelId="{67EE3264-CDA3-4BE5-A9C4-BEDC4ACED85D}" type="presParOf" srcId="{45533065-9FF4-4DB7-92A7-8EA5E5C035A6}" destId="{11E1B1E2-BD84-4CBF-8DA7-535D37ADA8B7}" srcOrd="1" destOrd="0" presId="urn:microsoft.com/office/officeart/2005/8/layout/hierarchy1"/>
-    <dgm:cxn modelId="{13475C17-1171-4A52-8CC4-D79FE92A071B}" type="presParOf" srcId="{4593BF1E-B70D-4ACA-B8D9-755F9B162191}" destId="{FEB1327F-42DD-41D6-BFEE-221480F138E5}" srcOrd="3" destOrd="0" presId="urn:microsoft.com/office/officeart/2005/8/layout/hierarchy1"/>
+    <dgm:cxn modelId="{13475C17-1171-4A52-8CC4-D79FE92A071B}" type="presParOf" srcId="{4593BF1E-B70D-4ACA-B8D9-755F9B162191}" destId="{FEB1327F-42DD-41D6-BFEE-221480F138E5}" srcOrd="2" destOrd="0" presId="urn:microsoft.com/office/officeart/2005/8/layout/hierarchy1"/>
     <dgm:cxn modelId="{6C96E929-CE50-47C8-A7A4-49D77EBC187F}" type="presParOf" srcId="{FEB1327F-42DD-41D6-BFEE-221480F138E5}" destId="{9E634310-584B-4A7A-9405-90771B3532AE}" srcOrd="0" destOrd="0" presId="urn:microsoft.com/office/officeart/2005/8/layout/hierarchy1"/>
     <dgm:cxn modelId="{15CD8540-EA68-47BE-B4B0-354ABF249C44}" type="presParOf" srcId="{9E634310-584B-4A7A-9405-90771B3532AE}" destId="{F39B15B5-1CCB-49A5-A9E8-BC61AAD9267A}" srcOrd="0" destOrd="0" presId="urn:microsoft.com/office/officeart/2005/8/layout/hierarchy1"/>
     <dgm:cxn modelId="{584DD374-1091-49DA-A833-43B3DF89FE9A}" type="presParOf" srcId="{9E634310-584B-4A7A-9405-90771B3532AE}" destId="{92ACF603-3FFF-4C44-9368-8402AEE0757D}" srcOrd="1" destOrd="0" presId="urn:microsoft.com/office/officeart/2005/8/layout/hierarchy1"/>
@@ -5959,8 +5899,8 @@
       </dsp:nvSpPr>
       <dsp:spPr>
         <a:xfrm>
-          <a:off x="3080" y="1361187"/>
-          <a:ext cx="2199649" cy="1396777"/>
+          <a:off x="0" y="1080567"/>
+          <a:ext cx="2957512" cy="1878020"/>
         </a:xfrm>
         <a:prstGeom prst="roundRect">
           <a:avLst>
@@ -6011,8 +5951,8 @@
       </dsp:nvSpPr>
       <dsp:spPr>
         <a:xfrm>
-          <a:off x="247486" y="1593372"/>
-          <a:ext cx="2199649" cy="1396777"/>
+          <a:off x="328612" y="1392749"/>
+          <a:ext cx="2957512" cy="1878020"/>
         </a:xfrm>
         <a:prstGeom prst="roundRect">
           <a:avLst>
@@ -6055,12 +5995,12 @@
         <a:fontRef idx="minor"/>
       </dsp:style>
       <dsp:txBody>
-        <a:bodyPr spcFirstLastPara="0" vert="horz" wrap="square" lIns="99060" tIns="99060" rIns="99060" bIns="99060" numCol="1" spcCol="1270" anchor="ctr" anchorCtr="0">
+        <a:bodyPr spcFirstLastPara="0" vert="horz" wrap="square" lIns="133350" tIns="133350" rIns="133350" bIns="133350" numCol="1" spcCol="1270" anchor="ctr" anchorCtr="0">
           <a:noAutofit/>
         </a:bodyPr>
         <a:lstStyle/>
         <a:p>
-          <a:pPr marL="0" lvl="0" indent="0" algn="ctr" defTabSz="1155700">
+          <a:pPr marL="0" lvl="0" indent="0" algn="ctr" defTabSz="1555750">
             <a:lnSpc>
               <a:spcPct val="90000"/>
             </a:lnSpc>
@@ -6073,15 +6013,15 @@
             <a:buNone/>
           </a:pPr>
           <a:r>
-            <a:rPr lang="cs-CZ" sz="2600" kern="1200"/>
+            <a:rPr lang="cs-CZ" sz="3500" kern="1200" dirty="0"/>
             <a:t>Vytisknutelné statistiky</a:t>
           </a:r>
-          <a:endParaRPr lang="en-US" sz="2600" kern="1200"/>
+          <a:endParaRPr lang="en-US" sz="3500" kern="1200" dirty="0"/>
         </a:p>
       </dsp:txBody>
       <dsp:txXfrm>
-        <a:off x="288396" y="1634282"/>
-        <a:ext cx="2117829" cy="1314957"/>
+        <a:off x="383617" y="1447754"/>
+        <a:ext cx="2847502" cy="1768010"/>
       </dsp:txXfrm>
     </dsp:sp>
     <dsp:sp modelId="{A00104AD-C837-46A3-8972-A736E8558104}">
@@ -6091,8 +6031,8 @@
       </dsp:nvSpPr>
       <dsp:spPr>
         <a:xfrm>
-          <a:off x="2691541" y="1361187"/>
-          <a:ext cx="2199649" cy="1396777"/>
+          <a:off x="3614737" y="1080567"/>
+          <a:ext cx="2957512" cy="1878020"/>
         </a:xfrm>
         <a:prstGeom prst="roundRect">
           <a:avLst>
@@ -6143,8 +6083,8 @@
       </dsp:nvSpPr>
       <dsp:spPr>
         <a:xfrm>
-          <a:off x="2935947" y="1593372"/>
-          <a:ext cx="2199649" cy="1396777"/>
+          <a:off x="3943350" y="1392749"/>
+          <a:ext cx="2957512" cy="1878020"/>
         </a:xfrm>
         <a:prstGeom prst="roundRect">
           <a:avLst>
@@ -6187,12 +6127,12 @@
         <a:fontRef idx="minor"/>
       </dsp:style>
       <dsp:txBody>
-        <a:bodyPr spcFirstLastPara="0" vert="horz" wrap="square" lIns="99060" tIns="99060" rIns="99060" bIns="99060" numCol="1" spcCol="1270" anchor="ctr" anchorCtr="0">
+        <a:bodyPr spcFirstLastPara="0" vert="horz" wrap="square" lIns="133350" tIns="133350" rIns="133350" bIns="133350" numCol="1" spcCol="1270" anchor="ctr" anchorCtr="0">
           <a:noAutofit/>
         </a:bodyPr>
         <a:lstStyle/>
         <a:p>
-          <a:pPr marL="0" lvl="0" indent="0" algn="ctr" defTabSz="1155700">
+          <a:pPr marL="0" lvl="0" indent="0" algn="ctr" defTabSz="1555750">
             <a:lnSpc>
               <a:spcPct val="90000"/>
             </a:lnSpc>
@@ -6205,147 +6145,23 @@
             <a:buNone/>
           </a:pPr>
           <a:r>
-            <a:rPr lang="cs-CZ" sz="2600" kern="1200"/>
-            <a:t>Grafické zobrazení výsledků</a:t>
+            <a:rPr lang="en-US" sz="3500" kern="1200" dirty="0" err="1"/>
+            <a:t>Grafick</a:t>
           </a:r>
-          <a:endParaRPr lang="en-US" sz="2600" kern="1200"/>
+          <a:r>
+            <a:rPr lang="cs-CZ" sz="3500" kern="1200" dirty="0"/>
+            <a:t>é </a:t>
+          </a:r>
+          <a:r>
+            <a:rPr lang="cs-CZ" sz="3500" kern="1200"/>
+            <a:t>zobrazení statistik</a:t>
+          </a:r>
+          <a:endParaRPr lang="en-US" sz="3500" kern="1200" dirty="0"/>
         </a:p>
       </dsp:txBody>
       <dsp:txXfrm>
-        <a:off x="2976857" y="1634282"/>
-        <a:ext cx="2117829" cy="1314957"/>
-      </dsp:txXfrm>
-    </dsp:sp>
-    <dsp:sp modelId="{85812327-8807-4A68-9589-5507CD70DD1B}">
-      <dsp:nvSpPr>
-        <dsp:cNvPr id="0" name=""/>
-        <dsp:cNvSpPr/>
-      </dsp:nvSpPr>
-      <dsp:spPr>
-        <a:xfrm>
-          <a:off x="5380002" y="1361187"/>
-          <a:ext cx="2199649" cy="1396777"/>
-        </a:xfrm>
-        <a:prstGeom prst="roundRect">
-          <a:avLst>
-            <a:gd name="adj" fmla="val 10000"/>
-          </a:avLst>
-        </a:prstGeom>
-        <a:solidFill>
-          <a:schemeClr val="accent1">
-            <a:hueOff val="0"/>
-            <a:satOff val="0"/>
-            <a:lumOff val="0"/>
-            <a:alphaOff val="0"/>
-          </a:schemeClr>
-        </a:solidFill>
-        <a:ln w="12700" cap="flat" cmpd="sng" algn="ctr">
-          <a:solidFill>
-            <a:schemeClr val="lt1">
-              <a:hueOff val="0"/>
-              <a:satOff val="0"/>
-              <a:lumOff val="0"/>
-              <a:alphaOff val="0"/>
-            </a:schemeClr>
-          </a:solidFill>
-          <a:prstDash val="solid"/>
-          <a:miter lim="800000"/>
-        </a:ln>
-        <a:effectLst/>
-      </dsp:spPr>
-      <dsp:style>
-        <a:lnRef idx="2">
-          <a:scrgbClr r="0" g="0" b="0"/>
-        </a:lnRef>
-        <a:fillRef idx="1">
-          <a:scrgbClr r="0" g="0" b="0"/>
-        </a:fillRef>
-        <a:effectRef idx="0">
-          <a:scrgbClr r="0" g="0" b="0"/>
-        </a:effectRef>
-        <a:fontRef idx="minor">
-          <a:schemeClr val="lt1"/>
-        </a:fontRef>
-      </dsp:style>
-    </dsp:sp>
-    <dsp:sp modelId="{6FC54098-78F1-42E0-9123-756D54A3C4DA}">
-      <dsp:nvSpPr>
-        <dsp:cNvPr id="0" name=""/>
-        <dsp:cNvSpPr/>
-      </dsp:nvSpPr>
-      <dsp:spPr>
-        <a:xfrm>
-          <a:off x="5624408" y="1593372"/>
-          <a:ext cx="2199649" cy="1396777"/>
-        </a:xfrm>
-        <a:prstGeom prst="roundRect">
-          <a:avLst>
-            <a:gd name="adj" fmla="val 10000"/>
-          </a:avLst>
-        </a:prstGeom>
-        <a:solidFill>
-          <a:schemeClr val="lt1">
-            <a:alpha val="90000"/>
-            <a:hueOff val="0"/>
-            <a:satOff val="0"/>
-            <a:lumOff val="0"/>
-            <a:alphaOff val="0"/>
-          </a:schemeClr>
-        </a:solidFill>
-        <a:ln w="12700" cap="flat" cmpd="sng" algn="ctr">
-          <a:solidFill>
-            <a:schemeClr val="accent1">
-              <a:hueOff val="0"/>
-              <a:satOff val="0"/>
-              <a:lumOff val="0"/>
-              <a:alphaOff val="0"/>
-            </a:schemeClr>
-          </a:solidFill>
-          <a:prstDash val="solid"/>
-          <a:miter lim="800000"/>
-        </a:ln>
-        <a:effectLst/>
-      </dsp:spPr>
-      <dsp:style>
-        <a:lnRef idx="2">
-          <a:scrgbClr r="0" g="0" b="0"/>
-        </a:lnRef>
-        <a:fillRef idx="1">
-          <a:scrgbClr r="0" g="0" b="0"/>
-        </a:fillRef>
-        <a:effectRef idx="0">
-          <a:scrgbClr r="0" g="0" b="0"/>
-        </a:effectRef>
-        <a:fontRef idx="minor"/>
-      </dsp:style>
-      <dsp:txBody>
-        <a:bodyPr spcFirstLastPara="0" vert="horz" wrap="square" lIns="99060" tIns="99060" rIns="99060" bIns="99060" numCol="1" spcCol="1270" anchor="ctr" anchorCtr="0">
-          <a:noAutofit/>
-        </a:bodyPr>
-        <a:lstStyle/>
-        <a:p>
-          <a:pPr marL="0" lvl="0" indent="0" algn="ctr" defTabSz="1155700">
-            <a:lnSpc>
-              <a:spcPct val="90000"/>
-            </a:lnSpc>
-            <a:spcBef>
-              <a:spcPct val="0"/>
-            </a:spcBef>
-            <a:spcAft>
-              <a:spcPct val="35000"/>
-            </a:spcAft>
-            <a:buNone/>
-          </a:pPr>
-          <a:r>
-            <a:rPr lang="cs-CZ" sz="2600" kern="1200"/>
-            <a:t>Invite kódy pro žáky</a:t>
-          </a:r>
-          <a:endParaRPr lang="en-US" sz="2600" kern="1200"/>
-        </a:p>
-      </dsp:txBody>
-      <dsp:txXfrm>
-        <a:off x="5665318" y="1634282"/>
-        <a:ext cx="2117829" cy="1314957"/>
+        <a:off x="3998355" y="1447754"/>
+        <a:ext cx="2847502" cy="1768010"/>
       </dsp:txXfrm>
     </dsp:sp>
     <dsp:sp modelId="{F39B15B5-1CCB-49A5-A9E8-BC61AAD9267A}">
@@ -6355,8 +6171,8 @@
       </dsp:nvSpPr>
       <dsp:spPr>
         <a:xfrm>
-          <a:off x="8068463" y="1361187"/>
-          <a:ext cx="2199649" cy="1396777"/>
+          <a:off x="7229475" y="1080567"/>
+          <a:ext cx="2957512" cy="1878020"/>
         </a:xfrm>
         <a:prstGeom prst="roundRect">
           <a:avLst>
@@ -6407,8 +6223,8 @@
       </dsp:nvSpPr>
       <dsp:spPr>
         <a:xfrm>
-          <a:off x="8312869" y="1593372"/>
-          <a:ext cx="2199649" cy="1396777"/>
+          <a:off x="7558087" y="1392749"/>
+          <a:ext cx="2957512" cy="1878020"/>
         </a:xfrm>
         <a:prstGeom prst="roundRect">
           <a:avLst>
@@ -6451,12 +6267,12 @@
         <a:fontRef idx="minor"/>
       </dsp:style>
       <dsp:txBody>
-        <a:bodyPr spcFirstLastPara="0" vert="horz" wrap="square" lIns="99060" tIns="99060" rIns="99060" bIns="99060" numCol="1" spcCol="1270" anchor="ctr" anchorCtr="0">
+        <a:bodyPr spcFirstLastPara="0" vert="horz" wrap="square" lIns="133350" tIns="133350" rIns="133350" bIns="133350" numCol="1" spcCol="1270" anchor="ctr" anchorCtr="0">
           <a:noAutofit/>
         </a:bodyPr>
         <a:lstStyle/>
         <a:p>
-          <a:pPr marL="0" lvl="0" indent="0" algn="ctr" defTabSz="1155700">
+          <a:pPr marL="0" lvl="0" indent="0" algn="ctr" defTabSz="1555750">
             <a:lnSpc>
               <a:spcPct val="90000"/>
             </a:lnSpc>
@@ -6469,15 +6285,15 @@
             <a:buNone/>
           </a:pPr>
           <a:r>
-            <a:rPr lang="cs-CZ" sz="2600" kern="1200"/>
+            <a:rPr lang="cs-CZ" sz="3500" kern="1200" dirty="0"/>
             <a:t>Odesílání výsledku testu na email</a:t>
           </a:r>
-          <a:endParaRPr lang="en-US" sz="2600" kern="1200"/>
+          <a:endParaRPr lang="en-US" sz="3500" kern="1200" dirty="0"/>
         </a:p>
       </dsp:txBody>
       <dsp:txXfrm>
-        <a:off x="8353779" y="1634282"/>
-        <a:ext cx="2117829" cy="1314957"/>
+        <a:off x="7613092" y="1447754"/>
+        <a:ext cx="2847502" cy="1768010"/>
       </dsp:txXfrm>
     </dsp:sp>
   </dsp:spTree>
@@ -12671,7 +12487,7 @@
           <a:p>
             <a:fld id="{94999E89-0C62-4C48-8BF4-BB5CA89E1927}" type="datetimeFigureOut">
               <a:rPr lang="cs-CZ" smtClean="0"/>
-              <a:t>18.01.2023</a:t>
+              <a:t>13.04.2023</a:t>
             </a:fld>
             <a:endParaRPr lang="cs-CZ"/>
           </a:p>
@@ -12869,7 +12685,7 @@
           <a:p>
             <a:fld id="{94999E89-0C62-4C48-8BF4-BB5CA89E1927}" type="datetimeFigureOut">
               <a:rPr lang="cs-CZ" smtClean="0"/>
-              <a:t>18.01.2023</a:t>
+              <a:t>13.04.2023</a:t>
             </a:fld>
             <a:endParaRPr lang="cs-CZ"/>
           </a:p>
@@ -13077,7 +12893,7 @@
           <a:p>
             <a:fld id="{94999E89-0C62-4C48-8BF4-BB5CA89E1927}" type="datetimeFigureOut">
               <a:rPr lang="cs-CZ" smtClean="0"/>
-              <a:t>18.01.2023</a:t>
+              <a:t>13.04.2023</a:t>
             </a:fld>
             <a:endParaRPr lang="cs-CZ"/>
           </a:p>
@@ -13275,7 +13091,7 @@
           <a:p>
             <a:fld id="{94999E89-0C62-4C48-8BF4-BB5CA89E1927}" type="datetimeFigureOut">
               <a:rPr lang="cs-CZ" smtClean="0"/>
-              <a:t>18.01.2023</a:t>
+              <a:t>13.04.2023</a:t>
             </a:fld>
             <a:endParaRPr lang="cs-CZ"/>
           </a:p>
@@ -13550,7 +13366,7 @@
           <a:p>
             <a:fld id="{94999E89-0C62-4C48-8BF4-BB5CA89E1927}" type="datetimeFigureOut">
               <a:rPr lang="cs-CZ" smtClean="0"/>
-              <a:t>18.01.2023</a:t>
+              <a:t>13.04.2023</a:t>
             </a:fld>
             <a:endParaRPr lang="cs-CZ"/>
           </a:p>
@@ -13815,7 +13631,7 @@
           <a:p>
             <a:fld id="{94999E89-0C62-4C48-8BF4-BB5CA89E1927}" type="datetimeFigureOut">
               <a:rPr lang="cs-CZ" smtClean="0"/>
-              <a:t>18.01.2023</a:t>
+              <a:t>13.04.2023</a:t>
             </a:fld>
             <a:endParaRPr lang="cs-CZ"/>
           </a:p>
@@ -14227,7 +14043,7 @@
           <a:p>
             <a:fld id="{94999E89-0C62-4C48-8BF4-BB5CA89E1927}" type="datetimeFigureOut">
               <a:rPr lang="cs-CZ" smtClean="0"/>
-              <a:t>18.01.2023</a:t>
+              <a:t>13.04.2023</a:t>
             </a:fld>
             <a:endParaRPr lang="cs-CZ"/>
           </a:p>
@@ -14368,7 +14184,7 @@
           <a:p>
             <a:fld id="{94999E89-0C62-4C48-8BF4-BB5CA89E1927}" type="datetimeFigureOut">
               <a:rPr lang="cs-CZ" smtClean="0"/>
-              <a:t>18.01.2023</a:t>
+              <a:t>13.04.2023</a:t>
             </a:fld>
             <a:endParaRPr lang="cs-CZ"/>
           </a:p>
@@ -14481,7 +14297,7 @@
           <a:p>
             <a:fld id="{94999E89-0C62-4C48-8BF4-BB5CA89E1927}" type="datetimeFigureOut">
               <a:rPr lang="cs-CZ" smtClean="0"/>
-              <a:t>18.01.2023</a:t>
+              <a:t>13.04.2023</a:t>
             </a:fld>
             <a:endParaRPr lang="cs-CZ"/>
           </a:p>
@@ -14792,7 +14608,7 @@
           <a:p>
             <a:fld id="{94999E89-0C62-4C48-8BF4-BB5CA89E1927}" type="datetimeFigureOut">
               <a:rPr lang="cs-CZ" smtClean="0"/>
-              <a:t>18.01.2023</a:t>
+              <a:t>13.04.2023</a:t>
             </a:fld>
             <a:endParaRPr lang="cs-CZ"/>
           </a:p>
@@ -15080,7 +14896,7 @@
           <a:p>
             <a:fld id="{94999E89-0C62-4C48-8BF4-BB5CA89E1927}" type="datetimeFigureOut">
               <a:rPr lang="cs-CZ" smtClean="0"/>
-              <a:t>18.01.2023</a:t>
+              <a:t>13.04.2023</a:t>
             </a:fld>
             <a:endParaRPr lang="cs-CZ"/>
           </a:p>
@@ -15321,7 +15137,7 @@
           <a:p>
             <a:fld id="{94999E89-0C62-4C48-8BF4-BB5CA89E1927}" type="datetimeFigureOut">
               <a:rPr lang="cs-CZ" smtClean="0"/>
-              <a:t>18.01.2023</a:t>
+              <a:t>13.04.2023</a:t>
             </a:fld>
             <a:endParaRPr lang="cs-CZ"/>
           </a:p>
@@ -17873,7 +17689,7 @@
             <p:ph idx="1"/>
             <p:extLst>
               <p:ext uri="{D42A27DB-BD31-4B8C-83A1-F6EECF244321}">
-                <p14:modId xmlns:p14="http://schemas.microsoft.com/office/powerpoint/2010/main" val="2949329264"/>
+                <p14:modId xmlns:p14="http://schemas.microsoft.com/office/powerpoint/2010/main" val="3316443618"/>
               </p:ext>
             </p:extLst>
           </p:nvPr>
